--- a/Daegu/보고서/대구교통사고 예측.pptx
+++ b/Daegu/보고서/대구교통사고 예측.pptx
@@ -10,6 +10,12 @@
     <p:sldId id="256" r:id="rId4"/>
     <p:sldId id="259" r:id="rId5"/>
     <p:sldId id="260" r:id="rId6"/>
+    <p:sldId id="261" r:id="rId7"/>
+    <p:sldId id="262" r:id="rId8"/>
+    <p:sldId id="263" r:id="rId9"/>
+    <p:sldId id="264" r:id="rId10"/>
+    <p:sldId id="265" r:id="rId11"/>
+    <p:sldId id="266" r:id="rId12"/>
   </p:sldIdLst>
   <p:sldSz cx="12192000" cy="6858000"/>
   <p:notesSz cx="6858000" cy="9144000"/>
@@ -263,7 +269,7 @@
           <a:p>
             <a:fld id="{1FC0D6BD-800E-41B1-8DDB-4059BEDF1D3A}" type="datetimeFigureOut">
               <a:rPr lang="ko-KR" altLang="en-US" smtClean="0"/>
-              <a:t>2024-01-29</a:t>
+              <a:t>2024-02-11</a:t>
             </a:fld>
             <a:endParaRPr lang="ko-KR" altLang="en-US"/>
           </a:p>
@@ -461,7 +467,7 @@
           <a:p>
             <a:fld id="{1FC0D6BD-800E-41B1-8DDB-4059BEDF1D3A}" type="datetimeFigureOut">
               <a:rPr lang="ko-KR" altLang="en-US" smtClean="0"/>
-              <a:t>2024-01-29</a:t>
+              <a:t>2024-02-11</a:t>
             </a:fld>
             <a:endParaRPr lang="ko-KR" altLang="en-US"/>
           </a:p>
@@ -669,7 +675,7 @@
           <a:p>
             <a:fld id="{1FC0D6BD-800E-41B1-8DDB-4059BEDF1D3A}" type="datetimeFigureOut">
               <a:rPr lang="ko-KR" altLang="en-US" smtClean="0"/>
-              <a:t>2024-01-29</a:t>
+              <a:t>2024-02-11</a:t>
             </a:fld>
             <a:endParaRPr lang="ko-KR" altLang="en-US"/>
           </a:p>
@@ -867,7 +873,7 @@
           <a:p>
             <a:fld id="{1FC0D6BD-800E-41B1-8DDB-4059BEDF1D3A}" type="datetimeFigureOut">
               <a:rPr lang="ko-KR" altLang="en-US" smtClean="0"/>
-              <a:t>2024-01-29</a:t>
+              <a:t>2024-02-11</a:t>
             </a:fld>
             <a:endParaRPr lang="ko-KR" altLang="en-US"/>
           </a:p>
@@ -1142,7 +1148,7 @@
           <a:p>
             <a:fld id="{1FC0D6BD-800E-41B1-8DDB-4059BEDF1D3A}" type="datetimeFigureOut">
               <a:rPr lang="ko-KR" altLang="en-US" smtClean="0"/>
-              <a:t>2024-01-29</a:t>
+              <a:t>2024-02-11</a:t>
             </a:fld>
             <a:endParaRPr lang="ko-KR" altLang="en-US"/>
           </a:p>
@@ -1407,7 +1413,7 @@
           <a:p>
             <a:fld id="{1FC0D6BD-800E-41B1-8DDB-4059BEDF1D3A}" type="datetimeFigureOut">
               <a:rPr lang="ko-KR" altLang="en-US" smtClean="0"/>
-              <a:t>2024-01-29</a:t>
+              <a:t>2024-02-11</a:t>
             </a:fld>
             <a:endParaRPr lang="ko-KR" altLang="en-US"/>
           </a:p>
@@ -1819,7 +1825,7 @@
           <a:p>
             <a:fld id="{1FC0D6BD-800E-41B1-8DDB-4059BEDF1D3A}" type="datetimeFigureOut">
               <a:rPr lang="ko-KR" altLang="en-US" smtClean="0"/>
-              <a:t>2024-01-29</a:t>
+              <a:t>2024-02-11</a:t>
             </a:fld>
             <a:endParaRPr lang="ko-KR" altLang="en-US"/>
           </a:p>
@@ -1960,7 +1966,7 @@
           <a:p>
             <a:fld id="{1FC0D6BD-800E-41B1-8DDB-4059BEDF1D3A}" type="datetimeFigureOut">
               <a:rPr lang="ko-KR" altLang="en-US" smtClean="0"/>
-              <a:t>2024-01-29</a:t>
+              <a:t>2024-02-11</a:t>
             </a:fld>
             <a:endParaRPr lang="ko-KR" altLang="en-US"/>
           </a:p>
@@ -2073,7 +2079,7 @@
           <a:p>
             <a:fld id="{1FC0D6BD-800E-41B1-8DDB-4059BEDF1D3A}" type="datetimeFigureOut">
               <a:rPr lang="ko-KR" altLang="en-US" smtClean="0"/>
-              <a:t>2024-01-29</a:t>
+              <a:t>2024-02-11</a:t>
             </a:fld>
             <a:endParaRPr lang="ko-KR" altLang="en-US"/>
           </a:p>
@@ -2384,7 +2390,7 @@
           <a:p>
             <a:fld id="{1FC0D6BD-800E-41B1-8DDB-4059BEDF1D3A}" type="datetimeFigureOut">
               <a:rPr lang="ko-KR" altLang="en-US" smtClean="0"/>
-              <a:t>2024-01-29</a:t>
+              <a:t>2024-02-11</a:t>
             </a:fld>
             <a:endParaRPr lang="ko-KR" altLang="en-US"/>
           </a:p>
@@ -2672,7 +2678,7 @@
           <a:p>
             <a:fld id="{1FC0D6BD-800E-41B1-8DDB-4059BEDF1D3A}" type="datetimeFigureOut">
               <a:rPr lang="ko-KR" altLang="en-US" smtClean="0"/>
-              <a:t>2024-01-29</a:t>
+              <a:t>2024-02-11</a:t>
             </a:fld>
             <a:endParaRPr lang="ko-KR" altLang="en-US"/>
           </a:p>
@@ -2913,7 +2919,7 @@
           <a:p>
             <a:fld id="{1FC0D6BD-800E-41B1-8DDB-4059BEDF1D3A}" type="datetimeFigureOut">
               <a:rPr lang="ko-KR" altLang="en-US" smtClean="0"/>
-              <a:t>2024-01-29</a:t>
+              <a:t>2024-02-11</a:t>
             </a:fld>
             <a:endParaRPr lang="ko-KR" altLang="en-US"/>
           </a:p>
@@ -3343,6 +3349,1267 @@
 </p:sld>
 </file>
 
+<file path=ppt/slides/slide10.xml><?xml version="1.0" encoding="utf-8"?>
+<p:sld xmlns:a="http://schemas.openxmlformats.org/drawingml/2006/main" xmlns:r="http://schemas.openxmlformats.org/officeDocument/2006/relationships" xmlns:p="http://schemas.openxmlformats.org/presentationml/2006/main">
+  <p:cSld>
+    <p:spTree>
+      <p:nvGrpSpPr>
+        <p:cNvPr id="1" name="">
+          <a:extLst>
+            <a:ext uri="{FF2B5EF4-FFF2-40B4-BE49-F238E27FC236}">
+              <a16:creationId xmlns:a16="http://schemas.microsoft.com/office/drawing/2014/main" id="{7666A874-BB3F-E8C1-0669-F0CE9DE89564}"/>
+            </a:ext>
+          </a:extLst>
+        </p:cNvPr>
+        <p:cNvGrpSpPr/>
+        <p:nvPr/>
+      </p:nvGrpSpPr>
+      <p:grpSpPr>
+        <a:xfrm>
+          <a:off x="0" y="0"/>
+          <a:ext cx="0" cy="0"/>
+          <a:chOff x="0" y="0"/>
+          <a:chExt cx="0" cy="0"/>
+        </a:xfrm>
+      </p:grpSpPr>
+      <p:sp>
+        <p:nvSpPr>
+          <p:cNvPr id="10" name="TextBox 9">
+            <a:extLst>
+              <a:ext uri="{FF2B5EF4-FFF2-40B4-BE49-F238E27FC236}">
+                <a16:creationId xmlns:a16="http://schemas.microsoft.com/office/drawing/2014/main" id="{53731AE4-F1DA-46F8-3605-42F036EAE861}"/>
+              </a:ext>
+            </a:extLst>
+          </p:cNvPr>
+          <p:cNvSpPr txBox="1"/>
+          <p:nvPr/>
+        </p:nvSpPr>
+        <p:spPr>
+          <a:xfrm>
+            <a:off x="502055" y="420434"/>
+            <a:ext cx="1130438" cy="369332"/>
+          </a:xfrm>
+          <a:prstGeom prst="rect">
+            <a:avLst/>
+          </a:prstGeom>
+          <a:noFill/>
+        </p:spPr>
+        <p:txBody>
+          <a:bodyPr wrap="none" rtlCol="0">
+            <a:spAutoFit/>
+          </a:bodyPr>
+          <a:lstStyle/>
+          <a:p>
+            <a:r>
+              <a:rPr lang="en-US" altLang="ko-KR" b="0" i="0" dirty="0">
+                <a:solidFill>
+                  <a:srgbClr val="202124"/>
+                </a:solidFill>
+                <a:effectLst/>
+                <a:latin typeface="Apple SD Gothic Neo"/>
+              </a:rPr>
+              <a:t>Modelling</a:t>
+            </a:r>
+            <a:endParaRPr lang="en-US" altLang="ko-KR" dirty="0"/>
+          </a:p>
+        </p:txBody>
+      </p:sp>
+      <p:sp>
+        <p:nvSpPr>
+          <p:cNvPr id="3" name="TextBox 2">
+            <a:extLst>
+              <a:ext uri="{FF2B5EF4-FFF2-40B4-BE49-F238E27FC236}">
+                <a16:creationId xmlns:a16="http://schemas.microsoft.com/office/drawing/2014/main" id="{FC496CF4-C7D5-9E97-93D9-FAD65792AA4A}"/>
+              </a:ext>
+            </a:extLst>
+          </p:cNvPr>
+          <p:cNvSpPr txBox="1"/>
+          <p:nvPr/>
+        </p:nvSpPr>
+        <p:spPr>
+          <a:xfrm>
+            <a:off x="790575" y="1047750"/>
+            <a:ext cx="7951536" cy="1200329"/>
+          </a:xfrm>
+          <a:prstGeom prst="rect">
+            <a:avLst/>
+          </a:prstGeom>
+          <a:noFill/>
+        </p:spPr>
+        <p:txBody>
+          <a:bodyPr wrap="none" rtlCol="0">
+            <a:spAutoFit/>
+          </a:bodyPr>
+          <a:lstStyle/>
+          <a:p>
+            <a:pPr marL="342900" indent="-342900">
+              <a:buAutoNum type="arabicPeriod"/>
+            </a:pPr>
+            <a:r>
+              <a:rPr lang="en-US" altLang="ko-KR" dirty="0"/>
+              <a:t>XGB, Huber, LGBM  3</a:t>
+            </a:r>
+            <a:r>
+              <a:rPr lang="ko-KR" altLang="en-US" dirty="0"/>
+              <a:t>가지 모델 </a:t>
+            </a:r>
+            <a:r>
+              <a:rPr lang="en-US" altLang="ko-KR" dirty="0" err="1"/>
+              <a:t>Optuna</a:t>
+            </a:r>
+            <a:r>
+              <a:rPr lang="en-US" altLang="ko-KR" dirty="0"/>
+              <a:t> </a:t>
+            </a:r>
+            <a:r>
+              <a:rPr lang="ko-KR" altLang="en-US" dirty="0" err="1"/>
+              <a:t>하이퍼파라미터</a:t>
+            </a:r>
+            <a:r>
+              <a:rPr lang="ko-KR" altLang="en-US" dirty="0"/>
+              <a:t> 튜닝 후 선별</a:t>
+            </a:r>
+            <a:endParaRPr lang="en-US" altLang="ko-KR" dirty="0"/>
+          </a:p>
+          <a:p>
+            <a:pPr marL="342900" indent="-342900">
+              <a:buAutoNum type="arabicPeriod"/>
+            </a:pPr>
+            <a:endParaRPr lang="en-US" altLang="ko-KR" dirty="0"/>
+          </a:p>
+          <a:p>
+            <a:pPr marL="342900" indent="-342900">
+              <a:buFontTx/>
+              <a:buAutoNum type="arabicPeriod"/>
+            </a:pPr>
+            <a:r>
+              <a:rPr lang="en-US" altLang="ko-KR" dirty="0"/>
+              <a:t>XGB, Huber, LGBM  3</a:t>
+            </a:r>
+            <a:r>
+              <a:rPr lang="ko-KR" altLang="en-US" dirty="0"/>
+              <a:t>가지 모델 </a:t>
+            </a:r>
+            <a:r>
+              <a:rPr lang="en-US" altLang="ko-KR" dirty="0" err="1"/>
+              <a:t>Optuna</a:t>
+            </a:r>
+            <a:r>
+              <a:rPr lang="en-US" altLang="ko-KR" dirty="0"/>
+              <a:t> </a:t>
+            </a:r>
+            <a:r>
+              <a:rPr lang="ko-KR" altLang="en-US" dirty="0" err="1"/>
+              <a:t>하이퍼파라미터</a:t>
+            </a:r>
+            <a:r>
+              <a:rPr lang="ko-KR" altLang="en-US" dirty="0"/>
+              <a:t> 튜닝 후 앙상블</a:t>
+            </a:r>
+          </a:p>
+          <a:p>
+            <a:pPr marL="342900" indent="-342900">
+              <a:buAutoNum type="arabicPeriod"/>
+            </a:pPr>
+            <a:endParaRPr lang="ko-KR" altLang="en-US" dirty="0"/>
+          </a:p>
+        </p:txBody>
+      </p:sp>
+      <p:sp>
+        <p:nvSpPr>
+          <p:cNvPr id="5" name="사각형: 둥근 모서리 4">
+            <a:extLst>
+              <a:ext uri="{FF2B5EF4-FFF2-40B4-BE49-F238E27FC236}">
+                <a16:creationId xmlns:a16="http://schemas.microsoft.com/office/drawing/2014/main" id="{38061A0A-1BC9-C9CB-F383-C5519B3299DB}"/>
+              </a:ext>
+            </a:extLst>
+          </p:cNvPr>
+          <p:cNvSpPr/>
+          <p:nvPr/>
+        </p:nvSpPr>
+        <p:spPr>
+          <a:xfrm>
+            <a:off x="676275" y="5181600"/>
+            <a:ext cx="1571626" cy="495300"/>
+          </a:xfrm>
+          <a:prstGeom prst="roundRect">
+            <a:avLst/>
+          </a:prstGeom>
+          <a:noFill/>
+        </p:spPr>
+        <p:style>
+          <a:lnRef idx="2">
+            <a:schemeClr val="accent1">
+              <a:shade val="15000"/>
+            </a:schemeClr>
+          </a:lnRef>
+          <a:fillRef idx="1">
+            <a:schemeClr val="accent1"/>
+          </a:fillRef>
+          <a:effectRef idx="0">
+            <a:schemeClr val="accent1"/>
+          </a:effectRef>
+          <a:fontRef idx="minor">
+            <a:schemeClr val="lt1"/>
+          </a:fontRef>
+        </p:style>
+        <p:txBody>
+          <a:bodyPr rtlCol="0" anchor="ctr"/>
+          <a:lstStyle/>
+          <a:p>
+            <a:pPr algn="ctr"/>
+            <a:r>
+              <a:rPr lang="en-US" altLang="ko-KR" dirty="0">
+                <a:solidFill>
+                  <a:schemeClr val="tx1"/>
+                </a:solidFill>
+              </a:rPr>
+              <a:t>XGB</a:t>
+            </a:r>
+            <a:endParaRPr lang="ko-KR" altLang="en-US" dirty="0">
+              <a:solidFill>
+                <a:schemeClr val="tx1"/>
+              </a:solidFill>
+            </a:endParaRPr>
+          </a:p>
+        </p:txBody>
+      </p:sp>
+      <p:sp>
+        <p:nvSpPr>
+          <p:cNvPr id="6" name="사각형: 둥근 모서리 5">
+            <a:extLst>
+              <a:ext uri="{FF2B5EF4-FFF2-40B4-BE49-F238E27FC236}">
+                <a16:creationId xmlns:a16="http://schemas.microsoft.com/office/drawing/2014/main" id="{E7942315-0D93-B399-0344-CD80D79F788A}"/>
+              </a:ext>
+            </a:extLst>
+          </p:cNvPr>
+          <p:cNvSpPr/>
+          <p:nvPr/>
+        </p:nvSpPr>
+        <p:spPr>
+          <a:xfrm>
+            <a:off x="2294604" y="5181600"/>
+            <a:ext cx="1571626" cy="495300"/>
+          </a:xfrm>
+          <a:prstGeom prst="roundRect">
+            <a:avLst/>
+          </a:prstGeom>
+          <a:noFill/>
+        </p:spPr>
+        <p:style>
+          <a:lnRef idx="2">
+            <a:schemeClr val="accent1">
+              <a:shade val="15000"/>
+            </a:schemeClr>
+          </a:lnRef>
+          <a:fillRef idx="1">
+            <a:schemeClr val="accent1"/>
+          </a:fillRef>
+          <a:effectRef idx="0">
+            <a:schemeClr val="accent1"/>
+          </a:effectRef>
+          <a:fontRef idx="minor">
+            <a:schemeClr val="lt1"/>
+          </a:fontRef>
+        </p:style>
+        <p:txBody>
+          <a:bodyPr rtlCol="0" anchor="ctr"/>
+          <a:lstStyle/>
+          <a:p>
+            <a:pPr algn="ctr"/>
+            <a:r>
+              <a:rPr lang="en-US" altLang="ko-KR" dirty="0">
+                <a:solidFill>
+                  <a:schemeClr val="tx1"/>
+                </a:solidFill>
+              </a:rPr>
+              <a:t>Huber</a:t>
+            </a:r>
+            <a:endParaRPr lang="ko-KR" altLang="en-US" dirty="0">
+              <a:solidFill>
+                <a:schemeClr val="tx1"/>
+              </a:solidFill>
+            </a:endParaRPr>
+          </a:p>
+        </p:txBody>
+      </p:sp>
+      <p:sp>
+        <p:nvSpPr>
+          <p:cNvPr id="7" name="사각형: 둥근 모서리 6">
+            <a:extLst>
+              <a:ext uri="{FF2B5EF4-FFF2-40B4-BE49-F238E27FC236}">
+                <a16:creationId xmlns:a16="http://schemas.microsoft.com/office/drawing/2014/main" id="{E67C4A7C-37AD-47F7-F2A4-9146ABCC4E66}"/>
+              </a:ext>
+            </a:extLst>
+          </p:cNvPr>
+          <p:cNvSpPr/>
+          <p:nvPr/>
+        </p:nvSpPr>
+        <p:spPr>
+          <a:xfrm>
+            <a:off x="3912933" y="5181600"/>
+            <a:ext cx="1571626" cy="495300"/>
+          </a:xfrm>
+          <a:prstGeom prst="roundRect">
+            <a:avLst/>
+          </a:prstGeom>
+          <a:noFill/>
+        </p:spPr>
+        <p:style>
+          <a:lnRef idx="2">
+            <a:schemeClr val="accent1">
+              <a:shade val="15000"/>
+            </a:schemeClr>
+          </a:lnRef>
+          <a:fillRef idx="1">
+            <a:schemeClr val="accent1"/>
+          </a:fillRef>
+          <a:effectRef idx="0">
+            <a:schemeClr val="accent1"/>
+          </a:effectRef>
+          <a:fontRef idx="minor">
+            <a:schemeClr val="lt1"/>
+          </a:fontRef>
+        </p:style>
+        <p:txBody>
+          <a:bodyPr rtlCol="0" anchor="ctr"/>
+          <a:lstStyle/>
+          <a:p>
+            <a:pPr algn="ctr"/>
+            <a:r>
+              <a:rPr lang="en-US" altLang="ko-KR" dirty="0">
+                <a:solidFill>
+                  <a:schemeClr val="tx1"/>
+                </a:solidFill>
+              </a:rPr>
+              <a:t>LGBM</a:t>
+            </a:r>
+            <a:endParaRPr lang="ko-KR" altLang="en-US" dirty="0">
+              <a:solidFill>
+                <a:schemeClr val="tx1"/>
+              </a:solidFill>
+            </a:endParaRPr>
+          </a:p>
+        </p:txBody>
+      </p:sp>
+      <p:sp>
+        <p:nvSpPr>
+          <p:cNvPr id="9" name="사각형: 둥근 모서리 8">
+            <a:extLst>
+              <a:ext uri="{FF2B5EF4-FFF2-40B4-BE49-F238E27FC236}">
+                <a16:creationId xmlns:a16="http://schemas.microsoft.com/office/drawing/2014/main" id="{6CE5C972-0E6C-54D1-588C-19FC5A99A49D}"/>
+              </a:ext>
+            </a:extLst>
+          </p:cNvPr>
+          <p:cNvSpPr/>
+          <p:nvPr/>
+        </p:nvSpPr>
+        <p:spPr>
+          <a:xfrm>
+            <a:off x="2294604" y="2676525"/>
+            <a:ext cx="1571626" cy="495300"/>
+          </a:xfrm>
+          <a:prstGeom prst="roundRect">
+            <a:avLst/>
+          </a:prstGeom>
+          <a:noFill/>
+        </p:spPr>
+        <p:style>
+          <a:lnRef idx="2">
+            <a:schemeClr val="accent1">
+              <a:shade val="15000"/>
+            </a:schemeClr>
+          </a:lnRef>
+          <a:fillRef idx="1">
+            <a:schemeClr val="accent1"/>
+          </a:fillRef>
+          <a:effectRef idx="0">
+            <a:schemeClr val="accent1"/>
+          </a:effectRef>
+          <a:fontRef idx="minor">
+            <a:schemeClr val="lt1"/>
+          </a:fontRef>
+        </p:style>
+        <p:txBody>
+          <a:bodyPr rtlCol="0" anchor="ctr"/>
+          <a:lstStyle/>
+          <a:p>
+            <a:pPr algn="ctr"/>
+            <a:r>
+              <a:rPr lang="en-US" altLang="ko-KR" dirty="0">
+                <a:solidFill>
+                  <a:schemeClr val="tx1"/>
+                </a:solidFill>
+              </a:rPr>
+              <a:t>Final Model</a:t>
+            </a:r>
+            <a:endParaRPr lang="ko-KR" altLang="en-US" dirty="0">
+              <a:solidFill>
+                <a:schemeClr val="tx1"/>
+              </a:solidFill>
+            </a:endParaRPr>
+          </a:p>
+        </p:txBody>
+      </p:sp>
+      <p:sp>
+        <p:nvSpPr>
+          <p:cNvPr id="11" name="사각형: 둥근 모서리 10">
+            <a:extLst>
+              <a:ext uri="{FF2B5EF4-FFF2-40B4-BE49-F238E27FC236}">
+                <a16:creationId xmlns:a16="http://schemas.microsoft.com/office/drawing/2014/main" id="{F53B0B0E-A0A9-9B9C-060C-5326C08FB213}"/>
+              </a:ext>
+            </a:extLst>
+          </p:cNvPr>
+          <p:cNvSpPr/>
+          <p:nvPr/>
+        </p:nvSpPr>
+        <p:spPr>
+          <a:xfrm>
+            <a:off x="2294604" y="3929062"/>
+            <a:ext cx="1571626" cy="495300"/>
+          </a:xfrm>
+          <a:prstGeom prst="roundRect">
+            <a:avLst/>
+          </a:prstGeom>
+          <a:noFill/>
+        </p:spPr>
+        <p:style>
+          <a:lnRef idx="2">
+            <a:schemeClr val="accent1">
+              <a:shade val="15000"/>
+            </a:schemeClr>
+          </a:lnRef>
+          <a:fillRef idx="1">
+            <a:schemeClr val="accent1"/>
+          </a:fillRef>
+          <a:effectRef idx="0">
+            <a:schemeClr val="accent1"/>
+          </a:effectRef>
+          <a:fontRef idx="minor">
+            <a:schemeClr val="lt1"/>
+          </a:fontRef>
+        </p:style>
+        <p:txBody>
+          <a:bodyPr rtlCol="0" anchor="ctr"/>
+          <a:lstStyle/>
+          <a:p>
+            <a:pPr algn="ctr"/>
+            <a:r>
+              <a:rPr lang="en-US" altLang="ko-KR" dirty="0">
+                <a:solidFill>
+                  <a:schemeClr val="tx1"/>
+                </a:solidFill>
+              </a:rPr>
+              <a:t>Best Score</a:t>
+            </a:r>
+            <a:endParaRPr lang="ko-KR" altLang="en-US" dirty="0">
+              <a:solidFill>
+                <a:schemeClr val="tx1"/>
+              </a:solidFill>
+            </a:endParaRPr>
+          </a:p>
+        </p:txBody>
+      </p:sp>
+      <p:cxnSp>
+        <p:nvCxnSpPr>
+          <p:cNvPr id="14" name="연결선: 꺾임 13">
+            <a:extLst>
+              <a:ext uri="{FF2B5EF4-FFF2-40B4-BE49-F238E27FC236}">
+                <a16:creationId xmlns:a16="http://schemas.microsoft.com/office/drawing/2014/main" id="{398B4414-6382-5024-A5FA-E12AE0FFA786}"/>
+              </a:ext>
+            </a:extLst>
+          </p:cNvPr>
+          <p:cNvCxnSpPr>
+            <a:stCxn id="5" idx="0"/>
+            <a:endCxn id="11" idx="2"/>
+          </p:cNvCxnSpPr>
+          <p:nvPr/>
+        </p:nvCxnSpPr>
+        <p:spPr>
+          <a:xfrm rot="5400000" flipH="1" flipV="1">
+            <a:off x="1892633" y="3993817"/>
+            <a:ext cx="757238" cy="1618329"/>
+          </a:xfrm>
+          <a:prstGeom prst="bentConnector3">
+            <a:avLst>
+              <a:gd name="adj1" fmla="val 51258"/>
+            </a:avLst>
+          </a:prstGeom>
+          <a:ln>
+            <a:solidFill>
+              <a:schemeClr val="tx1"/>
+            </a:solidFill>
+            <a:tailEnd type="triangle"/>
+          </a:ln>
+        </p:spPr>
+        <p:style>
+          <a:lnRef idx="1">
+            <a:schemeClr val="accent1"/>
+          </a:lnRef>
+          <a:fillRef idx="0">
+            <a:schemeClr val="accent1"/>
+          </a:fillRef>
+          <a:effectRef idx="0">
+            <a:schemeClr val="accent1"/>
+          </a:effectRef>
+          <a:fontRef idx="minor">
+            <a:schemeClr val="tx1"/>
+          </a:fontRef>
+        </p:style>
+      </p:cxnSp>
+      <p:cxnSp>
+        <p:nvCxnSpPr>
+          <p:cNvPr id="23" name="직선 화살표 연결선 22">
+            <a:extLst>
+              <a:ext uri="{FF2B5EF4-FFF2-40B4-BE49-F238E27FC236}">
+                <a16:creationId xmlns:a16="http://schemas.microsoft.com/office/drawing/2014/main" id="{67598EC4-3354-A6BE-379B-4F8180E8EC7F}"/>
+              </a:ext>
+            </a:extLst>
+          </p:cNvPr>
+          <p:cNvCxnSpPr>
+            <a:stCxn id="6" idx="0"/>
+            <a:endCxn id="11" idx="2"/>
+          </p:cNvCxnSpPr>
+          <p:nvPr/>
+        </p:nvCxnSpPr>
+        <p:spPr>
+          <a:xfrm flipV="1">
+            <a:off x="3080417" y="4424362"/>
+            <a:ext cx="0" cy="757238"/>
+          </a:xfrm>
+          <a:prstGeom prst="straightConnector1">
+            <a:avLst/>
+          </a:prstGeom>
+          <a:ln>
+            <a:tailEnd type="triangle"/>
+          </a:ln>
+        </p:spPr>
+        <p:style>
+          <a:lnRef idx="1">
+            <a:schemeClr val="dk1"/>
+          </a:lnRef>
+          <a:fillRef idx="0">
+            <a:schemeClr val="dk1"/>
+          </a:fillRef>
+          <a:effectRef idx="0">
+            <a:schemeClr val="dk1"/>
+          </a:effectRef>
+          <a:fontRef idx="minor">
+            <a:schemeClr val="tx1"/>
+          </a:fontRef>
+        </p:style>
+      </p:cxnSp>
+      <p:cxnSp>
+        <p:nvCxnSpPr>
+          <p:cNvPr id="25" name="연결선: 꺾임 24">
+            <a:extLst>
+              <a:ext uri="{FF2B5EF4-FFF2-40B4-BE49-F238E27FC236}">
+                <a16:creationId xmlns:a16="http://schemas.microsoft.com/office/drawing/2014/main" id="{442FE0E3-E6A0-60AB-ED90-601DE82042B5}"/>
+              </a:ext>
+            </a:extLst>
+          </p:cNvPr>
+          <p:cNvCxnSpPr>
+            <a:stCxn id="7" idx="0"/>
+            <a:endCxn id="11" idx="2"/>
+          </p:cNvCxnSpPr>
+          <p:nvPr/>
+        </p:nvCxnSpPr>
+        <p:spPr>
+          <a:xfrm rot="16200000" flipV="1">
+            <a:off x="3510963" y="3993816"/>
+            <a:ext cx="757238" cy="1618329"/>
+          </a:xfrm>
+          <a:prstGeom prst="bentConnector3">
+            <a:avLst/>
+          </a:prstGeom>
+          <a:ln>
+            <a:tailEnd type="triangle"/>
+          </a:ln>
+        </p:spPr>
+        <p:style>
+          <a:lnRef idx="1">
+            <a:schemeClr val="dk1"/>
+          </a:lnRef>
+          <a:fillRef idx="0">
+            <a:schemeClr val="dk1"/>
+          </a:fillRef>
+          <a:effectRef idx="0">
+            <a:schemeClr val="dk1"/>
+          </a:effectRef>
+          <a:fontRef idx="minor">
+            <a:schemeClr val="tx1"/>
+          </a:fontRef>
+        </p:style>
+      </p:cxnSp>
+      <p:cxnSp>
+        <p:nvCxnSpPr>
+          <p:cNvPr id="27" name="직선 화살표 연결선 26">
+            <a:extLst>
+              <a:ext uri="{FF2B5EF4-FFF2-40B4-BE49-F238E27FC236}">
+                <a16:creationId xmlns:a16="http://schemas.microsoft.com/office/drawing/2014/main" id="{7F11106C-A16E-E73D-A0FA-624005671100}"/>
+              </a:ext>
+            </a:extLst>
+          </p:cNvPr>
+          <p:cNvCxnSpPr>
+            <a:stCxn id="11" idx="0"/>
+            <a:endCxn id="9" idx="2"/>
+          </p:cNvCxnSpPr>
+          <p:nvPr/>
+        </p:nvCxnSpPr>
+        <p:spPr>
+          <a:xfrm flipV="1">
+            <a:off x="3080417" y="3171825"/>
+            <a:ext cx="0" cy="757237"/>
+          </a:xfrm>
+          <a:prstGeom prst="straightConnector1">
+            <a:avLst/>
+          </a:prstGeom>
+          <a:ln>
+            <a:tailEnd type="triangle"/>
+          </a:ln>
+        </p:spPr>
+        <p:style>
+          <a:lnRef idx="1">
+            <a:schemeClr val="dk1"/>
+          </a:lnRef>
+          <a:fillRef idx="0">
+            <a:schemeClr val="dk1"/>
+          </a:fillRef>
+          <a:effectRef idx="0">
+            <a:schemeClr val="dk1"/>
+          </a:effectRef>
+          <a:fontRef idx="minor">
+            <a:schemeClr val="tx1"/>
+          </a:fontRef>
+        </p:style>
+      </p:cxnSp>
+      <p:sp>
+        <p:nvSpPr>
+          <p:cNvPr id="31" name="사각형: 둥근 모서리 30">
+            <a:extLst>
+              <a:ext uri="{FF2B5EF4-FFF2-40B4-BE49-F238E27FC236}">
+                <a16:creationId xmlns:a16="http://schemas.microsoft.com/office/drawing/2014/main" id="{294628FD-1ACF-B22E-500E-6B639AA586A8}"/>
+              </a:ext>
+            </a:extLst>
+          </p:cNvPr>
+          <p:cNvSpPr/>
+          <p:nvPr/>
+        </p:nvSpPr>
+        <p:spPr>
+          <a:xfrm>
+            <a:off x="6267450" y="5181599"/>
+            <a:ext cx="1571626" cy="495300"/>
+          </a:xfrm>
+          <a:prstGeom prst="roundRect">
+            <a:avLst/>
+          </a:prstGeom>
+          <a:noFill/>
+        </p:spPr>
+        <p:style>
+          <a:lnRef idx="2">
+            <a:schemeClr val="accent1">
+              <a:shade val="15000"/>
+            </a:schemeClr>
+          </a:lnRef>
+          <a:fillRef idx="1">
+            <a:schemeClr val="accent1"/>
+          </a:fillRef>
+          <a:effectRef idx="0">
+            <a:schemeClr val="accent1"/>
+          </a:effectRef>
+          <a:fontRef idx="minor">
+            <a:schemeClr val="lt1"/>
+          </a:fontRef>
+        </p:style>
+        <p:txBody>
+          <a:bodyPr rtlCol="0" anchor="ctr"/>
+          <a:lstStyle/>
+          <a:p>
+            <a:pPr algn="ctr"/>
+            <a:r>
+              <a:rPr lang="en-US" altLang="ko-KR" dirty="0">
+                <a:solidFill>
+                  <a:schemeClr val="tx1"/>
+                </a:solidFill>
+              </a:rPr>
+              <a:t>XGB</a:t>
+            </a:r>
+            <a:endParaRPr lang="ko-KR" altLang="en-US" dirty="0">
+              <a:solidFill>
+                <a:schemeClr val="tx1"/>
+              </a:solidFill>
+            </a:endParaRPr>
+          </a:p>
+        </p:txBody>
+      </p:sp>
+      <p:sp>
+        <p:nvSpPr>
+          <p:cNvPr id="32" name="사각형: 둥근 모서리 31">
+            <a:extLst>
+              <a:ext uri="{FF2B5EF4-FFF2-40B4-BE49-F238E27FC236}">
+                <a16:creationId xmlns:a16="http://schemas.microsoft.com/office/drawing/2014/main" id="{D53A04A0-37E1-0C1A-880D-504DEA507700}"/>
+              </a:ext>
+            </a:extLst>
+          </p:cNvPr>
+          <p:cNvSpPr/>
+          <p:nvPr/>
+        </p:nvSpPr>
+        <p:spPr>
+          <a:xfrm>
+            <a:off x="7885779" y="5181599"/>
+            <a:ext cx="1571626" cy="495300"/>
+          </a:xfrm>
+          <a:prstGeom prst="roundRect">
+            <a:avLst/>
+          </a:prstGeom>
+          <a:noFill/>
+        </p:spPr>
+        <p:style>
+          <a:lnRef idx="2">
+            <a:schemeClr val="accent1">
+              <a:shade val="15000"/>
+            </a:schemeClr>
+          </a:lnRef>
+          <a:fillRef idx="1">
+            <a:schemeClr val="accent1"/>
+          </a:fillRef>
+          <a:effectRef idx="0">
+            <a:schemeClr val="accent1"/>
+          </a:effectRef>
+          <a:fontRef idx="minor">
+            <a:schemeClr val="lt1"/>
+          </a:fontRef>
+        </p:style>
+        <p:txBody>
+          <a:bodyPr rtlCol="0" anchor="ctr"/>
+          <a:lstStyle/>
+          <a:p>
+            <a:pPr algn="ctr"/>
+            <a:r>
+              <a:rPr lang="en-US" altLang="ko-KR" dirty="0">
+                <a:solidFill>
+                  <a:schemeClr val="tx1"/>
+                </a:solidFill>
+              </a:rPr>
+              <a:t>Huber</a:t>
+            </a:r>
+            <a:endParaRPr lang="ko-KR" altLang="en-US" dirty="0">
+              <a:solidFill>
+                <a:schemeClr val="tx1"/>
+              </a:solidFill>
+            </a:endParaRPr>
+          </a:p>
+        </p:txBody>
+      </p:sp>
+      <p:sp>
+        <p:nvSpPr>
+          <p:cNvPr id="33" name="사각형: 둥근 모서리 32">
+            <a:extLst>
+              <a:ext uri="{FF2B5EF4-FFF2-40B4-BE49-F238E27FC236}">
+                <a16:creationId xmlns:a16="http://schemas.microsoft.com/office/drawing/2014/main" id="{53CBD11B-6A6D-86AE-AAF4-E07F9669EE08}"/>
+              </a:ext>
+            </a:extLst>
+          </p:cNvPr>
+          <p:cNvSpPr/>
+          <p:nvPr/>
+        </p:nvSpPr>
+        <p:spPr>
+          <a:xfrm>
+            <a:off x="9504108" y="5181599"/>
+            <a:ext cx="1571626" cy="495300"/>
+          </a:xfrm>
+          <a:prstGeom prst="roundRect">
+            <a:avLst/>
+          </a:prstGeom>
+          <a:noFill/>
+        </p:spPr>
+        <p:style>
+          <a:lnRef idx="2">
+            <a:schemeClr val="accent1">
+              <a:shade val="15000"/>
+            </a:schemeClr>
+          </a:lnRef>
+          <a:fillRef idx="1">
+            <a:schemeClr val="accent1"/>
+          </a:fillRef>
+          <a:effectRef idx="0">
+            <a:schemeClr val="accent1"/>
+          </a:effectRef>
+          <a:fontRef idx="minor">
+            <a:schemeClr val="lt1"/>
+          </a:fontRef>
+        </p:style>
+        <p:txBody>
+          <a:bodyPr rtlCol="0" anchor="ctr"/>
+          <a:lstStyle/>
+          <a:p>
+            <a:pPr algn="ctr"/>
+            <a:r>
+              <a:rPr lang="en-US" altLang="ko-KR" dirty="0">
+                <a:solidFill>
+                  <a:schemeClr val="tx1"/>
+                </a:solidFill>
+              </a:rPr>
+              <a:t>LGBM</a:t>
+            </a:r>
+            <a:endParaRPr lang="ko-KR" altLang="en-US" dirty="0">
+              <a:solidFill>
+                <a:schemeClr val="tx1"/>
+              </a:solidFill>
+            </a:endParaRPr>
+          </a:p>
+        </p:txBody>
+      </p:sp>
+      <p:sp>
+        <p:nvSpPr>
+          <p:cNvPr id="34" name="사각형: 둥근 모서리 33">
+            <a:extLst>
+              <a:ext uri="{FF2B5EF4-FFF2-40B4-BE49-F238E27FC236}">
+                <a16:creationId xmlns:a16="http://schemas.microsoft.com/office/drawing/2014/main" id="{ED3A6C7A-9D2E-2425-CB92-12B8A3DBD346}"/>
+              </a:ext>
+            </a:extLst>
+          </p:cNvPr>
+          <p:cNvSpPr/>
+          <p:nvPr/>
+        </p:nvSpPr>
+        <p:spPr>
+          <a:xfrm>
+            <a:off x="7885779" y="3942009"/>
+            <a:ext cx="1571626" cy="495300"/>
+          </a:xfrm>
+          <a:prstGeom prst="roundRect">
+            <a:avLst/>
+          </a:prstGeom>
+          <a:noFill/>
+        </p:spPr>
+        <p:style>
+          <a:lnRef idx="2">
+            <a:schemeClr val="accent1">
+              <a:shade val="15000"/>
+            </a:schemeClr>
+          </a:lnRef>
+          <a:fillRef idx="1">
+            <a:schemeClr val="accent1"/>
+          </a:fillRef>
+          <a:effectRef idx="0">
+            <a:schemeClr val="accent1"/>
+          </a:effectRef>
+          <a:fontRef idx="minor">
+            <a:schemeClr val="lt1"/>
+          </a:fontRef>
+        </p:style>
+        <p:txBody>
+          <a:bodyPr rtlCol="0" anchor="ctr"/>
+          <a:lstStyle/>
+          <a:p>
+            <a:pPr algn="ctr"/>
+            <a:r>
+              <a:rPr lang="en-US" altLang="ko-KR" dirty="0">
+                <a:solidFill>
+                  <a:schemeClr val="tx1"/>
+                </a:solidFill>
+              </a:rPr>
+              <a:t>Ensemble</a:t>
+            </a:r>
+            <a:endParaRPr lang="ko-KR" altLang="en-US" dirty="0">
+              <a:solidFill>
+                <a:schemeClr val="tx1"/>
+              </a:solidFill>
+            </a:endParaRPr>
+          </a:p>
+        </p:txBody>
+      </p:sp>
+      <p:cxnSp>
+        <p:nvCxnSpPr>
+          <p:cNvPr id="35" name="연결선: 꺾임 34">
+            <a:extLst>
+              <a:ext uri="{FF2B5EF4-FFF2-40B4-BE49-F238E27FC236}">
+                <a16:creationId xmlns:a16="http://schemas.microsoft.com/office/drawing/2014/main" id="{49890992-63B6-01F5-32C9-8968CCF6C574}"/>
+              </a:ext>
+            </a:extLst>
+          </p:cNvPr>
+          <p:cNvCxnSpPr>
+            <a:stCxn id="31" idx="0"/>
+            <a:endCxn id="34" idx="2"/>
+          </p:cNvCxnSpPr>
+          <p:nvPr/>
+        </p:nvCxnSpPr>
+        <p:spPr>
+          <a:xfrm rot="5400000" flipH="1" flipV="1">
+            <a:off x="7490282" y="4000290"/>
+            <a:ext cx="744290" cy="1618329"/>
+          </a:xfrm>
+          <a:prstGeom prst="bentConnector3">
+            <a:avLst>
+              <a:gd name="adj1" fmla="val 50000"/>
+            </a:avLst>
+          </a:prstGeom>
+          <a:ln>
+            <a:solidFill>
+              <a:schemeClr val="tx1"/>
+            </a:solidFill>
+            <a:tailEnd type="triangle"/>
+          </a:ln>
+        </p:spPr>
+        <p:style>
+          <a:lnRef idx="1">
+            <a:schemeClr val="accent1"/>
+          </a:lnRef>
+          <a:fillRef idx="0">
+            <a:schemeClr val="accent1"/>
+          </a:fillRef>
+          <a:effectRef idx="0">
+            <a:schemeClr val="accent1"/>
+          </a:effectRef>
+          <a:fontRef idx="minor">
+            <a:schemeClr val="tx1"/>
+          </a:fontRef>
+        </p:style>
+      </p:cxnSp>
+      <p:cxnSp>
+        <p:nvCxnSpPr>
+          <p:cNvPr id="36" name="직선 화살표 연결선 35">
+            <a:extLst>
+              <a:ext uri="{FF2B5EF4-FFF2-40B4-BE49-F238E27FC236}">
+                <a16:creationId xmlns:a16="http://schemas.microsoft.com/office/drawing/2014/main" id="{8471570B-934A-416E-D6CE-31FBF2714242}"/>
+              </a:ext>
+            </a:extLst>
+          </p:cNvPr>
+          <p:cNvCxnSpPr>
+            <a:stCxn id="32" idx="0"/>
+            <a:endCxn id="34" idx="2"/>
+          </p:cNvCxnSpPr>
+          <p:nvPr/>
+        </p:nvCxnSpPr>
+        <p:spPr>
+          <a:xfrm flipV="1">
+            <a:off x="8671592" y="4437309"/>
+            <a:ext cx="0" cy="744290"/>
+          </a:xfrm>
+          <a:prstGeom prst="straightConnector1">
+            <a:avLst/>
+          </a:prstGeom>
+          <a:ln>
+            <a:tailEnd type="triangle"/>
+          </a:ln>
+        </p:spPr>
+        <p:style>
+          <a:lnRef idx="1">
+            <a:schemeClr val="dk1"/>
+          </a:lnRef>
+          <a:fillRef idx="0">
+            <a:schemeClr val="dk1"/>
+          </a:fillRef>
+          <a:effectRef idx="0">
+            <a:schemeClr val="dk1"/>
+          </a:effectRef>
+          <a:fontRef idx="minor">
+            <a:schemeClr val="tx1"/>
+          </a:fontRef>
+        </p:style>
+      </p:cxnSp>
+      <p:cxnSp>
+        <p:nvCxnSpPr>
+          <p:cNvPr id="37" name="연결선: 꺾임 36">
+            <a:extLst>
+              <a:ext uri="{FF2B5EF4-FFF2-40B4-BE49-F238E27FC236}">
+                <a16:creationId xmlns:a16="http://schemas.microsoft.com/office/drawing/2014/main" id="{EEA93093-34C0-61B2-959D-9BB7C62A5505}"/>
+              </a:ext>
+            </a:extLst>
+          </p:cNvPr>
+          <p:cNvCxnSpPr>
+            <a:stCxn id="33" idx="0"/>
+            <a:endCxn id="34" idx="2"/>
+          </p:cNvCxnSpPr>
+          <p:nvPr/>
+        </p:nvCxnSpPr>
+        <p:spPr>
+          <a:xfrm rot="16200000" flipV="1">
+            <a:off x="9108612" y="4000289"/>
+            <a:ext cx="744290" cy="1618329"/>
+          </a:xfrm>
+          <a:prstGeom prst="bentConnector3">
+            <a:avLst/>
+          </a:prstGeom>
+          <a:ln>
+            <a:tailEnd type="triangle"/>
+          </a:ln>
+        </p:spPr>
+        <p:style>
+          <a:lnRef idx="1">
+            <a:schemeClr val="dk1"/>
+          </a:lnRef>
+          <a:fillRef idx="0">
+            <a:schemeClr val="dk1"/>
+          </a:fillRef>
+          <a:effectRef idx="0">
+            <a:schemeClr val="dk1"/>
+          </a:effectRef>
+          <a:fontRef idx="minor">
+            <a:schemeClr val="tx1"/>
+          </a:fontRef>
+        </p:style>
+      </p:cxnSp>
+      <p:sp>
+        <p:nvSpPr>
+          <p:cNvPr id="38" name="사각형: 둥근 모서리 37">
+            <a:extLst>
+              <a:ext uri="{FF2B5EF4-FFF2-40B4-BE49-F238E27FC236}">
+                <a16:creationId xmlns:a16="http://schemas.microsoft.com/office/drawing/2014/main" id="{241FF4C5-174D-DB2B-14A6-893965CAC744}"/>
+              </a:ext>
+            </a:extLst>
+          </p:cNvPr>
+          <p:cNvSpPr/>
+          <p:nvPr/>
+        </p:nvSpPr>
+        <p:spPr>
+          <a:xfrm>
+            <a:off x="7885779" y="2702420"/>
+            <a:ext cx="1571626" cy="495300"/>
+          </a:xfrm>
+          <a:prstGeom prst="roundRect">
+            <a:avLst/>
+          </a:prstGeom>
+          <a:noFill/>
+        </p:spPr>
+        <p:style>
+          <a:lnRef idx="2">
+            <a:schemeClr val="accent1">
+              <a:shade val="15000"/>
+            </a:schemeClr>
+          </a:lnRef>
+          <a:fillRef idx="1">
+            <a:schemeClr val="accent1"/>
+          </a:fillRef>
+          <a:effectRef idx="0">
+            <a:schemeClr val="accent1"/>
+          </a:effectRef>
+          <a:fontRef idx="minor">
+            <a:schemeClr val="lt1"/>
+          </a:fontRef>
+        </p:style>
+        <p:txBody>
+          <a:bodyPr rtlCol="0" anchor="ctr"/>
+          <a:lstStyle/>
+          <a:p>
+            <a:pPr algn="ctr"/>
+            <a:r>
+              <a:rPr lang="en-US" altLang="ko-KR" dirty="0">
+                <a:solidFill>
+                  <a:schemeClr val="tx1"/>
+                </a:solidFill>
+              </a:rPr>
+              <a:t>Final Model</a:t>
+            </a:r>
+            <a:endParaRPr lang="ko-KR" altLang="en-US" dirty="0">
+              <a:solidFill>
+                <a:schemeClr val="tx1"/>
+              </a:solidFill>
+            </a:endParaRPr>
+          </a:p>
+        </p:txBody>
+      </p:sp>
+      <p:cxnSp>
+        <p:nvCxnSpPr>
+          <p:cNvPr id="39" name="직선 화살표 연결선 38">
+            <a:extLst>
+              <a:ext uri="{FF2B5EF4-FFF2-40B4-BE49-F238E27FC236}">
+                <a16:creationId xmlns:a16="http://schemas.microsoft.com/office/drawing/2014/main" id="{9D0EA790-FE4C-72D5-47A6-EDD14473B5EF}"/>
+              </a:ext>
+            </a:extLst>
+          </p:cNvPr>
+          <p:cNvCxnSpPr>
+            <a:cxnSpLocks/>
+            <a:stCxn id="34" idx="0"/>
+            <a:endCxn id="38" idx="2"/>
+          </p:cNvCxnSpPr>
+          <p:nvPr/>
+        </p:nvCxnSpPr>
+        <p:spPr>
+          <a:xfrm flipV="1">
+            <a:off x="8671592" y="3197720"/>
+            <a:ext cx="0" cy="744289"/>
+          </a:xfrm>
+          <a:prstGeom prst="straightConnector1">
+            <a:avLst/>
+          </a:prstGeom>
+          <a:ln>
+            <a:tailEnd type="triangle"/>
+          </a:ln>
+        </p:spPr>
+        <p:style>
+          <a:lnRef idx="1">
+            <a:schemeClr val="dk1"/>
+          </a:lnRef>
+          <a:fillRef idx="0">
+            <a:schemeClr val="dk1"/>
+          </a:fillRef>
+          <a:effectRef idx="0">
+            <a:schemeClr val="dk1"/>
+          </a:effectRef>
+          <a:fontRef idx="minor">
+            <a:schemeClr val="tx1"/>
+          </a:fontRef>
+        </p:style>
+      </p:cxnSp>
+    </p:spTree>
+    <p:extLst>
+      <p:ext uri="{BB962C8B-B14F-4D97-AF65-F5344CB8AC3E}">
+        <p14:creationId xmlns:p14="http://schemas.microsoft.com/office/powerpoint/2010/main" val="2375167008"/>
+      </p:ext>
+    </p:extLst>
+  </p:cSld>
+  <p:clrMapOvr>
+    <a:masterClrMapping/>
+  </p:clrMapOvr>
+</p:sld>
+</file>
+
+<file path=ppt/slides/slide11.xml><?xml version="1.0" encoding="utf-8"?>
+<p:sld xmlns:a="http://schemas.openxmlformats.org/drawingml/2006/main" xmlns:r="http://schemas.openxmlformats.org/officeDocument/2006/relationships" xmlns:p="http://schemas.openxmlformats.org/presentationml/2006/main">
+  <p:cSld>
+    <p:spTree>
+      <p:nvGrpSpPr>
+        <p:cNvPr id="1" name="">
+          <a:extLst>
+            <a:ext uri="{FF2B5EF4-FFF2-40B4-BE49-F238E27FC236}">
+              <a16:creationId xmlns:a16="http://schemas.microsoft.com/office/drawing/2014/main" id="{834386B8-5B67-2E94-FABF-A9F3ED24E721}"/>
+            </a:ext>
+          </a:extLst>
+        </p:cNvPr>
+        <p:cNvGrpSpPr/>
+        <p:nvPr/>
+      </p:nvGrpSpPr>
+      <p:grpSpPr>
+        <a:xfrm>
+          <a:off x="0" y="0"/>
+          <a:ext cx="0" cy="0"/>
+          <a:chOff x="0" y="0"/>
+          <a:chExt cx="0" cy="0"/>
+        </a:xfrm>
+      </p:grpSpPr>
+      <p:sp>
+        <p:nvSpPr>
+          <p:cNvPr id="10" name="TextBox 9">
+            <a:extLst>
+              <a:ext uri="{FF2B5EF4-FFF2-40B4-BE49-F238E27FC236}">
+                <a16:creationId xmlns:a16="http://schemas.microsoft.com/office/drawing/2014/main" id="{4C3062FC-2CBA-7974-0BC6-427DD8AAB286}"/>
+              </a:ext>
+            </a:extLst>
+          </p:cNvPr>
+          <p:cNvSpPr txBox="1"/>
+          <p:nvPr/>
+        </p:nvSpPr>
+        <p:spPr>
+          <a:xfrm>
+            <a:off x="502055" y="420434"/>
+            <a:ext cx="888385" cy="369332"/>
+          </a:xfrm>
+          <a:prstGeom prst="rect">
+            <a:avLst/>
+          </a:prstGeom>
+          <a:noFill/>
+        </p:spPr>
+        <p:txBody>
+          <a:bodyPr wrap="none" rtlCol="0">
+            <a:spAutoFit/>
+          </a:bodyPr>
+          <a:lstStyle/>
+          <a:p>
+            <a:r>
+              <a:rPr lang="en-US" altLang="ko-KR" dirty="0"/>
+              <a:t>Insight</a:t>
+            </a:r>
+          </a:p>
+        </p:txBody>
+      </p:sp>
+      <p:sp>
+        <p:nvSpPr>
+          <p:cNvPr id="3" name="TextBox 2">
+            <a:extLst>
+              <a:ext uri="{FF2B5EF4-FFF2-40B4-BE49-F238E27FC236}">
+                <a16:creationId xmlns:a16="http://schemas.microsoft.com/office/drawing/2014/main" id="{3F91795F-8E78-C533-734D-FD528D65A139}"/>
+              </a:ext>
+            </a:extLst>
+          </p:cNvPr>
+          <p:cNvSpPr txBox="1"/>
+          <p:nvPr/>
+        </p:nvSpPr>
+        <p:spPr>
+          <a:xfrm>
+            <a:off x="790575" y="1047750"/>
+            <a:ext cx="4730910" cy="1200329"/>
+          </a:xfrm>
+          <a:prstGeom prst="rect">
+            <a:avLst/>
+          </a:prstGeom>
+          <a:noFill/>
+        </p:spPr>
+        <p:txBody>
+          <a:bodyPr wrap="none" rtlCol="0">
+            <a:spAutoFit/>
+          </a:bodyPr>
+          <a:lstStyle/>
+          <a:p>
+            <a:pPr marL="342900" indent="-342900">
+              <a:buAutoNum type="arabicPeriod"/>
+            </a:pPr>
+            <a:r>
+              <a:rPr lang="ko-KR" altLang="en-US" dirty="0"/>
+              <a:t>사고건수가 많은 동에 </a:t>
+            </a:r>
+            <a:r>
+              <a:rPr lang="en-US" altLang="ko-KR" dirty="0"/>
+              <a:t>CCTV</a:t>
+            </a:r>
+            <a:r>
+              <a:rPr lang="ko-KR" altLang="en-US" dirty="0"/>
+              <a:t>를 추가 설치</a:t>
+            </a:r>
+            <a:endParaRPr lang="en-US" altLang="ko-KR" dirty="0"/>
+          </a:p>
+          <a:p>
+            <a:pPr marL="342900" indent="-342900">
+              <a:buAutoNum type="arabicPeriod"/>
+            </a:pPr>
+            <a:r>
+              <a:rPr lang="ko-KR" altLang="en-US" dirty="0" err="1"/>
+              <a:t>그래프보여주기</a:t>
+            </a:r>
+            <a:endParaRPr lang="en-US" altLang="ko-KR" dirty="0"/>
+          </a:p>
+          <a:p>
+            <a:pPr marL="342900" indent="-342900">
+              <a:buAutoNum type="arabicPeriod"/>
+            </a:pPr>
+            <a:endParaRPr lang="en-US" altLang="ko-KR" dirty="0"/>
+          </a:p>
+          <a:p>
+            <a:pPr marL="342900" indent="-342900">
+              <a:buFontTx/>
+              <a:buAutoNum type="arabicPeriod"/>
+            </a:pPr>
+            <a:r>
+              <a:rPr lang="ko-KR" altLang="en-US"/>
+              <a:t>어린이보호구역 육교설치</a:t>
+            </a:r>
+            <a:endParaRPr lang="ko-KR" altLang="en-US" dirty="0"/>
+          </a:p>
+        </p:txBody>
+      </p:sp>
+    </p:spTree>
+    <p:extLst>
+      <p:ext uri="{BB962C8B-B14F-4D97-AF65-F5344CB8AC3E}">
+        <p14:creationId xmlns:p14="http://schemas.microsoft.com/office/powerpoint/2010/main" val="1604070547"/>
+      </p:ext>
+    </p:extLst>
+  </p:cSld>
+  <p:clrMapOvr>
+    <a:masterClrMapping/>
+  </p:clrMapOvr>
+</p:sld>
+</file>
+
 <file path=ppt/slides/slide2.xml><?xml version="1.0" encoding="utf-8"?>
 <p:sld xmlns:a="http://schemas.openxmlformats.org/drawingml/2006/main" xmlns:r="http://schemas.openxmlformats.org/officeDocument/2006/relationships" xmlns:p="http://schemas.openxmlformats.org/presentationml/2006/main">
   <p:cSld>
@@ -4650,6 +5917,76 @@
           </a:prstGeom>
         </p:spPr>
       </p:pic>
+      <p:sp>
+        <p:nvSpPr>
+          <p:cNvPr id="2" name="TextBox 1">
+            <a:extLst>
+              <a:ext uri="{FF2B5EF4-FFF2-40B4-BE49-F238E27FC236}">
+                <a16:creationId xmlns:a16="http://schemas.microsoft.com/office/drawing/2014/main" id="{617E248A-5A06-904E-CA48-79F5BD117250}"/>
+              </a:ext>
+            </a:extLst>
+          </p:cNvPr>
+          <p:cNvSpPr txBox="1"/>
+          <p:nvPr/>
+        </p:nvSpPr>
+        <p:spPr>
+          <a:xfrm>
+            <a:off x="7174857" y="4331173"/>
+            <a:ext cx="4209101" cy="553998"/>
+          </a:xfrm>
+          <a:prstGeom prst="rect">
+            <a:avLst/>
+          </a:prstGeom>
+          <a:noFill/>
+        </p:spPr>
+        <p:txBody>
+          <a:bodyPr wrap="none" rtlCol="0">
+            <a:spAutoFit/>
+          </a:bodyPr>
+          <a:lstStyle/>
+          <a:p>
+            <a:r>
+              <a:rPr lang="ko-KR" altLang="en-US" sz="1500" dirty="0"/>
+              <a:t>연이 지날수록 </a:t>
+            </a:r>
+            <a:r>
+              <a:rPr lang="en-US" altLang="ko-KR" sz="1500" dirty="0"/>
+              <a:t>ECLO</a:t>
+            </a:r>
+            <a:r>
+              <a:rPr lang="ko-KR" altLang="en-US" sz="1500" dirty="0"/>
+              <a:t>는 감소하는 추세이며</a:t>
+            </a:r>
+            <a:endParaRPr lang="en-US" altLang="ko-KR" sz="1500" dirty="0"/>
+          </a:p>
+          <a:p>
+            <a:r>
+              <a:rPr lang="en-US" altLang="ko-KR" sz="1500" dirty="0"/>
+              <a:t>12</a:t>
+            </a:r>
+            <a:r>
+              <a:rPr lang="ko-KR" altLang="en-US" sz="1500" dirty="0"/>
+              <a:t>월 </a:t>
+            </a:r>
+            <a:r>
+              <a:rPr lang="en-US" altLang="ko-KR" sz="1500" dirty="0"/>
+              <a:t>ECLO</a:t>
+            </a:r>
+            <a:r>
+              <a:rPr lang="ko-KR" altLang="en-US" sz="1500" dirty="0"/>
+              <a:t>는 다른 월에 비해 </a:t>
+            </a:r>
+            <a:r>
+              <a:rPr lang="ko-KR" altLang="en-US" sz="1500" dirty="0" err="1"/>
+              <a:t>낮은걸</a:t>
+            </a:r>
+            <a:r>
+              <a:rPr lang="ko-KR" altLang="en-US" sz="1500" dirty="0"/>
+              <a:t> 관찰 가능</a:t>
+            </a:r>
+          </a:p>
+        </p:txBody>
+      </p:sp>
     </p:spTree>
     <p:extLst>
       <p:ext uri="{BB962C8B-B14F-4D97-AF65-F5344CB8AC3E}">
@@ -4835,10 +6172,1955 @@
           </a:p>
         </p:txBody>
       </p:sp>
+      <p:sp>
+        <p:nvSpPr>
+          <p:cNvPr id="2" name="TextBox 1">
+            <a:extLst>
+              <a:ext uri="{FF2B5EF4-FFF2-40B4-BE49-F238E27FC236}">
+                <a16:creationId xmlns:a16="http://schemas.microsoft.com/office/drawing/2014/main" id="{9AEE0FA8-11A1-28C6-B261-B8168052A27F}"/>
+              </a:ext>
+            </a:extLst>
+          </p:cNvPr>
+          <p:cNvSpPr txBox="1"/>
+          <p:nvPr/>
+        </p:nvSpPr>
+        <p:spPr>
+          <a:xfrm>
+            <a:off x="6002321" y="4218656"/>
+            <a:ext cx="5193345" cy="784830"/>
+          </a:xfrm>
+          <a:prstGeom prst="rect">
+            <a:avLst/>
+          </a:prstGeom>
+          <a:noFill/>
+        </p:spPr>
+        <p:txBody>
+          <a:bodyPr wrap="none" rtlCol="0">
+            <a:spAutoFit/>
+          </a:bodyPr>
+          <a:lstStyle/>
+          <a:p>
+            <a:r>
+              <a:rPr lang="ko-KR" altLang="en-US" sz="1500" dirty="0"/>
+              <a:t>상대적으로 차량 이동이 많은 주말에 </a:t>
+            </a:r>
+            <a:r>
+              <a:rPr lang="en-US" altLang="ko-KR" sz="1500" dirty="0"/>
+              <a:t>ECLO</a:t>
+            </a:r>
+            <a:r>
+              <a:rPr lang="ko-KR" altLang="en-US" sz="1500" dirty="0"/>
+              <a:t>가 높으며</a:t>
+            </a:r>
+            <a:endParaRPr lang="en-US" altLang="ko-KR" sz="1500" dirty="0"/>
+          </a:p>
+          <a:p>
+            <a:r>
+              <a:rPr lang="ko-KR" altLang="en-US" sz="1500" dirty="0"/>
+              <a:t>새벽시간대 즉</a:t>
+            </a:r>
+            <a:r>
+              <a:rPr lang="en-US" altLang="ko-KR" sz="1500" dirty="0"/>
+              <a:t>, </a:t>
+            </a:r>
+            <a:r>
+              <a:rPr lang="ko-KR" altLang="en-US" sz="1500" dirty="0"/>
+              <a:t>경험상 차량이 적어 </a:t>
+            </a:r>
+            <a:endParaRPr lang="en-US" altLang="ko-KR" sz="1500" dirty="0"/>
+          </a:p>
+          <a:p>
+            <a:r>
+              <a:rPr lang="ko-KR" altLang="en-US" sz="1500" dirty="0"/>
+              <a:t>신호위반</a:t>
+            </a:r>
+            <a:r>
+              <a:rPr lang="en-US" altLang="ko-KR" sz="1500" dirty="0"/>
+              <a:t>, </a:t>
+            </a:r>
+            <a:r>
+              <a:rPr lang="ko-KR" altLang="en-US" sz="1500" dirty="0"/>
+              <a:t>과속이 많은 시간대에 </a:t>
+            </a:r>
+            <a:r>
+              <a:rPr lang="en-US" altLang="ko-KR" sz="1500" dirty="0"/>
+              <a:t>ECLO</a:t>
+            </a:r>
+            <a:r>
+              <a:rPr lang="ko-KR" altLang="en-US" sz="1500" dirty="0"/>
+              <a:t>가 </a:t>
+            </a:r>
+            <a:r>
+              <a:rPr lang="ko-KR" altLang="en-US" sz="1500" dirty="0" err="1"/>
+              <a:t>높은걸</a:t>
+            </a:r>
+            <a:r>
+              <a:rPr lang="ko-KR" altLang="en-US" sz="1500" dirty="0"/>
+              <a:t> 확인 가능</a:t>
+            </a:r>
+          </a:p>
+        </p:txBody>
+      </p:sp>
     </p:spTree>
     <p:extLst>
       <p:ext uri="{BB962C8B-B14F-4D97-AF65-F5344CB8AC3E}">
         <p14:creationId xmlns:p14="http://schemas.microsoft.com/office/powerpoint/2010/main" val="3853058599"/>
+      </p:ext>
+    </p:extLst>
+  </p:cSld>
+  <p:clrMapOvr>
+    <a:masterClrMapping/>
+  </p:clrMapOvr>
+</p:sld>
+</file>
+
+<file path=ppt/slides/slide6.xml><?xml version="1.0" encoding="utf-8"?>
+<p:sld xmlns:a="http://schemas.openxmlformats.org/drawingml/2006/main" xmlns:r="http://schemas.openxmlformats.org/officeDocument/2006/relationships" xmlns:p="http://schemas.openxmlformats.org/presentationml/2006/main">
+  <p:cSld>
+    <p:spTree>
+      <p:nvGrpSpPr>
+        <p:cNvPr id="1" name="">
+          <a:extLst>
+            <a:ext uri="{FF2B5EF4-FFF2-40B4-BE49-F238E27FC236}">
+              <a16:creationId xmlns:a16="http://schemas.microsoft.com/office/drawing/2014/main" id="{4B0B49F3-4120-D029-A02E-EF8B4D2AA0EC}"/>
+            </a:ext>
+          </a:extLst>
+        </p:cNvPr>
+        <p:cNvGrpSpPr/>
+        <p:nvPr/>
+      </p:nvGrpSpPr>
+      <p:grpSpPr>
+        <a:xfrm>
+          <a:off x="0" y="0"/>
+          <a:ext cx="0" cy="0"/>
+          <a:chOff x="0" y="0"/>
+          <a:chExt cx="0" cy="0"/>
+        </a:xfrm>
+      </p:grpSpPr>
+      <p:pic>
+        <p:nvPicPr>
+          <p:cNvPr id="4" name="그림 3" descr="라인, 평행, 타이포그래피, 디자인이(가) 표시된 사진&#10;&#10;자동 생성된 설명">
+            <a:extLst>
+              <a:ext uri="{FF2B5EF4-FFF2-40B4-BE49-F238E27FC236}">
+                <a16:creationId xmlns:a16="http://schemas.microsoft.com/office/drawing/2014/main" id="{66D363AD-B79F-A29C-5F54-B2488EA55F9B}"/>
+              </a:ext>
+            </a:extLst>
+          </p:cNvPr>
+          <p:cNvPicPr>
+            <a:picLocks noChangeAspect="1"/>
+          </p:cNvPicPr>
+          <p:nvPr/>
+        </p:nvPicPr>
+        <p:blipFill>
+          <a:blip r:embed="rId2">
+            <a:extLst>
+              <a:ext uri="{28A0092B-C50C-407E-A947-70E740481C1C}">
+                <a14:useLocalDpi xmlns:a14="http://schemas.microsoft.com/office/drawing/2010/main" val="0"/>
+              </a:ext>
+            </a:extLst>
+          </a:blip>
+          <a:stretch>
+            <a:fillRect/>
+          </a:stretch>
+        </p:blipFill>
+        <p:spPr>
+          <a:xfrm>
+            <a:off x="-1651000" y="85725"/>
+            <a:ext cx="15252700" cy="6759568"/>
+          </a:xfrm>
+          <a:prstGeom prst="rect">
+            <a:avLst/>
+          </a:prstGeom>
+        </p:spPr>
+      </p:pic>
+      <p:sp>
+        <p:nvSpPr>
+          <p:cNvPr id="10" name="TextBox 9">
+            <a:extLst>
+              <a:ext uri="{FF2B5EF4-FFF2-40B4-BE49-F238E27FC236}">
+                <a16:creationId xmlns:a16="http://schemas.microsoft.com/office/drawing/2014/main" id="{FAD56B8B-4F55-AB67-EB7D-5D28B1822B5A}"/>
+              </a:ext>
+            </a:extLst>
+          </p:cNvPr>
+          <p:cNvSpPr txBox="1"/>
+          <p:nvPr/>
+        </p:nvSpPr>
+        <p:spPr>
+          <a:xfrm>
+            <a:off x="502055" y="420434"/>
+            <a:ext cx="2194832" cy="369332"/>
+          </a:xfrm>
+          <a:prstGeom prst="rect">
+            <a:avLst/>
+          </a:prstGeom>
+          <a:noFill/>
+        </p:spPr>
+        <p:txBody>
+          <a:bodyPr wrap="none" rtlCol="0">
+            <a:spAutoFit/>
+          </a:bodyPr>
+          <a:lstStyle/>
+          <a:p>
+            <a:r>
+              <a:rPr lang="ko-KR" altLang="en-US" dirty="0"/>
+              <a:t>공간 데이터 시각화</a:t>
+            </a:r>
+          </a:p>
+        </p:txBody>
+      </p:sp>
+    </p:spTree>
+    <p:extLst>
+      <p:ext uri="{BB962C8B-B14F-4D97-AF65-F5344CB8AC3E}">
+        <p14:creationId xmlns:p14="http://schemas.microsoft.com/office/powerpoint/2010/main" val="3975505521"/>
+      </p:ext>
+    </p:extLst>
+  </p:cSld>
+  <p:clrMapOvr>
+    <a:masterClrMapping/>
+  </p:clrMapOvr>
+</p:sld>
+</file>
+
+<file path=ppt/slides/slide7.xml><?xml version="1.0" encoding="utf-8"?>
+<p:sld xmlns:a="http://schemas.openxmlformats.org/drawingml/2006/main" xmlns:r="http://schemas.openxmlformats.org/officeDocument/2006/relationships" xmlns:p="http://schemas.openxmlformats.org/presentationml/2006/main">
+  <p:cSld>
+    <p:spTree>
+      <p:nvGrpSpPr>
+        <p:cNvPr id="1" name="">
+          <a:extLst>
+            <a:ext uri="{FF2B5EF4-FFF2-40B4-BE49-F238E27FC236}">
+              <a16:creationId xmlns:a16="http://schemas.microsoft.com/office/drawing/2014/main" id="{9C3EFCAE-B704-E5B3-4ECF-4E65238A5206}"/>
+            </a:ext>
+          </a:extLst>
+        </p:cNvPr>
+        <p:cNvGrpSpPr/>
+        <p:nvPr/>
+      </p:nvGrpSpPr>
+      <p:grpSpPr>
+        <a:xfrm>
+          <a:off x="0" y="0"/>
+          <a:ext cx="0" cy="0"/>
+          <a:chOff x="0" y="0"/>
+          <a:chExt cx="0" cy="0"/>
+        </a:xfrm>
+      </p:grpSpPr>
+      <p:sp>
+        <p:nvSpPr>
+          <p:cNvPr id="10" name="TextBox 9">
+            <a:extLst>
+              <a:ext uri="{FF2B5EF4-FFF2-40B4-BE49-F238E27FC236}">
+                <a16:creationId xmlns:a16="http://schemas.microsoft.com/office/drawing/2014/main" id="{98F88F9D-67EB-474C-7959-25864F89EE2B}"/>
+              </a:ext>
+            </a:extLst>
+          </p:cNvPr>
+          <p:cNvSpPr txBox="1"/>
+          <p:nvPr/>
+        </p:nvSpPr>
+        <p:spPr>
+          <a:xfrm>
+            <a:off x="502055" y="420434"/>
+            <a:ext cx="2194832" cy="369332"/>
+          </a:xfrm>
+          <a:prstGeom prst="rect">
+            <a:avLst/>
+          </a:prstGeom>
+          <a:noFill/>
+        </p:spPr>
+        <p:txBody>
+          <a:bodyPr wrap="none" rtlCol="0">
+            <a:spAutoFit/>
+          </a:bodyPr>
+          <a:lstStyle/>
+          <a:p>
+            <a:r>
+              <a:rPr lang="ko-KR" altLang="en-US" dirty="0"/>
+              <a:t>공간 데이터 시각화</a:t>
+            </a:r>
+          </a:p>
+        </p:txBody>
+      </p:sp>
+      <p:pic>
+        <p:nvPicPr>
+          <p:cNvPr id="3" name="그림 2" descr="텍스트, 스크린샷, 직사각형, 도표이(가) 표시된 사진&#10;&#10;자동 생성된 설명">
+            <a:extLst>
+              <a:ext uri="{FF2B5EF4-FFF2-40B4-BE49-F238E27FC236}">
+                <a16:creationId xmlns:a16="http://schemas.microsoft.com/office/drawing/2014/main" id="{D6FC6BCA-499E-E3D3-F42B-F721F3EBA242}"/>
+              </a:ext>
+            </a:extLst>
+          </p:cNvPr>
+          <p:cNvPicPr>
+            <a:picLocks noChangeAspect="1"/>
+          </p:cNvPicPr>
+          <p:nvPr/>
+        </p:nvPicPr>
+        <p:blipFill>
+          <a:blip r:embed="rId2">
+            <a:extLst>
+              <a:ext uri="{28A0092B-C50C-407E-A947-70E740481C1C}">
+                <a14:useLocalDpi xmlns:a14="http://schemas.microsoft.com/office/drawing/2010/main" val="0"/>
+              </a:ext>
+            </a:extLst>
+          </a:blip>
+          <a:stretch>
+            <a:fillRect/>
+          </a:stretch>
+        </p:blipFill>
+        <p:spPr>
+          <a:xfrm>
+            <a:off x="330605" y="862960"/>
+            <a:ext cx="5852172" cy="4389129"/>
+          </a:xfrm>
+          <a:prstGeom prst="rect">
+            <a:avLst/>
+          </a:prstGeom>
+        </p:spPr>
+      </p:pic>
+      <p:pic>
+        <p:nvPicPr>
+          <p:cNvPr id="6" name="그림 5" descr="텍스트, 스크린샷, 도표, 직사각형이(가) 표시된 사진&#10;&#10;자동 생성된 설명">
+            <a:extLst>
+              <a:ext uri="{FF2B5EF4-FFF2-40B4-BE49-F238E27FC236}">
+                <a16:creationId xmlns:a16="http://schemas.microsoft.com/office/drawing/2014/main" id="{2927E0CA-3BF1-4D6E-3F12-9787B2EC49B5}"/>
+              </a:ext>
+            </a:extLst>
+          </p:cNvPr>
+          <p:cNvPicPr>
+            <a:picLocks noChangeAspect="1"/>
+          </p:cNvPicPr>
+          <p:nvPr/>
+        </p:nvPicPr>
+        <p:blipFill>
+          <a:blip r:embed="rId3">
+            <a:extLst>
+              <a:ext uri="{28A0092B-C50C-407E-A947-70E740481C1C}">
+                <a14:useLocalDpi xmlns:a14="http://schemas.microsoft.com/office/drawing/2010/main" val="0"/>
+              </a:ext>
+            </a:extLst>
+          </a:blip>
+          <a:stretch>
+            <a:fillRect/>
+          </a:stretch>
+        </p:blipFill>
+        <p:spPr>
+          <a:xfrm>
+            <a:off x="5770239" y="862960"/>
+            <a:ext cx="5852172" cy="4389129"/>
+          </a:xfrm>
+          <a:prstGeom prst="rect">
+            <a:avLst/>
+          </a:prstGeom>
+        </p:spPr>
+      </p:pic>
+    </p:spTree>
+    <p:extLst>
+      <p:ext uri="{BB962C8B-B14F-4D97-AF65-F5344CB8AC3E}">
+        <p14:creationId xmlns:p14="http://schemas.microsoft.com/office/powerpoint/2010/main" val="56697046"/>
+      </p:ext>
+    </p:extLst>
+  </p:cSld>
+  <p:clrMapOvr>
+    <a:masterClrMapping/>
+  </p:clrMapOvr>
+</p:sld>
+</file>
+
+<file path=ppt/slides/slide8.xml><?xml version="1.0" encoding="utf-8"?>
+<p:sld xmlns:a="http://schemas.openxmlformats.org/drawingml/2006/main" xmlns:r="http://schemas.openxmlformats.org/officeDocument/2006/relationships" xmlns:p="http://schemas.openxmlformats.org/presentationml/2006/main">
+  <p:cSld>
+    <p:spTree>
+      <p:nvGrpSpPr>
+        <p:cNvPr id="1" name="">
+          <a:extLst>
+            <a:ext uri="{FF2B5EF4-FFF2-40B4-BE49-F238E27FC236}">
+              <a16:creationId xmlns:a16="http://schemas.microsoft.com/office/drawing/2014/main" id="{313B9025-5FC4-143D-6BDA-4E7598872466}"/>
+            </a:ext>
+          </a:extLst>
+        </p:cNvPr>
+        <p:cNvGrpSpPr/>
+        <p:nvPr/>
+      </p:nvGrpSpPr>
+      <p:grpSpPr>
+        <a:xfrm>
+          <a:off x="0" y="0"/>
+          <a:ext cx="0" cy="0"/>
+          <a:chOff x="0" y="0"/>
+          <a:chExt cx="0" cy="0"/>
+        </a:xfrm>
+      </p:grpSpPr>
+      <p:sp>
+        <p:nvSpPr>
+          <p:cNvPr id="10" name="TextBox 9">
+            <a:extLst>
+              <a:ext uri="{FF2B5EF4-FFF2-40B4-BE49-F238E27FC236}">
+                <a16:creationId xmlns:a16="http://schemas.microsoft.com/office/drawing/2014/main" id="{30EF3578-3479-F625-1195-10A147318DDE}"/>
+              </a:ext>
+            </a:extLst>
+          </p:cNvPr>
+          <p:cNvSpPr txBox="1"/>
+          <p:nvPr/>
+        </p:nvSpPr>
+        <p:spPr>
+          <a:xfrm>
+            <a:off x="502055" y="420434"/>
+            <a:ext cx="2194832" cy="369332"/>
+          </a:xfrm>
+          <a:prstGeom prst="rect">
+            <a:avLst/>
+          </a:prstGeom>
+          <a:noFill/>
+        </p:spPr>
+        <p:txBody>
+          <a:bodyPr wrap="none" rtlCol="0">
+            <a:spAutoFit/>
+          </a:bodyPr>
+          <a:lstStyle/>
+          <a:p>
+            <a:r>
+              <a:rPr lang="ko-KR" altLang="en-US" dirty="0"/>
+              <a:t>공간 데이터 시각화</a:t>
+            </a:r>
+          </a:p>
+        </p:txBody>
+      </p:sp>
+      <p:pic>
+        <p:nvPicPr>
+          <p:cNvPr id="4" name="그림 3" descr="텍스트, 스크린샷, 도표, 직사각형이(가) 표시된 사진&#10;&#10;자동 생성된 설명">
+            <a:extLst>
+              <a:ext uri="{FF2B5EF4-FFF2-40B4-BE49-F238E27FC236}">
+                <a16:creationId xmlns:a16="http://schemas.microsoft.com/office/drawing/2014/main" id="{F11F81E7-CD6A-1A96-1BD8-CDE19D592FB6}"/>
+              </a:ext>
+            </a:extLst>
+          </p:cNvPr>
+          <p:cNvPicPr>
+            <a:picLocks noChangeAspect="1"/>
+          </p:cNvPicPr>
+          <p:nvPr/>
+        </p:nvPicPr>
+        <p:blipFill>
+          <a:blip r:embed="rId2">
+            <a:extLst>
+              <a:ext uri="{28A0092B-C50C-407E-A947-70E740481C1C}">
+                <a14:useLocalDpi xmlns:a14="http://schemas.microsoft.com/office/drawing/2010/main" val="0"/>
+              </a:ext>
+            </a:extLst>
+          </a:blip>
+          <a:stretch>
+            <a:fillRect/>
+          </a:stretch>
+        </p:blipFill>
+        <p:spPr>
+          <a:xfrm>
+            <a:off x="96221" y="789766"/>
+            <a:ext cx="3840000" cy="2880000"/>
+          </a:xfrm>
+          <a:prstGeom prst="rect">
+            <a:avLst/>
+          </a:prstGeom>
+        </p:spPr>
+      </p:pic>
+      <p:pic>
+        <p:nvPicPr>
+          <p:cNvPr id="7" name="그림 6" descr="텍스트, 스크린샷, 도표, 그래프이(가) 표시된 사진&#10;&#10;자동 생성된 설명">
+            <a:extLst>
+              <a:ext uri="{FF2B5EF4-FFF2-40B4-BE49-F238E27FC236}">
+                <a16:creationId xmlns:a16="http://schemas.microsoft.com/office/drawing/2014/main" id="{7D1DB950-A7D4-C59D-7EF6-F25172CA13E6}"/>
+              </a:ext>
+            </a:extLst>
+          </p:cNvPr>
+          <p:cNvPicPr>
+            <a:picLocks noChangeAspect="1"/>
+          </p:cNvPicPr>
+          <p:nvPr/>
+        </p:nvPicPr>
+        <p:blipFill>
+          <a:blip r:embed="rId3">
+            <a:extLst>
+              <a:ext uri="{28A0092B-C50C-407E-A947-70E740481C1C}">
+                <a14:useLocalDpi xmlns:a14="http://schemas.microsoft.com/office/drawing/2010/main" val="0"/>
+              </a:ext>
+            </a:extLst>
+          </a:blip>
+          <a:stretch>
+            <a:fillRect/>
+          </a:stretch>
+        </p:blipFill>
+        <p:spPr>
+          <a:xfrm>
+            <a:off x="3729750" y="789766"/>
+            <a:ext cx="3840000" cy="2880000"/>
+          </a:xfrm>
+          <a:prstGeom prst="rect">
+            <a:avLst/>
+          </a:prstGeom>
+        </p:spPr>
+      </p:pic>
+      <p:pic>
+        <p:nvPicPr>
+          <p:cNvPr id="9" name="그림 8" descr="텍스트, 스크린샷, 도표, 직사각형이(가) 표시된 사진&#10;&#10;자동 생성된 설명">
+            <a:extLst>
+              <a:ext uri="{FF2B5EF4-FFF2-40B4-BE49-F238E27FC236}">
+                <a16:creationId xmlns:a16="http://schemas.microsoft.com/office/drawing/2014/main" id="{6221F2DF-5911-6F2D-7ECF-C549ED08408D}"/>
+              </a:ext>
+            </a:extLst>
+          </p:cNvPr>
+          <p:cNvPicPr>
+            <a:picLocks noChangeAspect="1"/>
+          </p:cNvPicPr>
+          <p:nvPr/>
+        </p:nvPicPr>
+        <p:blipFill>
+          <a:blip r:embed="rId4">
+            <a:extLst>
+              <a:ext uri="{28A0092B-C50C-407E-A947-70E740481C1C}">
+                <a14:useLocalDpi xmlns:a14="http://schemas.microsoft.com/office/drawing/2010/main" val="0"/>
+              </a:ext>
+            </a:extLst>
+          </a:blip>
+          <a:stretch>
+            <a:fillRect/>
+          </a:stretch>
+        </p:blipFill>
+        <p:spPr>
+          <a:xfrm>
+            <a:off x="96221" y="3669766"/>
+            <a:ext cx="3840000" cy="2880000"/>
+          </a:xfrm>
+          <a:prstGeom prst="rect">
+            <a:avLst/>
+          </a:prstGeom>
+        </p:spPr>
+      </p:pic>
+      <p:sp>
+        <p:nvSpPr>
+          <p:cNvPr id="11" name="TextBox 10">
+            <a:extLst>
+              <a:ext uri="{FF2B5EF4-FFF2-40B4-BE49-F238E27FC236}">
+                <a16:creationId xmlns:a16="http://schemas.microsoft.com/office/drawing/2014/main" id="{D632EDCD-8A56-53A4-C0EB-ADD29DD4D924}"/>
+              </a:ext>
+            </a:extLst>
+          </p:cNvPr>
+          <p:cNvSpPr txBox="1"/>
+          <p:nvPr/>
+        </p:nvSpPr>
+        <p:spPr>
+          <a:xfrm>
+            <a:off x="4241449" y="4113927"/>
+            <a:ext cx="7854330" cy="1246495"/>
+          </a:xfrm>
+          <a:prstGeom prst="rect">
+            <a:avLst/>
+          </a:prstGeom>
+          <a:noFill/>
+        </p:spPr>
+        <p:txBody>
+          <a:bodyPr wrap="none" rtlCol="0">
+            <a:spAutoFit/>
+          </a:bodyPr>
+          <a:lstStyle/>
+          <a:p>
+            <a:r>
+              <a:rPr lang="ko-KR" altLang="en-US" sz="1500" dirty="0"/>
+              <a:t>공간 데이터를 시각화 해보았을 때</a:t>
+            </a:r>
+            <a:r>
+              <a:rPr lang="en-US" altLang="ko-KR" sz="1500" dirty="0"/>
+              <a:t>, </a:t>
+            </a:r>
+            <a:r>
+              <a:rPr lang="ko-KR" altLang="en-US" sz="1500" dirty="0" err="1"/>
+              <a:t>동별</a:t>
+            </a:r>
+            <a:r>
+              <a:rPr lang="ko-KR" altLang="en-US" sz="1500" dirty="0"/>
+              <a:t> </a:t>
+            </a:r>
+            <a:r>
+              <a:rPr lang="en-US" altLang="ko-KR" sz="1500" dirty="0"/>
+              <a:t>ECLO</a:t>
+            </a:r>
+            <a:r>
+              <a:rPr lang="ko-KR" altLang="en-US" sz="1500" dirty="0"/>
+              <a:t>가 높은 지역은</a:t>
+            </a:r>
+            <a:endParaRPr lang="en-US" altLang="ko-KR" sz="1500" dirty="0"/>
+          </a:p>
+          <a:p>
+            <a:r>
+              <a:rPr lang="ko-KR" altLang="en-US" sz="1500" dirty="0"/>
+              <a:t>고속도로가 </a:t>
+            </a:r>
+            <a:r>
+              <a:rPr lang="ko-KR" altLang="en-US" sz="1500" dirty="0" err="1"/>
+              <a:t>포함되어있을</a:t>
+            </a:r>
+            <a:r>
+              <a:rPr lang="ko-KR" altLang="en-US" sz="1500" dirty="0"/>
+              <a:t> 것으로 예상됨</a:t>
+            </a:r>
+            <a:endParaRPr lang="en-US" altLang="ko-KR" sz="1500" dirty="0"/>
+          </a:p>
+          <a:p>
+            <a:r>
+              <a:rPr lang="ko-KR" altLang="en-US" sz="1500" dirty="0" err="1"/>
+              <a:t>적설시</a:t>
+            </a:r>
+            <a:r>
+              <a:rPr lang="ko-KR" altLang="en-US" sz="1500" dirty="0"/>
+              <a:t> 사고가 많을 것으로 예상했으나</a:t>
+            </a:r>
+            <a:r>
+              <a:rPr lang="en-US" altLang="ko-KR" sz="1500" dirty="0"/>
+              <a:t>, </a:t>
+            </a:r>
+            <a:r>
+              <a:rPr lang="ko-KR" altLang="en-US" sz="1500" dirty="0"/>
+              <a:t>반대로 </a:t>
+            </a:r>
+            <a:r>
+              <a:rPr lang="ko-KR" altLang="en-US" sz="1500" dirty="0" err="1"/>
+              <a:t>적어지는게</a:t>
+            </a:r>
+            <a:r>
+              <a:rPr lang="ko-KR" altLang="en-US" sz="1500" dirty="0"/>
+              <a:t> 확인됨</a:t>
+            </a:r>
+            <a:endParaRPr lang="en-US" altLang="ko-KR" sz="1500" dirty="0"/>
+          </a:p>
+          <a:p>
+            <a:r>
+              <a:rPr lang="ko-KR" altLang="en-US" sz="1500" dirty="0"/>
+              <a:t>반대로 우천시 침수에 의한 사고는 올해 장마 피해로 보았을 때 </a:t>
+            </a:r>
+            <a:endParaRPr lang="en-US" altLang="ko-KR" sz="1500" dirty="0"/>
+          </a:p>
+          <a:p>
+            <a:r>
+              <a:rPr lang="ko-KR" altLang="en-US" sz="1500" dirty="0"/>
+              <a:t>터널 등과 같은 곳에서 도로가 </a:t>
+            </a:r>
+            <a:r>
+              <a:rPr lang="ko-KR" altLang="en-US" sz="1500" dirty="0" err="1"/>
+              <a:t>침수되어있는지</a:t>
+            </a:r>
+            <a:r>
+              <a:rPr lang="ko-KR" altLang="en-US" sz="1500" dirty="0"/>
+              <a:t> 확인이 힘들어 </a:t>
+            </a:r>
+            <a:r>
+              <a:rPr lang="en-US" altLang="ko-KR" sz="1500" dirty="0"/>
+              <a:t>ECLO</a:t>
+            </a:r>
+            <a:r>
+              <a:rPr lang="ko-KR" altLang="en-US" sz="1500" dirty="0"/>
+              <a:t>가 </a:t>
+            </a:r>
+            <a:r>
+              <a:rPr lang="ko-KR" altLang="en-US" sz="1500" dirty="0" err="1"/>
+              <a:t>높은것으로</a:t>
+            </a:r>
+            <a:r>
+              <a:rPr lang="ko-KR" altLang="en-US" sz="1500" dirty="0"/>
+              <a:t> 예상됨</a:t>
+            </a:r>
+          </a:p>
+        </p:txBody>
+      </p:sp>
+    </p:spTree>
+    <p:extLst>
+      <p:ext uri="{BB962C8B-B14F-4D97-AF65-F5344CB8AC3E}">
+        <p14:creationId xmlns:p14="http://schemas.microsoft.com/office/powerpoint/2010/main" val="565208701"/>
+      </p:ext>
+    </p:extLst>
+  </p:cSld>
+  <p:clrMapOvr>
+    <a:masterClrMapping/>
+  </p:clrMapOvr>
+</p:sld>
+</file>
+
+<file path=ppt/slides/slide9.xml><?xml version="1.0" encoding="utf-8"?>
+<p:sld xmlns:a="http://schemas.openxmlformats.org/drawingml/2006/main" xmlns:r="http://schemas.openxmlformats.org/officeDocument/2006/relationships" xmlns:p="http://schemas.openxmlformats.org/presentationml/2006/main">
+  <p:cSld>
+    <p:spTree>
+      <p:nvGrpSpPr>
+        <p:cNvPr id="1" name="">
+          <a:extLst>
+            <a:ext uri="{FF2B5EF4-FFF2-40B4-BE49-F238E27FC236}">
+              <a16:creationId xmlns:a16="http://schemas.microsoft.com/office/drawing/2014/main" id="{7C9CD52C-0ECB-191F-D4FD-D911E7675A07}"/>
+            </a:ext>
+          </a:extLst>
+        </p:cNvPr>
+        <p:cNvGrpSpPr/>
+        <p:nvPr/>
+      </p:nvGrpSpPr>
+      <p:grpSpPr>
+        <a:xfrm>
+          <a:off x="0" y="0"/>
+          <a:ext cx="0" cy="0"/>
+          <a:chOff x="0" y="0"/>
+          <a:chExt cx="0" cy="0"/>
+        </a:xfrm>
+      </p:grpSpPr>
+      <p:sp>
+        <p:nvSpPr>
+          <p:cNvPr id="10" name="TextBox 9">
+            <a:extLst>
+              <a:ext uri="{FF2B5EF4-FFF2-40B4-BE49-F238E27FC236}">
+                <a16:creationId xmlns:a16="http://schemas.microsoft.com/office/drawing/2014/main" id="{C35CB20F-4565-EDE7-0A8E-77C1C58F89C7}"/>
+              </a:ext>
+            </a:extLst>
+          </p:cNvPr>
+          <p:cNvSpPr txBox="1"/>
+          <p:nvPr/>
+        </p:nvSpPr>
+        <p:spPr>
+          <a:xfrm>
+            <a:off x="502055" y="420434"/>
+            <a:ext cx="2278124" cy="369332"/>
+          </a:xfrm>
+          <a:prstGeom prst="rect">
+            <a:avLst/>
+          </a:prstGeom>
+          <a:noFill/>
+        </p:spPr>
+        <p:txBody>
+          <a:bodyPr wrap="none" rtlCol="0">
+            <a:spAutoFit/>
+          </a:bodyPr>
+          <a:lstStyle/>
+          <a:p>
+            <a:r>
+              <a:rPr lang="en-US" altLang="ko-KR" dirty="0"/>
+              <a:t>Feature Engineering</a:t>
+            </a:r>
+          </a:p>
+        </p:txBody>
+      </p:sp>
+      <p:sp>
+        <p:nvSpPr>
+          <p:cNvPr id="2" name="TextBox 1">
+            <a:extLst>
+              <a:ext uri="{FF2B5EF4-FFF2-40B4-BE49-F238E27FC236}">
+                <a16:creationId xmlns:a16="http://schemas.microsoft.com/office/drawing/2014/main" id="{3FC5A1D0-2FA0-F134-3B73-E30833B50948}"/>
+              </a:ext>
+            </a:extLst>
+          </p:cNvPr>
+          <p:cNvSpPr txBox="1"/>
+          <p:nvPr/>
+        </p:nvSpPr>
+        <p:spPr>
+          <a:xfrm>
+            <a:off x="866775" y="857250"/>
+            <a:ext cx="9034846" cy="1200329"/>
+          </a:xfrm>
+          <a:prstGeom prst="rect">
+            <a:avLst/>
+          </a:prstGeom>
+          <a:noFill/>
+        </p:spPr>
+        <p:txBody>
+          <a:bodyPr wrap="none" rtlCol="0">
+            <a:spAutoFit/>
+          </a:bodyPr>
+          <a:lstStyle/>
+          <a:p>
+            <a:r>
+              <a:rPr lang="en-US" altLang="ko-KR" dirty="0"/>
+              <a:t>Feature </a:t>
+            </a:r>
+            <a:r>
+              <a:rPr lang="ko-KR" altLang="en-US" dirty="0"/>
+              <a:t>선정</a:t>
+            </a:r>
+            <a:endParaRPr lang="en-US" altLang="ko-KR" dirty="0"/>
+          </a:p>
+          <a:p>
+            <a:r>
+              <a:rPr lang="en-US" altLang="ko-KR" dirty="0"/>
+              <a:t> * </a:t>
+            </a:r>
+            <a:r>
+              <a:rPr lang="ko-KR" altLang="en-US" dirty="0" err="1"/>
+              <a:t>동별</a:t>
+            </a:r>
+            <a:r>
+              <a:rPr lang="ko-KR" altLang="en-US" dirty="0"/>
+              <a:t> 보안등</a:t>
+            </a:r>
+            <a:r>
+              <a:rPr lang="en-US" altLang="ko-KR" dirty="0"/>
+              <a:t>, </a:t>
+            </a:r>
+            <a:r>
+              <a:rPr lang="ko-KR" altLang="en-US" dirty="0"/>
+              <a:t>카메라</a:t>
+            </a:r>
+            <a:r>
+              <a:rPr lang="en-US" altLang="ko-KR" dirty="0"/>
+              <a:t>, </a:t>
+            </a:r>
+            <a:r>
+              <a:rPr lang="ko-KR" altLang="en-US" dirty="0"/>
+              <a:t>어린이보호구역</a:t>
+            </a:r>
+            <a:r>
+              <a:rPr lang="en-US" altLang="ko-KR" dirty="0"/>
+              <a:t>, </a:t>
+            </a:r>
+            <a:r>
+              <a:rPr lang="ko-KR" altLang="en-US" dirty="0"/>
+              <a:t>주차장의 개수가 예측에 도움 될 것으로 예상</a:t>
+            </a:r>
+            <a:endParaRPr lang="en-US" altLang="ko-KR" dirty="0"/>
+          </a:p>
+          <a:p>
+            <a:r>
+              <a:rPr lang="en-US" altLang="ko-KR" dirty="0"/>
+              <a:t> * </a:t>
+            </a:r>
+            <a:r>
+              <a:rPr lang="ko-KR" altLang="en-US" dirty="0"/>
+              <a:t>계절 및 시간대의 특성</a:t>
+            </a:r>
+            <a:r>
+              <a:rPr lang="en-US" altLang="ko-KR" dirty="0"/>
+              <a:t>(</a:t>
+            </a:r>
+            <a:r>
+              <a:rPr lang="ko-KR" altLang="en-US" dirty="0"/>
+              <a:t>출근</a:t>
+            </a:r>
+            <a:r>
+              <a:rPr lang="en-US" altLang="ko-KR" dirty="0"/>
+              <a:t>,</a:t>
+            </a:r>
+            <a:r>
+              <a:rPr lang="ko-KR" altLang="en-US" dirty="0"/>
+              <a:t>퇴근</a:t>
+            </a:r>
+            <a:r>
+              <a:rPr lang="en-US" altLang="ko-KR" dirty="0"/>
+              <a:t>,</a:t>
+            </a:r>
+            <a:r>
+              <a:rPr lang="ko-KR" altLang="en-US" dirty="0"/>
+              <a:t>심야</a:t>
+            </a:r>
+            <a:r>
+              <a:rPr lang="en-US" altLang="ko-KR" dirty="0"/>
+              <a:t>) </a:t>
+            </a:r>
+            <a:r>
+              <a:rPr lang="ko-KR" altLang="en-US" dirty="0"/>
+              <a:t>등 컬럼 세분화 진행</a:t>
+            </a:r>
+            <a:endParaRPr lang="en-US" altLang="ko-KR" dirty="0"/>
+          </a:p>
+          <a:p>
+            <a:r>
+              <a:rPr lang="en-US" altLang="ko-KR" dirty="0"/>
+              <a:t> * </a:t>
+            </a:r>
+            <a:r>
+              <a:rPr lang="ko-KR" altLang="en-US" dirty="0"/>
+              <a:t>컬럼의 </a:t>
+            </a:r>
+            <a:r>
+              <a:rPr lang="ko-KR" altLang="en-US" dirty="0" err="1"/>
+              <a:t>값들중</a:t>
+            </a:r>
+            <a:r>
+              <a:rPr lang="ko-KR" altLang="en-US" dirty="0"/>
+              <a:t> </a:t>
+            </a:r>
+            <a:r>
+              <a:rPr lang="en-US" altLang="ko-KR" dirty="0"/>
+              <a:t>test</a:t>
+            </a:r>
+            <a:r>
+              <a:rPr lang="ko-KR" altLang="en-US" dirty="0"/>
+              <a:t>에 존재하지 않는 </a:t>
+            </a:r>
+            <a:r>
+              <a:rPr lang="ko-KR" altLang="en-US" dirty="0" err="1"/>
+              <a:t>컬럼값들은</a:t>
+            </a:r>
+            <a:r>
+              <a:rPr lang="ko-KR" altLang="en-US" dirty="0"/>
+              <a:t> </a:t>
+            </a:r>
+            <a:r>
+              <a:rPr lang="ko-KR" altLang="en-US" dirty="0" err="1"/>
+              <a:t>삭제후</a:t>
+            </a:r>
+            <a:r>
+              <a:rPr lang="ko-KR" altLang="en-US" dirty="0"/>
+              <a:t> 진행 </a:t>
+            </a:r>
+          </a:p>
+        </p:txBody>
+      </p:sp>
+      <p:sp>
+        <p:nvSpPr>
+          <p:cNvPr id="8" name="TextBox 7">
+            <a:extLst>
+              <a:ext uri="{FF2B5EF4-FFF2-40B4-BE49-F238E27FC236}">
+                <a16:creationId xmlns:a16="http://schemas.microsoft.com/office/drawing/2014/main" id="{6F23E203-60D8-4622-D678-6C6B4A37588B}"/>
+              </a:ext>
+            </a:extLst>
+          </p:cNvPr>
+          <p:cNvSpPr txBox="1"/>
+          <p:nvPr/>
+        </p:nvSpPr>
+        <p:spPr>
+          <a:xfrm>
+            <a:off x="1833919" y="2114764"/>
+            <a:ext cx="3543300" cy="4616648"/>
+          </a:xfrm>
+          <a:prstGeom prst="rect">
+            <a:avLst/>
+          </a:prstGeom>
+          <a:noFill/>
+        </p:spPr>
+        <p:txBody>
+          <a:bodyPr wrap="square">
+            <a:spAutoFit/>
+          </a:bodyPr>
+          <a:lstStyle/>
+          <a:p>
+            <a:r>
+              <a:rPr lang="ko-KR" altLang="en-US" sz="1400" dirty="0"/>
+              <a:t> 0   요일      39601 </a:t>
+            </a:r>
+            <a:r>
+              <a:rPr lang="ko-KR" altLang="en-US" sz="1400" dirty="0" err="1"/>
+              <a:t>non-null</a:t>
+            </a:r>
+            <a:r>
+              <a:rPr lang="ko-KR" altLang="en-US" sz="1400" dirty="0"/>
+              <a:t>  </a:t>
+            </a:r>
+            <a:r>
+              <a:rPr lang="ko-KR" altLang="en-US" sz="1400" dirty="0" err="1"/>
+              <a:t>object</a:t>
+            </a:r>
+            <a:endParaRPr lang="ko-KR" altLang="en-US" sz="1400" dirty="0"/>
+          </a:p>
+          <a:p>
+            <a:r>
+              <a:rPr lang="ko-KR" altLang="en-US" sz="1400" dirty="0"/>
+              <a:t> 1   기상상태    39601 </a:t>
+            </a:r>
+            <a:r>
+              <a:rPr lang="ko-KR" altLang="en-US" sz="1400" dirty="0" err="1"/>
+              <a:t>non-null</a:t>
+            </a:r>
+            <a:r>
+              <a:rPr lang="ko-KR" altLang="en-US" sz="1400" dirty="0"/>
+              <a:t>  </a:t>
+            </a:r>
+            <a:r>
+              <a:rPr lang="ko-KR" altLang="en-US" sz="1400" dirty="0" err="1"/>
+              <a:t>object</a:t>
+            </a:r>
+            <a:endParaRPr lang="ko-KR" altLang="en-US" sz="1400" dirty="0"/>
+          </a:p>
+          <a:p>
+            <a:r>
+              <a:rPr lang="ko-KR" altLang="en-US" sz="1400" dirty="0"/>
+              <a:t> 2   노면상태    39601 </a:t>
+            </a:r>
+            <a:r>
+              <a:rPr lang="ko-KR" altLang="en-US" sz="1400" dirty="0" err="1"/>
+              <a:t>non-null</a:t>
+            </a:r>
+            <a:r>
+              <a:rPr lang="ko-KR" altLang="en-US" sz="1400" dirty="0"/>
+              <a:t>  </a:t>
+            </a:r>
+            <a:r>
+              <a:rPr lang="ko-KR" altLang="en-US" sz="1400" dirty="0" err="1"/>
+              <a:t>object</a:t>
+            </a:r>
+            <a:endParaRPr lang="ko-KR" altLang="en-US" sz="1400" dirty="0"/>
+          </a:p>
+          <a:p>
+            <a:r>
+              <a:rPr lang="ko-KR" altLang="en-US" sz="1400" dirty="0"/>
+              <a:t> 3   사고유형    39601 </a:t>
+            </a:r>
+            <a:r>
+              <a:rPr lang="ko-KR" altLang="en-US" sz="1400" dirty="0" err="1"/>
+              <a:t>non-null</a:t>
+            </a:r>
+            <a:r>
+              <a:rPr lang="ko-KR" altLang="en-US" sz="1400" dirty="0"/>
+              <a:t>  </a:t>
+            </a:r>
+            <a:r>
+              <a:rPr lang="ko-KR" altLang="en-US" sz="1400" dirty="0" err="1"/>
+              <a:t>object</a:t>
+            </a:r>
+            <a:endParaRPr lang="ko-KR" altLang="en-US" sz="1400" dirty="0"/>
+          </a:p>
+          <a:p>
+            <a:r>
+              <a:rPr lang="ko-KR" altLang="en-US" sz="1400" dirty="0"/>
+              <a:t> </a:t>
+            </a:r>
+            <a:r>
+              <a:rPr lang="en-US" altLang="ko-KR" sz="1400" dirty="0"/>
+              <a:t>4</a:t>
+            </a:r>
+            <a:r>
+              <a:rPr lang="ko-KR" altLang="en-US" sz="1400" dirty="0"/>
+              <a:t>   구       39601 </a:t>
+            </a:r>
+            <a:r>
+              <a:rPr lang="ko-KR" altLang="en-US" sz="1400" dirty="0" err="1"/>
+              <a:t>non-null</a:t>
+            </a:r>
+            <a:r>
+              <a:rPr lang="ko-KR" altLang="en-US" sz="1400" dirty="0"/>
+              <a:t>  </a:t>
+            </a:r>
+            <a:r>
+              <a:rPr lang="ko-KR" altLang="en-US" sz="1400" dirty="0" err="1"/>
+              <a:t>object</a:t>
+            </a:r>
+            <a:endParaRPr lang="ko-KR" altLang="en-US" sz="1400" dirty="0"/>
+          </a:p>
+          <a:p>
+            <a:r>
+              <a:rPr lang="ko-KR" altLang="en-US" sz="1400" dirty="0"/>
+              <a:t> </a:t>
+            </a:r>
+            <a:r>
+              <a:rPr lang="en-US" altLang="ko-KR" sz="1400" dirty="0"/>
+              <a:t>5</a:t>
+            </a:r>
+            <a:r>
+              <a:rPr lang="ko-KR" altLang="en-US" sz="1400" dirty="0"/>
+              <a:t>   동       39601 </a:t>
+            </a:r>
+            <a:r>
+              <a:rPr lang="ko-KR" altLang="en-US" sz="1400" dirty="0" err="1"/>
+              <a:t>non-null</a:t>
+            </a:r>
+            <a:r>
+              <a:rPr lang="ko-KR" altLang="en-US" sz="1400" dirty="0"/>
+              <a:t>  </a:t>
+            </a:r>
+            <a:r>
+              <a:rPr lang="ko-KR" altLang="en-US" sz="1400" dirty="0" err="1"/>
+              <a:t>object</a:t>
+            </a:r>
+            <a:endParaRPr lang="ko-KR" altLang="en-US" sz="1400" dirty="0"/>
+          </a:p>
+          <a:p>
+            <a:r>
+              <a:rPr lang="ko-KR" altLang="en-US" sz="1400" dirty="0"/>
+              <a:t> </a:t>
+            </a:r>
+            <a:r>
+              <a:rPr lang="en-US" altLang="ko-KR" sz="1400" dirty="0"/>
+              <a:t>6</a:t>
+            </a:r>
+            <a:r>
+              <a:rPr lang="ko-KR" altLang="en-US" sz="1400" dirty="0"/>
+              <a:t>   도로형태1   39601 </a:t>
+            </a:r>
+            <a:r>
+              <a:rPr lang="ko-KR" altLang="en-US" sz="1400" dirty="0" err="1"/>
+              <a:t>non-null</a:t>
+            </a:r>
+            <a:r>
+              <a:rPr lang="ko-KR" altLang="en-US" sz="1400" dirty="0"/>
+              <a:t>  </a:t>
+            </a:r>
+            <a:r>
+              <a:rPr lang="ko-KR" altLang="en-US" sz="1400" dirty="0" err="1"/>
+              <a:t>object</a:t>
+            </a:r>
+            <a:endParaRPr lang="ko-KR" altLang="en-US" sz="1400" dirty="0"/>
+          </a:p>
+          <a:p>
+            <a:r>
+              <a:rPr lang="ko-KR" altLang="en-US" sz="1400" dirty="0"/>
+              <a:t> </a:t>
+            </a:r>
+            <a:r>
+              <a:rPr lang="en-US" altLang="ko-KR" sz="1400" dirty="0"/>
+              <a:t>7</a:t>
+            </a:r>
+            <a:r>
+              <a:rPr lang="ko-KR" altLang="en-US" sz="1400" dirty="0"/>
+              <a:t>   도로형태2   39601 </a:t>
+            </a:r>
+            <a:r>
+              <a:rPr lang="ko-KR" altLang="en-US" sz="1400" dirty="0" err="1"/>
+              <a:t>non-null</a:t>
+            </a:r>
+            <a:r>
+              <a:rPr lang="ko-KR" altLang="en-US" sz="1400" dirty="0"/>
+              <a:t>  </a:t>
+            </a:r>
+            <a:r>
+              <a:rPr lang="ko-KR" altLang="en-US" sz="1400" dirty="0" err="1"/>
+              <a:t>object</a:t>
+            </a:r>
+            <a:endParaRPr lang="ko-KR" altLang="en-US" sz="1400" dirty="0"/>
+          </a:p>
+          <a:p>
+            <a:r>
+              <a:rPr lang="ko-KR" altLang="en-US" sz="1400" dirty="0"/>
+              <a:t> </a:t>
+            </a:r>
+            <a:r>
+              <a:rPr lang="en-US" altLang="ko-KR" sz="1400" dirty="0"/>
+              <a:t>8</a:t>
+            </a:r>
+            <a:r>
+              <a:rPr lang="ko-KR" altLang="en-US" sz="1400" dirty="0"/>
+              <a:t>   월       39601 </a:t>
+            </a:r>
+            <a:r>
+              <a:rPr lang="ko-KR" altLang="en-US" sz="1400" dirty="0" err="1"/>
+              <a:t>non-null</a:t>
+            </a:r>
+            <a:r>
+              <a:rPr lang="ko-KR" altLang="en-US" sz="1400" dirty="0"/>
+              <a:t>  int32 </a:t>
+            </a:r>
+          </a:p>
+          <a:p>
+            <a:r>
+              <a:rPr lang="ko-KR" altLang="en-US" sz="1400" dirty="0"/>
+              <a:t> </a:t>
+            </a:r>
+            <a:r>
+              <a:rPr lang="en-US" altLang="ko-KR" sz="1400" dirty="0"/>
+              <a:t>9</a:t>
+            </a:r>
+            <a:r>
+              <a:rPr lang="ko-KR" altLang="en-US" sz="1400" dirty="0"/>
+              <a:t>  시간      39601 </a:t>
+            </a:r>
+            <a:r>
+              <a:rPr lang="ko-KR" altLang="en-US" sz="1400" dirty="0" err="1"/>
+              <a:t>non-null</a:t>
+            </a:r>
+            <a:r>
+              <a:rPr lang="ko-KR" altLang="en-US" sz="1400" dirty="0"/>
+              <a:t>  int32 </a:t>
+            </a:r>
+          </a:p>
+          <a:p>
+            <a:r>
+              <a:rPr lang="ko-KR" altLang="en-US" sz="1400" dirty="0"/>
+              <a:t> 1</a:t>
+            </a:r>
+            <a:r>
+              <a:rPr lang="en-US" altLang="ko-KR" sz="1400" dirty="0"/>
+              <a:t>0</a:t>
+            </a:r>
+            <a:r>
+              <a:rPr lang="ko-KR" altLang="en-US" sz="1400" dirty="0"/>
+              <a:t>  계절      39601 </a:t>
+            </a:r>
+            <a:r>
+              <a:rPr lang="ko-KR" altLang="en-US" sz="1400" dirty="0" err="1"/>
+              <a:t>non-null</a:t>
+            </a:r>
+            <a:r>
+              <a:rPr lang="ko-KR" altLang="en-US" sz="1400" dirty="0"/>
+              <a:t>  </a:t>
+            </a:r>
+            <a:r>
+              <a:rPr lang="ko-KR" altLang="en-US" sz="1400" dirty="0" err="1"/>
+              <a:t>object</a:t>
+            </a:r>
+            <a:endParaRPr lang="ko-KR" altLang="en-US" sz="1400" dirty="0"/>
+          </a:p>
+          <a:p>
+            <a:r>
+              <a:rPr lang="ko-KR" altLang="en-US" sz="1400" dirty="0"/>
+              <a:t> 1</a:t>
+            </a:r>
+            <a:r>
+              <a:rPr lang="en-US" altLang="ko-KR" sz="1400" dirty="0"/>
+              <a:t>1</a:t>
+            </a:r>
+            <a:r>
+              <a:rPr lang="ko-KR" altLang="en-US" sz="1400" dirty="0"/>
+              <a:t>  공휴일     39601 </a:t>
+            </a:r>
+            <a:r>
+              <a:rPr lang="ko-KR" altLang="en-US" sz="1400" dirty="0" err="1"/>
+              <a:t>non-null</a:t>
+            </a:r>
+            <a:r>
+              <a:rPr lang="ko-KR" altLang="en-US" sz="1400" dirty="0"/>
+              <a:t>  int64 </a:t>
+            </a:r>
+          </a:p>
+          <a:p>
+            <a:r>
+              <a:rPr lang="ko-KR" altLang="en-US" sz="1400" dirty="0"/>
+              <a:t> 1</a:t>
+            </a:r>
+            <a:r>
+              <a:rPr lang="en-US" altLang="ko-KR" sz="1400" dirty="0"/>
+              <a:t>2</a:t>
+            </a:r>
+            <a:r>
+              <a:rPr lang="ko-KR" altLang="en-US" sz="1400" dirty="0"/>
+              <a:t>  시간대     39601 </a:t>
+            </a:r>
+            <a:r>
+              <a:rPr lang="ko-KR" altLang="en-US" sz="1400" dirty="0" err="1"/>
+              <a:t>non-null</a:t>
+            </a:r>
+            <a:r>
+              <a:rPr lang="ko-KR" altLang="en-US" sz="1400" dirty="0"/>
+              <a:t>  </a:t>
+            </a:r>
+            <a:r>
+              <a:rPr lang="ko-KR" altLang="en-US" sz="1400" dirty="0" err="1"/>
+              <a:t>object</a:t>
+            </a:r>
+            <a:endParaRPr lang="ko-KR" altLang="en-US" sz="1400" dirty="0"/>
+          </a:p>
+          <a:p>
+            <a:r>
+              <a:rPr lang="ko-KR" altLang="en-US" sz="1400" dirty="0"/>
+              <a:t> 1</a:t>
+            </a:r>
+            <a:r>
+              <a:rPr lang="en-US" altLang="ko-KR" sz="1400" dirty="0"/>
+              <a:t>3</a:t>
+            </a:r>
+            <a:r>
+              <a:rPr lang="ko-KR" altLang="en-US" sz="1400" dirty="0"/>
+              <a:t>  속도      39601 </a:t>
+            </a:r>
+            <a:r>
+              <a:rPr lang="ko-KR" altLang="en-US" sz="1400" dirty="0" err="1"/>
+              <a:t>non-null</a:t>
+            </a:r>
+            <a:r>
+              <a:rPr lang="ko-KR" altLang="en-US" sz="1400" dirty="0"/>
+              <a:t>  int32 </a:t>
+            </a:r>
+          </a:p>
+          <a:p>
+            <a:r>
+              <a:rPr lang="ko-KR" altLang="en-US" sz="1400" dirty="0"/>
+              <a:t> 1</a:t>
+            </a:r>
+            <a:r>
+              <a:rPr lang="en-US" altLang="ko-KR" sz="1400" dirty="0"/>
+              <a:t>4</a:t>
+            </a:r>
+            <a:r>
+              <a:rPr lang="ko-KR" altLang="en-US" sz="1400" dirty="0"/>
+              <a:t>  신호      39601 </a:t>
+            </a:r>
+            <a:r>
+              <a:rPr lang="ko-KR" altLang="en-US" sz="1400" dirty="0" err="1"/>
+              <a:t>non-null</a:t>
+            </a:r>
+            <a:r>
+              <a:rPr lang="ko-KR" altLang="en-US" sz="1400" dirty="0"/>
+              <a:t>  int32 </a:t>
+            </a:r>
+          </a:p>
+          <a:p>
+            <a:r>
+              <a:rPr lang="ko-KR" altLang="en-US" sz="1400" dirty="0"/>
+              <a:t> 1</a:t>
+            </a:r>
+            <a:r>
+              <a:rPr lang="en-US" altLang="ko-KR" sz="1400" dirty="0"/>
+              <a:t>5</a:t>
+            </a:r>
+            <a:r>
+              <a:rPr lang="ko-KR" altLang="en-US" sz="1400" dirty="0"/>
+              <a:t>  불법주정차   39601 </a:t>
+            </a:r>
+            <a:r>
+              <a:rPr lang="ko-KR" altLang="en-US" sz="1400" dirty="0" err="1"/>
+              <a:t>non-null</a:t>
+            </a:r>
+            <a:r>
+              <a:rPr lang="ko-KR" altLang="en-US" sz="1400" dirty="0"/>
+              <a:t>  int32 </a:t>
+            </a:r>
+          </a:p>
+          <a:p>
+            <a:r>
+              <a:rPr lang="ko-KR" altLang="en-US" sz="1400" dirty="0"/>
+              <a:t> 1</a:t>
+            </a:r>
+            <a:r>
+              <a:rPr lang="en-US" altLang="ko-KR" sz="1400" dirty="0"/>
+              <a:t>6</a:t>
+            </a:r>
+            <a:r>
+              <a:rPr lang="ko-KR" altLang="en-US" sz="1400" dirty="0"/>
+              <a:t>  기타      39601 </a:t>
+            </a:r>
+            <a:r>
+              <a:rPr lang="ko-KR" altLang="en-US" sz="1400" dirty="0" err="1"/>
+              <a:t>non-null</a:t>
+            </a:r>
+            <a:r>
+              <a:rPr lang="ko-KR" altLang="en-US" sz="1400" dirty="0"/>
+              <a:t>  int32 </a:t>
+            </a:r>
+          </a:p>
+          <a:p>
+            <a:r>
+              <a:rPr lang="ko-KR" altLang="en-US" sz="1400" dirty="0"/>
+              <a:t> 1</a:t>
+            </a:r>
+            <a:r>
+              <a:rPr lang="en-US" altLang="ko-KR" sz="1400" dirty="0"/>
+              <a:t>7</a:t>
+            </a:r>
+            <a:r>
+              <a:rPr lang="ko-KR" altLang="en-US" sz="1400" dirty="0"/>
+              <a:t>  보안등     39601 </a:t>
+            </a:r>
+            <a:r>
+              <a:rPr lang="ko-KR" altLang="en-US" sz="1400" dirty="0" err="1"/>
+              <a:t>non-null</a:t>
+            </a:r>
+            <a:r>
+              <a:rPr lang="ko-KR" altLang="en-US" sz="1400" dirty="0"/>
+              <a:t>  int32 </a:t>
+            </a:r>
+          </a:p>
+          <a:p>
+            <a:r>
+              <a:rPr lang="ko-KR" altLang="en-US" sz="1400" dirty="0"/>
+              <a:t> 1</a:t>
+            </a:r>
+            <a:r>
+              <a:rPr lang="en-US" altLang="ko-KR" sz="1400" dirty="0"/>
+              <a:t>8</a:t>
+            </a:r>
+            <a:r>
+              <a:rPr lang="ko-KR" altLang="en-US" sz="1400" dirty="0"/>
+              <a:t>  어린이     39601 </a:t>
+            </a:r>
+            <a:r>
+              <a:rPr lang="ko-KR" altLang="en-US" sz="1400" dirty="0" err="1"/>
+              <a:t>non-null</a:t>
+            </a:r>
+            <a:r>
+              <a:rPr lang="ko-KR" altLang="en-US" sz="1400" dirty="0"/>
+              <a:t>  int32 </a:t>
+            </a:r>
+          </a:p>
+          <a:p>
+            <a:r>
+              <a:rPr lang="ko-KR" altLang="en-US" sz="1400" dirty="0"/>
+              <a:t> </a:t>
+            </a:r>
+            <a:r>
+              <a:rPr lang="en-US" altLang="ko-KR" sz="1400" dirty="0"/>
+              <a:t>19</a:t>
+            </a:r>
+            <a:r>
+              <a:rPr lang="ko-KR" altLang="en-US" sz="1400" dirty="0"/>
+              <a:t>  주차장     39601 </a:t>
+            </a:r>
+            <a:r>
+              <a:rPr lang="ko-KR" altLang="en-US" sz="1400" dirty="0" err="1"/>
+              <a:t>non-null</a:t>
+            </a:r>
+            <a:r>
+              <a:rPr lang="ko-KR" altLang="en-US" sz="1400" dirty="0"/>
+              <a:t>  int32 </a:t>
+            </a:r>
+          </a:p>
+          <a:p>
+            <a:r>
+              <a:rPr lang="ko-KR" altLang="en-US" sz="1400" dirty="0"/>
+              <a:t> 2</a:t>
+            </a:r>
+            <a:r>
+              <a:rPr lang="en-US" altLang="ko-KR" sz="1400" dirty="0"/>
+              <a:t>0</a:t>
+            </a:r>
+            <a:r>
+              <a:rPr lang="ko-KR" altLang="en-US" sz="1400" dirty="0"/>
+              <a:t>  급지구분    39601 </a:t>
+            </a:r>
+            <a:r>
+              <a:rPr lang="ko-KR" altLang="en-US" sz="1400" dirty="0" err="1"/>
+              <a:t>non-null</a:t>
+            </a:r>
+            <a:r>
+              <a:rPr lang="ko-KR" altLang="en-US" sz="1400" dirty="0"/>
+              <a:t>  int32 </a:t>
+            </a:r>
+          </a:p>
+        </p:txBody>
+      </p:sp>
+      <p:sp>
+        <p:nvSpPr>
+          <p:cNvPr id="13" name="TextBox 12">
+            <a:extLst>
+              <a:ext uri="{FF2B5EF4-FFF2-40B4-BE49-F238E27FC236}">
+                <a16:creationId xmlns:a16="http://schemas.microsoft.com/office/drawing/2014/main" id="{90A9FF6C-67CD-C392-7EF7-6FE62A5607D5}"/>
+              </a:ext>
+            </a:extLst>
+          </p:cNvPr>
+          <p:cNvSpPr txBox="1"/>
+          <p:nvPr/>
+        </p:nvSpPr>
+        <p:spPr>
+          <a:xfrm>
+            <a:off x="502055" y="3743200"/>
+            <a:ext cx="1296060" cy="323165"/>
+          </a:xfrm>
+          <a:prstGeom prst="rect">
+            <a:avLst/>
+          </a:prstGeom>
+          <a:noFill/>
+        </p:spPr>
+        <p:txBody>
+          <a:bodyPr wrap="none" rtlCol="0">
+            <a:spAutoFit/>
+          </a:bodyPr>
+          <a:lstStyle/>
+          <a:p>
+            <a:r>
+              <a:rPr lang="en-US" altLang="ko-KR" sz="1500" dirty="0"/>
+              <a:t>Final</a:t>
+            </a:r>
+            <a:r>
+              <a:rPr lang="ko-KR" altLang="en-US" sz="1500" dirty="0"/>
+              <a:t> </a:t>
+            </a:r>
+            <a:r>
+              <a:rPr lang="en-US" altLang="ko-KR" sz="1500" dirty="0"/>
+              <a:t>Feature</a:t>
+            </a:r>
+          </a:p>
+        </p:txBody>
+      </p:sp>
+      <p:sp>
+        <p:nvSpPr>
+          <p:cNvPr id="15" name="TextBox 14">
+            <a:extLst>
+              <a:ext uri="{FF2B5EF4-FFF2-40B4-BE49-F238E27FC236}">
+                <a16:creationId xmlns:a16="http://schemas.microsoft.com/office/drawing/2014/main" id="{3179AA72-21A1-F6EF-EB69-3C46AF1AEFC5}"/>
+              </a:ext>
+            </a:extLst>
+          </p:cNvPr>
+          <p:cNvSpPr txBox="1"/>
+          <p:nvPr/>
+        </p:nvSpPr>
+        <p:spPr>
+          <a:xfrm>
+            <a:off x="5418247" y="3627783"/>
+            <a:ext cx="1396536" cy="553998"/>
+          </a:xfrm>
+          <a:prstGeom prst="rect">
+            <a:avLst/>
+          </a:prstGeom>
+          <a:noFill/>
+        </p:spPr>
+        <p:txBody>
+          <a:bodyPr wrap="none" rtlCol="0">
+            <a:spAutoFit/>
+          </a:bodyPr>
+          <a:lstStyle/>
+          <a:p>
+            <a:r>
+              <a:rPr lang="en-US" altLang="ko-KR" sz="1500" dirty="0" err="1"/>
+              <a:t>LabelEncoder</a:t>
+            </a:r>
+            <a:endParaRPr lang="en-US" altLang="ko-KR" sz="1500" dirty="0"/>
+          </a:p>
+          <a:p>
+            <a:r>
+              <a:rPr lang="en-US" altLang="ko-KR" sz="1500" dirty="0"/>
+              <a:t>------------</a:t>
+            </a:r>
+            <a:r>
+              <a:rPr lang="en-US" altLang="ko-KR" sz="1500" dirty="0">
+                <a:sym typeface="Wingdings" panose="05000000000000000000" pitchFamily="2" charset="2"/>
+              </a:rPr>
+              <a:t>&gt;&gt;</a:t>
+            </a:r>
+            <a:endParaRPr lang="en-US" altLang="ko-KR" sz="1500" dirty="0"/>
+          </a:p>
+        </p:txBody>
+      </p:sp>
+      <p:sp>
+        <p:nvSpPr>
+          <p:cNvPr id="17" name="TextBox 16">
+            <a:extLst>
+              <a:ext uri="{FF2B5EF4-FFF2-40B4-BE49-F238E27FC236}">
+                <a16:creationId xmlns:a16="http://schemas.microsoft.com/office/drawing/2014/main" id="{35756571-7272-F53A-F03A-DAB31EAAC8BD}"/>
+              </a:ext>
+            </a:extLst>
+          </p:cNvPr>
+          <p:cNvSpPr txBox="1"/>
+          <p:nvPr/>
+        </p:nvSpPr>
+        <p:spPr>
+          <a:xfrm>
+            <a:off x="6855811" y="2057579"/>
+            <a:ext cx="6096000" cy="4616648"/>
+          </a:xfrm>
+          <a:prstGeom prst="rect">
+            <a:avLst/>
+          </a:prstGeom>
+          <a:noFill/>
+        </p:spPr>
+        <p:txBody>
+          <a:bodyPr wrap="square">
+            <a:spAutoFit/>
+          </a:bodyPr>
+          <a:lstStyle/>
+          <a:p>
+            <a:r>
+              <a:rPr lang="ko-KR" altLang="en-US" sz="1400" dirty="0"/>
+              <a:t> 0   요일      39601 </a:t>
+            </a:r>
+            <a:r>
+              <a:rPr lang="ko-KR" altLang="en-US" sz="1400" dirty="0" err="1"/>
+              <a:t>non-null</a:t>
+            </a:r>
+            <a:r>
+              <a:rPr lang="ko-KR" altLang="en-US" sz="1400" dirty="0"/>
+              <a:t>  int32</a:t>
+            </a:r>
+          </a:p>
+          <a:p>
+            <a:r>
+              <a:rPr lang="ko-KR" altLang="en-US" sz="1400" dirty="0"/>
+              <a:t> 1   기상상태    39601 </a:t>
+            </a:r>
+            <a:r>
+              <a:rPr lang="ko-KR" altLang="en-US" sz="1400" dirty="0" err="1"/>
+              <a:t>non-null</a:t>
+            </a:r>
+            <a:r>
+              <a:rPr lang="ko-KR" altLang="en-US" sz="1400" dirty="0"/>
+              <a:t>  int32</a:t>
+            </a:r>
+          </a:p>
+          <a:p>
+            <a:r>
+              <a:rPr lang="ko-KR" altLang="en-US" sz="1400" dirty="0"/>
+              <a:t> 2   노면상태    39601 </a:t>
+            </a:r>
+            <a:r>
+              <a:rPr lang="ko-KR" altLang="en-US" sz="1400" dirty="0" err="1"/>
+              <a:t>non-null</a:t>
+            </a:r>
+            <a:r>
+              <a:rPr lang="ko-KR" altLang="en-US" sz="1400" dirty="0"/>
+              <a:t>  int32</a:t>
+            </a:r>
+          </a:p>
+          <a:p>
+            <a:r>
+              <a:rPr lang="ko-KR" altLang="en-US" sz="1400" dirty="0"/>
+              <a:t> 3   사고유형    39601 </a:t>
+            </a:r>
+            <a:r>
+              <a:rPr lang="ko-KR" altLang="en-US" sz="1400" dirty="0" err="1"/>
+              <a:t>non-null</a:t>
+            </a:r>
+            <a:r>
+              <a:rPr lang="ko-KR" altLang="en-US" sz="1400" dirty="0"/>
+              <a:t>  int32</a:t>
+            </a:r>
+            <a:endParaRPr lang="en-US" altLang="ko-KR" sz="1400" dirty="0"/>
+          </a:p>
+          <a:p>
+            <a:r>
+              <a:rPr lang="en-US" altLang="ko-KR" sz="1400" dirty="0"/>
+              <a:t> 4</a:t>
+            </a:r>
+            <a:r>
+              <a:rPr lang="ko-KR" altLang="en-US" sz="1400" dirty="0"/>
+              <a:t>   구       39601 </a:t>
+            </a:r>
+            <a:r>
+              <a:rPr lang="ko-KR" altLang="en-US" sz="1400" dirty="0" err="1"/>
+              <a:t>non-null</a:t>
+            </a:r>
+            <a:r>
+              <a:rPr lang="ko-KR" altLang="en-US" sz="1400" dirty="0"/>
+              <a:t>  int32</a:t>
+            </a:r>
+          </a:p>
+          <a:p>
+            <a:r>
+              <a:rPr lang="ko-KR" altLang="en-US" sz="1400" dirty="0"/>
+              <a:t> </a:t>
+            </a:r>
+            <a:r>
+              <a:rPr lang="en-US" altLang="ko-KR" sz="1400" dirty="0"/>
+              <a:t>5</a:t>
+            </a:r>
+            <a:r>
+              <a:rPr lang="ko-KR" altLang="en-US" sz="1400" dirty="0"/>
+              <a:t>   동       39601 </a:t>
+            </a:r>
+            <a:r>
+              <a:rPr lang="ko-KR" altLang="en-US" sz="1400" dirty="0" err="1"/>
+              <a:t>non-null</a:t>
+            </a:r>
+            <a:r>
+              <a:rPr lang="ko-KR" altLang="en-US" sz="1400" dirty="0"/>
+              <a:t>  int32</a:t>
+            </a:r>
+          </a:p>
+          <a:p>
+            <a:r>
+              <a:rPr lang="ko-KR" altLang="en-US" sz="1400" dirty="0"/>
+              <a:t> </a:t>
+            </a:r>
+            <a:r>
+              <a:rPr lang="en-US" altLang="ko-KR" sz="1400" dirty="0"/>
+              <a:t>6</a:t>
+            </a:r>
+            <a:r>
+              <a:rPr lang="ko-KR" altLang="en-US" sz="1400" dirty="0"/>
+              <a:t>   도로형태1   39601 </a:t>
+            </a:r>
+            <a:r>
+              <a:rPr lang="ko-KR" altLang="en-US" sz="1400" dirty="0" err="1"/>
+              <a:t>non-null</a:t>
+            </a:r>
+            <a:r>
+              <a:rPr lang="ko-KR" altLang="en-US" sz="1400" dirty="0"/>
+              <a:t>  int32</a:t>
+            </a:r>
+          </a:p>
+          <a:p>
+            <a:r>
+              <a:rPr lang="ko-KR" altLang="en-US" sz="1400" dirty="0"/>
+              <a:t> </a:t>
+            </a:r>
+            <a:r>
+              <a:rPr lang="en-US" altLang="ko-KR" sz="1400" dirty="0"/>
+              <a:t>7</a:t>
+            </a:r>
+            <a:r>
+              <a:rPr lang="ko-KR" altLang="en-US" sz="1400" dirty="0"/>
+              <a:t>   도로형태2   39601 </a:t>
+            </a:r>
+            <a:r>
+              <a:rPr lang="ko-KR" altLang="en-US" sz="1400" dirty="0" err="1"/>
+              <a:t>non-null</a:t>
+            </a:r>
+            <a:r>
+              <a:rPr lang="ko-KR" altLang="en-US" sz="1400" dirty="0"/>
+              <a:t>  int32</a:t>
+            </a:r>
+          </a:p>
+          <a:p>
+            <a:r>
+              <a:rPr lang="ko-KR" altLang="en-US" sz="1400" dirty="0"/>
+              <a:t> </a:t>
+            </a:r>
+            <a:r>
+              <a:rPr lang="en-US" altLang="ko-KR" sz="1400" dirty="0"/>
+              <a:t>8</a:t>
+            </a:r>
+            <a:r>
+              <a:rPr lang="ko-KR" altLang="en-US" sz="1400" dirty="0"/>
+              <a:t>   월       39601 </a:t>
+            </a:r>
+            <a:r>
+              <a:rPr lang="ko-KR" altLang="en-US" sz="1400" dirty="0" err="1"/>
+              <a:t>non-null</a:t>
+            </a:r>
+            <a:r>
+              <a:rPr lang="ko-KR" altLang="en-US" sz="1400" dirty="0"/>
+              <a:t>  int32</a:t>
+            </a:r>
+          </a:p>
+          <a:p>
+            <a:r>
+              <a:rPr lang="ko-KR" altLang="en-US" sz="1400" dirty="0"/>
+              <a:t> </a:t>
+            </a:r>
+            <a:r>
+              <a:rPr lang="en-US" altLang="ko-KR" sz="1400" dirty="0"/>
+              <a:t>9</a:t>
+            </a:r>
+            <a:r>
+              <a:rPr lang="ko-KR" altLang="en-US" sz="1400" dirty="0"/>
+              <a:t>  시간      39601 </a:t>
+            </a:r>
+            <a:r>
+              <a:rPr lang="ko-KR" altLang="en-US" sz="1400" dirty="0" err="1"/>
+              <a:t>non-null</a:t>
+            </a:r>
+            <a:r>
+              <a:rPr lang="ko-KR" altLang="en-US" sz="1400" dirty="0"/>
+              <a:t>  int32</a:t>
+            </a:r>
+          </a:p>
+          <a:p>
+            <a:r>
+              <a:rPr lang="ko-KR" altLang="en-US" sz="1400" dirty="0"/>
+              <a:t> 1</a:t>
+            </a:r>
+            <a:r>
+              <a:rPr lang="en-US" altLang="ko-KR" sz="1400" dirty="0"/>
+              <a:t>0</a:t>
+            </a:r>
+            <a:r>
+              <a:rPr lang="ko-KR" altLang="en-US" sz="1400" dirty="0"/>
+              <a:t>  계절      39601 </a:t>
+            </a:r>
+            <a:r>
+              <a:rPr lang="ko-KR" altLang="en-US" sz="1400" dirty="0" err="1"/>
+              <a:t>non-null</a:t>
+            </a:r>
+            <a:r>
+              <a:rPr lang="ko-KR" altLang="en-US" sz="1400" dirty="0"/>
+              <a:t>  int32</a:t>
+            </a:r>
+          </a:p>
+          <a:p>
+            <a:r>
+              <a:rPr lang="ko-KR" altLang="en-US" sz="1400" dirty="0"/>
+              <a:t> 1</a:t>
+            </a:r>
+            <a:r>
+              <a:rPr lang="en-US" altLang="ko-KR" sz="1400" dirty="0"/>
+              <a:t>1</a:t>
+            </a:r>
+            <a:r>
+              <a:rPr lang="ko-KR" altLang="en-US" sz="1400" dirty="0"/>
+              <a:t>  공휴일     39601 </a:t>
+            </a:r>
+            <a:r>
+              <a:rPr lang="ko-KR" altLang="en-US" sz="1400" dirty="0" err="1"/>
+              <a:t>non-null</a:t>
+            </a:r>
+            <a:r>
+              <a:rPr lang="ko-KR" altLang="en-US" sz="1400" dirty="0"/>
+              <a:t>  int64</a:t>
+            </a:r>
+          </a:p>
+          <a:p>
+            <a:r>
+              <a:rPr lang="ko-KR" altLang="en-US" sz="1400" dirty="0"/>
+              <a:t> 1</a:t>
+            </a:r>
+            <a:r>
+              <a:rPr lang="en-US" altLang="ko-KR" sz="1400" dirty="0"/>
+              <a:t>2</a:t>
+            </a:r>
+            <a:r>
+              <a:rPr lang="ko-KR" altLang="en-US" sz="1400" dirty="0"/>
+              <a:t>  시간대     39601 </a:t>
+            </a:r>
+            <a:r>
+              <a:rPr lang="ko-KR" altLang="en-US" sz="1400" dirty="0" err="1"/>
+              <a:t>non-null</a:t>
+            </a:r>
+            <a:r>
+              <a:rPr lang="ko-KR" altLang="en-US" sz="1400" dirty="0"/>
+              <a:t>  int32</a:t>
+            </a:r>
+          </a:p>
+          <a:p>
+            <a:r>
+              <a:rPr lang="ko-KR" altLang="en-US" sz="1400" dirty="0"/>
+              <a:t> 1</a:t>
+            </a:r>
+            <a:r>
+              <a:rPr lang="en-US" altLang="ko-KR" sz="1400" dirty="0"/>
+              <a:t>3</a:t>
+            </a:r>
+            <a:r>
+              <a:rPr lang="ko-KR" altLang="en-US" sz="1400" dirty="0"/>
+              <a:t>  속도      39601 </a:t>
+            </a:r>
+            <a:r>
+              <a:rPr lang="ko-KR" altLang="en-US" sz="1400" dirty="0" err="1"/>
+              <a:t>non-null</a:t>
+            </a:r>
+            <a:r>
+              <a:rPr lang="ko-KR" altLang="en-US" sz="1400" dirty="0"/>
+              <a:t>  int32</a:t>
+            </a:r>
+          </a:p>
+          <a:p>
+            <a:r>
+              <a:rPr lang="ko-KR" altLang="en-US" sz="1400" dirty="0"/>
+              <a:t> 1</a:t>
+            </a:r>
+            <a:r>
+              <a:rPr lang="en-US" altLang="ko-KR" sz="1400" dirty="0"/>
+              <a:t>4</a:t>
+            </a:r>
+            <a:r>
+              <a:rPr lang="ko-KR" altLang="en-US" sz="1400" dirty="0"/>
+              <a:t>  신호      39601 </a:t>
+            </a:r>
+            <a:r>
+              <a:rPr lang="ko-KR" altLang="en-US" sz="1400" dirty="0" err="1"/>
+              <a:t>non-null</a:t>
+            </a:r>
+            <a:r>
+              <a:rPr lang="ko-KR" altLang="en-US" sz="1400" dirty="0"/>
+              <a:t>  int32</a:t>
+            </a:r>
+          </a:p>
+          <a:p>
+            <a:r>
+              <a:rPr lang="ko-KR" altLang="en-US" sz="1400" dirty="0"/>
+              <a:t> 1</a:t>
+            </a:r>
+            <a:r>
+              <a:rPr lang="en-US" altLang="ko-KR" sz="1400" dirty="0"/>
+              <a:t>5</a:t>
+            </a:r>
+            <a:r>
+              <a:rPr lang="ko-KR" altLang="en-US" sz="1400" dirty="0"/>
+              <a:t>  불법주정차   39601 </a:t>
+            </a:r>
+            <a:r>
+              <a:rPr lang="ko-KR" altLang="en-US" sz="1400" dirty="0" err="1"/>
+              <a:t>non-null</a:t>
+            </a:r>
+            <a:r>
+              <a:rPr lang="ko-KR" altLang="en-US" sz="1400" dirty="0"/>
+              <a:t>  int32</a:t>
+            </a:r>
+          </a:p>
+          <a:p>
+            <a:r>
+              <a:rPr lang="ko-KR" altLang="en-US" sz="1400" dirty="0"/>
+              <a:t> 1</a:t>
+            </a:r>
+            <a:r>
+              <a:rPr lang="en-US" altLang="ko-KR" sz="1400" dirty="0"/>
+              <a:t>6</a:t>
+            </a:r>
+            <a:r>
+              <a:rPr lang="ko-KR" altLang="en-US" sz="1400" dirty="0"/>
+              <a:t>  기타      39601 </a:t>
+            </a:r>
+            <a:r>
+              <a:rPr lang="ko-KR" altLang="en-US" sz="1400" dirty="0" err="1"/>
+              <a:t>non-null</a:t>
+            </a:r>
+            <a:r>
+              <a:rPr lang="ko-KR" altLang="en-US" sz="1400" dirty="0"/>
+              <a:t>  int32</a:t>
+            </a:r>
+          </a:p>
+          <a:p>
+            <a:r>
+              <a:rPr lang="ko-KR" altLang="en-US" sz="1400" dirty="0"/>
+              <a:t> 1</a:t>
+            </a:r>
+            <a:r>
+              <a:rPr lang="en-US" altLang="ko-KR" sz="1400" dirty="0"/>
+              <a:t>7</a:t>
+            </a:r>
+            <a:r>
+              <a:rPr lang="ko-KR" altLang="en-US" sz="1400" dirty="0"/>
+              <a:t>  보안등     39601 </a:t>
+            </a:r>
+            <a:r>
+              <a:rPr lang="ko-KR" altLang="en-US" sz="1400" dirty="0" err="1"/>
+              <a:t>non-null</a:t>
+            </a:r>
+            <a:r>
+              <a:rPr lang="ko-KR" altLang="en-US" sz="1400" dirty="0"/>
+              <a:t>  int32</a:t>
+            </a:r>
+          </a:p>
+          <a:p>
+            <a:r>
+              <a:rPr lang="ko-KR" altLang="en-US" sz="1400" dirty="0"/>
+              <a:t> 1</a:t>
+            </a:r>
+            <a:r>
+              <a:rPr lang="en-US" altLang="ko-KR" sz="1400" dirty="0"/>
+              <a:t>8</a:t>
+            </a:r>
+            <a:r>
+              <a:rPr lang="ko-KR" altLang="en-US" sz="1400" dirty="0"/>
+              <a:t>  어린이     39601 </a:t>
+            </a:r>
+            <a:r>
+              <a:rPr lang="ko-KR" altLang="en-US" sz="1400" dirty="0" err="1"/>
+              <a:t>non-null</a:t>
+            </a:r>
+            <a:r>
+              <a:rPr lang="ko-KR" altLang="en-US" sz="1400" dirty="0"/>
+              <a:t>  int32</a:t>
+            </a:r>
+          </a:p>
+          <a:p>
+            <a:r>
+              <a:rPr lang="ko-KR" altLang="en-US" sz="1400" dirty="0"/>
+              <a:t> </a:t>
+            </a:r>
+            <a:r>
+              <a:rPr lang="en-US" altLang="ko-KR" sz="1400" dirty="0"/>
+              <a:t>19</a:t>
+            </a:r>
+            <a:r>
+              <a:rPr lang="ko-KR" altLang="en-US" sz="1400" dirty="0"/>
+              <a:t>  주차장     39601 </a:t>
+            </a:r>
+            <a:r>
+              <a:rPr lang="ko-KR" altLang="en-US" sz="1400" dirty="0" err="1"/>
+              <a:t>non-null</a:t>
+            </a:r>
+            <a:r>
+              <a:rPr lang="ko-KR" altLang="en-US" sz="1400" dirty="0"/>
+              <a:t>  int32</a:t>
+            </a:r>
+          </a:p>
+          <a:p>
+            <a:r>
+              <a:rPr lang="ko-KR" altLang="en-US" sz="1400" dirty="0"/>
+              <a:t> 2</a:t>
+            </a:r>
+            <a:r>
+              <a:rPr lang="en-US" altLang="ko-KR" sz="1400" dirty="0"/>
+              <a:t>0</a:t>
+            </a:r>
+            <a:r>
+              <a:rPr lang="ko-KR" altLang="en-US" sz="1400" dirty="0"/>
+              <a:t>  급지구분    39601 </a:t>
+            </a:r>
+            <a:r>
+              <a:rPr lang="ko-KR" altLang="en-US" sz="1400" dirty="0" err="1"/>
+              <a:t>non-null</a:t>
+            </a:r>
+            <a:r>
+              <a:rPr lang="ko-KR" altLang="en-US" sz="1400" dirty="0"/>
+              <a:t>  int32</a:t>
+            </a:r>
+          </a:p>
+        </p:txBody>
+      </p:sp>
+    </p:spTree>
+    <p:extLst>
+      <p:ext uri="{BB962C8B-B14F-4D97-AF65-F5344CB8AC3E}">
+        <p14:creationId xmlns:p14="http://schemas.microsoft.com/office/powerpoint/2010/main" val="2421519064"/>
       </p:ext>
     </p:extLst>
   </p:cSld>

--- a/Daegu/보고서/대구교통사고 예측.pptx
+++ b/Daegu/보고서/대구교통사고 예측.pptx
@@ -19,8 +19,12 @@
     <p:sldId id="278" r:id="rId13"/>
     <p:sldId id="277" r:id="rId14"/>
     <p:sldId id="264" r:id="rId15"/>
-    <p:sldId id="265" r:id="rId16"/>
-    <p:sldId id="266" r:id="rId17"/>
+    <p:sldId id="280" r:id="rId16"/>
+    <p:sldId id="265" r:id="rId17"/>
+    <p:sldId id="266" r:id="rId18"/>
+    <p:sldId id="282" r:id="rId19"/>
+    <p:sldId id="281" r:id="rId20"/>
+    <p:sldId id="279" r:id="rId21"/>
   </p:sldIdLst>
   <p:sldSz cx="12192000" cy="6858000"/>
   <p:notesSz cx="6858000" cy="9144000"/>
@@ -127,6 +131,2010 @@
 </p:presentation>
 </file>
 
+<file path=ppt/charts/chart1.xml><?xml version="1.0" encoding="utf-8"?>
+<c:chartSpace xmlns:c="http://schemas.openxmlformats.org/drawingml/2006/chart" xmlns:a="http://schemas.openxmlformats.org/drawingml/2006/main" xmlns:r="http://schemas.openxmlformats.org/officeDocument/2006/relationships" xmlns:c16r2="http://schemas.microsoft.com/office/drawing/2015/06/chart">
+  <c:date1904 val="0"/>
+  <c:lang val="ko-KR"/>
+  <c:roundedCorners val="0"/>
+  <mc:AlternateContent xmlns:mc="http://schemas.openxmlformats.org/markup-compatibility/2006">
+    <mc:Choice xmlns:c14="http://schemas.microsoft.com/office/drawing/2007/8/2/chart" Requires="c14">
+      <c14:style val="102"/>
+    </mc:Choice>
+    <mc:Fallback>
+      <c:style val="2"/>
+    </mc:Fallback>
+  </mc:AlternateContent>
+  <c:chart>
+    <c:title>
+      <c:tx>
+        <c:rich>
+          <a:bodyPr rot="0" spcFirstLastPara="1" vertOverflow="ellipsis" vert="horz" wrap="square" anchor="ctr" anchorCtr="1"/>
+          <a:lstStyle/>
+          <a:p>
+            <a:pPr>
+              <a:defRPr sz="1862" b="0" i="0" u="none" strike="noStrike" kern="1200" spc="0" baseline="0">
+                <a:solidFill>
+                  <a:schemeClr val="tx1">
+                    <a:lumMod val="65000"/>
+                    <a:lumOff val="35000"/>
+                  </a:schemeClr>
+                </a:solidFill>
+                <a:latin typeface="+mn-lt"/>
+                <a:ea typeface="+mn-ea"/>
+                <a:cs typeface="+mn-cs"/>
+              </a:defRPr>
+            </a:pPr>
+            <a:r>
+              <a:rPr lang="en-US" altLang="ko-KR" dirty="0"/>
+              <a:t>LGBM</a:t>
+            </a:r>
+          </a:p>
+        </c:rich>
+      </c:tx>
+      <c:overlay val="0"/>
+      <c:spPr>
+        <a:noFill/>
+        <a:ln>
+          <a:noFill/>
+        </a:ln>
+        <a:effectLst/>
+      </c:spPr>
+      <c:txPr>
+        <a:bodyPr rot="0" spcFirstLastPara="1" vertOverflow="ellipsis" vert="horz" wrap="square" anchor="ctr" anchorCtr="1"/>
+        <a:lstStyle/>
+        <a:p>
+          <a:pPr>
+            <a:defRPr sz="1862" b="0" i="0" u="none" strike="noStrike" kern="1200" spc="0" baseline="0">
+              <a:solidFill>
+                <a:schemeClr val="tx1">
+                  <a:lumMod val="65000"/>
+                  <a:lumOff val="35000"/>
+                </a:schemeClr>
+              </a:solidFill>
+              <a:latin typeface="+mn-lt"/>
+              <a:ea typeface="+mn-ea"/>
+              <a:cs typeface="+mn-cs"/>
+            </a:defRPr>
+          </a:pPr>
+          <a:endParaRPr lang="ko-KR"/>
+        </a:p>
+      </c:txPr>
+    </c:title>
+    <c:autoTitleDeleted val="0"/>
+    <c:plotArea>
+      <c:layout/>
+      <c:lineChart>
+        <c:grouping val="standard"/>
+        <c:varyColors val="0"/>
+        <c:ser>
+          <c:idx val="0"/>
+          <c:order val="0"/>
+          <c:tx>
+            <c:strRef>
+              <c:f>Sheet1!$B$1</c:f>
+              <c:strCache>
+                <c:ptCount val="1"/>
+                <c:pt idx="0">
+                  <c:v>LGBM</c:v>
+                </c:pt>
+              </c:strCache>
+            </c:strRef>
+          </c:tx>
+          <c:spPr>
+            <a:ln w="28575" cap="rnd">
+              <a:solidFill>
+                <a:schemeClr val="bg2">
+                  <a:lumMod val="75000"/>
+                </a:schemeClr>
+              </a:solidFill>
+              <a:round/>
+            </a:ln>
+            <a:effectLst/>
+          </c:spPr>
+          <c:marker>
+            <c:symbol val="circle"/>
+            <c:size val="5"/>
+            <c:spPr>
+              <a:solidFill>
+                <a:schemeClr val="tx1"/>
+              </a:solidFill>
+              <a:ln w="9525">
+                <a:solidFill>
+                  <a:schemeClr val="tx1"/>
+                </a:solidFill>
+              </a:ln>
+              <a:effectLst/>
+            </c:spPr>
+          </c:marker>
+          <c:cat>
+            <c:strRef>
+              <c:f>Sheet1!$A$2:$A$22</c:f>
+              <c:strCache>
+                <c:ptCount val="21"/>
+                <c:pt idx="0">
+                  <c:v>월</c:v>
+                </c:pt>
+                <c:pt idx="1">
+                  <c:v>요일</c:v>
+                </c:pt>
+                <c:pt idx="2">
+                  <c:v>공휴일</c:v>
+                </c:pt>
+                <c:pt idx="3">
+                  <c:v>시간</c:v>
+                </c:pt>
+                <c:pt idx="4">
+                  <c:v>시간대</c:v>
+                </c:pt>
+                <c:pt idx="5">
+                  <c:v>계절</c:v>
+                </c:pt>
+                <c:pt idx="6">
+                  <c:v>구</c:v>
+                </c:pt>
+                <c:pt idx="7">
+                  <c:v>동</c:v>
+                </c:pt>
+                <c:pt idx="8">
+                  <c:v>기상상태</c:v>
+                </c:pt>
+                <c:pt idx="9">
+                  <c:v>노면상태</c:v>
+                </c:pt>
+                <c:pt idx="10">
+                  <c:v>사고유형</c:v>
+                </c:pt>
+                <c:pt idx="11">
+                  <c:v>도로형태1</c:v>
+                </c:pt>
+                <c:pt idx="12">
+                  <c:v>도로형태2</c:v>
+                </c:pt>
+                <c:pt idx="13">
+                  <c:v>속도</c:v>
+                </c:pt>
+                <c:pt idx="14">
+                  <c:v>신호</c:v>
+                </c:pt>
+                <c:pt idx="15">
+                  <c:v>불법주정차</c:v>
+                </c:pt>
+                <c:pt idx="16">
+                  <c:v>기타</c:v>
+                </c:pt>
+                <c:pt idx="17">
+                  <c:v>보안등</c:v>
+                </c:pt>
+                <c:pt idx="18">
+                  <c:v>어린이</c:v>
+                </c:pt>
+                <c:pt idx="19">
+                  <c:v>주차장</c:v>
+                </c:pt>
+                <c:pt idx="20">
+                  <c:v>급지구분</c:v>
+                </c:pt>
+              </c:strCache>
+            </c:strRef>
+          </c:cat>
+          <c:val>
+            <c:numRef>
+              <c:f>Sheet1!$B$2:$B$22</c:f>
+              <c:numCache>
+                <c:formatCode>General</c:formatCode>
+                <c:ptCount val="21"/>
+                <c:pt idx="0">
+                  <c:v>1632</c:v>
+                </c:pt>
+                <c:pt idx="1">
+                  <c:v>1651</c:v>
+                </c:pt>
+                <c:pt idx="2">
+                  <c:v>316</c:v>
+                </c:pt>
+                <c:pt idx="3">
+                  <c:v>2818</c:v>
+                </c:pt>
+                <c:pt idx="4">
+                  <c:v>467</c:v>
+                </c:pt>
+                <c:pt idx="5">
+                  <c:v>553</c:v>
+                </c:pt>
+                <c:pt idx="6">
+                  <c:v>755</c:v>
+                </c:pt>
+                <c:pt idx="7">
+                  <c:v>2441</c:v>
+                </c:pt>
+                <c:pt idx="8">
+                  <c:v>271</c:v>
+                </c:pt>
+                <c:pt idx="9">
+                  <c:v>218</c:v>
+                </c:pt>
+                <c:pt idx="10">
+                  <c:v>1029</c:v>
+                </c:pt>
+                <c:pt idx="11">
+                  <c:v>667</c:v>
+                </c:pt>
+                <c:pt idx="12">
+                  <c:v>1151</c:v>
+                </c:pt>
+                <c:pt idx="13">
+                  <c:v>617</c:v>
+                </c:pt>
+                <c:pt idx="14">
+                  <c:v>1237</c:v>
+                </c:pt>
+                <c:pt idx="15">
+                  <c:v>651</c:v>
+                </c:pt>
+                <c:pt idx="16">
+                  <c:v>660</c:v>
+                </c:pt>
+                <c:pt idx="17">
+                  <c:v>1621</c:v>
+                </c:pt>
+                <c:pt idx="18">
+                  <c:v>515</c:v>
+                </c:pt>
+                <c:pt idx="19">
+                  <c:v>1228</c:v>
+                </c:pt>
+                <c:pt idx="20">
+                  <c:v>296</c:v>
+                </c:pt>
+              </c:numCache>
+            </c:numRef>
+          </c:val>
+          <c:smooth val="0"/>
+          <c:extLst>
+            <c:ext xmlns:c16="http://schemas.microsoft.com/office/drawing/2014/chart" uri="{C3380CC4-5D6E-409C-BE32-E72D297353CC}">
+              <c16:uniqueId val="{00000000-C1D4-4185-B217-84CA62589AF0}"/>
+            </c:ext>
+          </c:extLst>
+        </c:ser>
+        <c:dLbls>
+          <c:showLegendKey val="0"/>
+          <c:showVal val="0"/>
+          <c:showCatName val="0"/>
+          <c:showSerName val="0"/>
+          <c:showPercent val="0"/>
+          <c:showBubbleSize val="0"/>
+        </c:dLbls>
+        <c:marker val="1"/>
+        <c:smooth val="0"/>
+        <c:axId val="1219646880"/>
+        <c:axId val="1269135344"/>
+      </c:lineChart>
+      <c:catAx>
+        <c:axId val="1219646880"/>
+        <c:scaling>
+          <c:orientation val="minMax"/>
+        </c:scaling>
+        <c:delete val="0"/>
+        <c:axPos val="b"/>
+        <c:numFmt formatCode="General" sourceLinked="1"/>
+        <c:majorTickMark val="none"/>
+        <c:minorTickMark val="none"/>
+        <c:tickLblPos val="nextTo"/>
+        <c:spPr>
+          <a:noFill/>
+          <a:ln w="9525" cap="flat" cmpd="sng" algn="ctr">
+            <a:solidFill>
+              <a:schemeClr val="tx1">
+                <a:lumMod val="15000"/>
+                <a:lumOff val="85000"/>
+              </a:schemeClr>
+            </a:solidFill>
+            <a:round/>
+          </a:ln>
+          <a:effectLst/>
+        </c:spPr>
+        <c:txPr>
+          <a:bodyPr rot="-60000000" spcFirstLastPara="1" vertOverflow="ellipsis" vert="horz" wrap="square" anchor="ctr" anchorCtr="1"/>
+          <a:lstStyle/>
+          <a:p>
+            <a:pPr>
+              <a:defRPr sz="1197" b="0" i="0" u="none" strike="noStrike" kern="1200" baseline="0">
+                <a:solidFill>
+                  <a:schemeClr val="tx1">
+                    <a:lumMod val="65000"/>
+                    <a:lumOff val="35000"/>
+                  </a:schemeClr>
+                </a:solidFill>
+                <a:latin typeface="+mn-lt"/>
+                <a:ea typeface="+mn-ea"/>
+                <a:cs typeface="+mn-cs"/>
+              </a:defRPr>
+            </a:pPr>
+            <a:endParaRPr lang="ko-KR"/>
+          </a:p>
+        </c:txPr>
+        <c:crossAx val="1269135344"/>
+        <c:crosses val="autoZero"/>
+        <c:auto val="1"/>
+        <c:lblAlgn val="ctr"/>
+        <c:lblOffset val="100"/>
+        <c:noMultiLvlLbl val="0"/>
+      </c:catAx>
+      <c:valAx>
+        <c:axId val="1269135344"/>
+        <c:scaling>
+          <c:orientation val="minMax"/>
+        </c:scaling>
+        <c:delete val="0"/>
+        <c:axPos val="l"/>
+        <c:majorGridlines>
+          <c:spPr>
+            <a:ln w="9525" cap="flat" cmpd="sng" algn="ctr">
+              <a:solidFill>
+                <a:schemeClr val="tx1">
+                  <a:lumMod val="15000"/>
+                  <a:lumOff val="85000"/>
+                </a:schemeClr>
+              </a:solidFill>
+              <a:round/>
+            </a:ln>
+            <a:effectLst/>
+          </c:spPr>
+        </c:majorGridlines>
+        <c:numFmt formatCode="General" sourceLinked="1"/>
+        <c:majorTickMark val="none"/>
+        <c:minorTickMark val="none"/>
+        <c:tickLblPos val="nextTo"/>
+        <c:spPr>
+          <a:noFill/>
+          <a:ln>
+            <a:noFill/>
+          </a:ln>
+          <a:effectLst/>
+        </c:spPr>
+        <c:txPr>
+          <a:bodyPr rot="-60000000" spcFirstLastPara="1" vertOverflow="ellipsis" vert="horz" wrap="square" anchor="ctr" anchorCtr="1"/>
+          <a:lstStyle/>
+          <a:p>
+            <a:pPr>
+              <a:defRPr sz="1197" b="0" i="0" u="none" strike="noStrike" kern="1200" baseline="0">
+                <a:solidFill>
+                  <a:schemeClr val="tx1">
+                    <a:lumMod val="65000"/>
+                    <a:lumOff val="35000"/>
+                  </a:schemeClr>
+                </a:solidFill>
+                <a:latin typeface="+mn-lt"/>
+                <a:ea typeface="+mn-ea"/>
+                <a:cs typeface="+mn-cs"/>
+              </a:defRPr>
+            </a:pPr>
+            <a:endParaRPr lang="ko-KR"/>
+          </a:p>
+        </c:txPr>
+        <c:crossAx val="1219646880"/>
+        <c:crosses val="autoZero"/>
+        <c:crossBetween val="between"/>
+      </c:valAx>
+      <c:spPr>
+        <a:noFill/>
+        <a:ln>
+          <a:noFill/>
+        </a:ln>
+        <a:effectLst/>
+      </c:spPr>
+    </c:plotArea>
+    <c:legend>
+      <c:legendPos val="b"/>
+      <c:overlay val="0"/>
+      <c:spPr>
+        <a:noFill/>
+        <a:ln>
+          <a:noFill/>
+        </a:ln>
+        <a:effectLst/>
+      </c:spPr>
+      <c:txPr>
+        <a:bodyPr rot="0" spcFirstLastPara="1" vertOverflow="ellipsis" vert="horz" wrap="square" anchor="ctr" anchorCtr="1"/>
+        <a:lstStyle/>
+        <a:p>
+          <a:pPr>
+            <a:defRPr sz="1197" b="0" i="0" u="none" strike="noStrike" kern="1200" baseline="0">
+              <a:solidFill>
+                <a:schemeClr val="tx1">
+                  <a:lumMod val="65000"/>
+                  <a:lumOff val="35000"/>
+                </a:schemeClr>
+              </a:solidFill>
+              <a:latin typeface="+mn-lt"/>
+              <a:ea typeface="+mn-ea"/>
+              <a:cs typeface="+mn-cs"/>
+            </a:defRPr>
+          </a:pPr>
+          <a:endParaRPr lang="ko-KR"/>
+        </a:p>
+      </c:txPr>
+    </c:legend>
+    <c:plotVisOnly val="1"/>
+    <c:dispBlanksAs val="gap"/>
+    <c:extLst>
+      <c:ext xmlns:c16r3="http://schemas.microsoft.com/office/drawing/2017/03/chart" uri="{56B9EC1D-385E-4148-901F-78D8002777C0}">
+        <c16r3:dataDisplayOptions16>
+          <c16r3:dispNaAsBlank val="1"/>
+        </c16r3:dataDisplayOptions16>
+      </c:ext>
+    </c:extLst>
+    <c:showDLblsOverMax val="0"/>
+  </c:chart>
+  <c:spPr>
+    <a:noFill/>
+    <a:ln>
+      <a:noFill/>
+    </a:ln>
+    <a:effectLst/>
+  </c:spPr>
+  <c:txPr>
+    <a:bodyPr/>
+    <a:lstStyle/>
+    <a:p>
+      <a:pPr>
+        <a:defRPr/>
+      </a:pPr>
+      <a:endParaRPr lang="ko-KR"/>
+    </a:p>
+  </c:txPr>
+  <c:externalData r:id="rId3">
+    <c:autoUpdate val="0"/>
+  </c:externalData>
+</c:chartSpace>
+</file>
+
+<file path=ppt/charts/chart2.xml><?xml version="1.0" encoding="utf-8"?>
+<c:chartSpace xmlns:c="http://schemas.openxmlformats.org/drawingml/2006/chart" xmlns:a="http://schemas.openxmlformats.org/drawingml/2006/main" xmlns:r="http://schemas.openxmlformats.org/officeDocument/2006/relationships" xmlns:c16r2="http://schemas.microsoft.com/office/drawing/2015/06/chart">
+  <c:date1904 val="0"/>
+  <c:lang val="ko-KR"/>
+  <c:roundedCorners val="0"/>
+  <mc:AlternateContent xmlns:mc="http://schemas.openxmlformats.org/markup-compatibility/2006">
+    <mc:Choice xmlns:c14="http://schemas.microsoft.com/office/drawing/2007/8/2/chart" Requires="c14">
+      <c14:style val="102"/>
+    </mc:Choice>
+    <mc:Fallback>
+      <c:style val="2"/>
+    </mc:Fallback>
+  </mc:AlternateContent>
+  <c:chart>
+    <c:title>
+      <c:tx>
+        <c:rich>
+          <a:bodyPr rot="0" spcFirstLastPara="1" vertOverflow="ellipsis" vert="horz" wrap="square" anchor="ctr" anchorCtr="1"/>
+          <a:lstStyle/>
+          <a:p>
+            <a:pPr>
+              <a:defRPr sz="1862" b="0" i="0" u="none" strike="noStrike" kern="1200" spc="0" baseline="0">
+                <a:solidFill>
+                  <a:schemeClr val="tx1">
+                    <a:lumMod val="65000"/>
+                    <a:lumOff val="35000"/>
+                  </a:schemeClr>
+                </a:solidFill>
+                <a:latin typeface="+mn-lt"/>
+                <a:ea typeface="+mn-ea"/>
+                <a:cs typeface="+mn-cs"/>
+              </a:defRPr>
+            </a:pPr>
+            <a:r>
+              <a:rPr lang="en-US" altLang="ko-KR" dirty="0"/>
+              <a:t>XGB</a:t>
+            </a:r>
+          </a:p>
+        </c:rich>
+      </c:tx>
+      <c:overlay val="0"/>
+      <c:spPr>
+        <a:noFill/>
+        <a:ln>
+          <a:noFill/>
+        </a:ln>
+        <a:effectLst/>
+      </c:spPr>
+      <c:txPr>
+        <a:bodyPr rot="0" spcFirstLastPara="1" vertOverflow="ellipsis" vert="horz" wrap="square" anchor="ctr" anchorCtr="1"/>
+        <a:lstStyle/>
+        <a:p>
+          <a:pPr>
+            <a:defRPr sz="1862" b="0" i="0" u="none" strike="noStrike" kern="1200" spc="0" baseline="0">
+              <a:solidFill>
+                <a:schemeClr val="tx1">
+                  <a:lumMod val="65000"/>
+                  <a:lumOff val="35000"/>
+                </a:schemeClr>
+              </a:solidFill>
+              <a:latin typeface="+mn-lt"/>
+              <a:ea typeface="+mn-ea"/>
+              <a:cs typeface="+mn-cs"/>
+            </a:defRPr>
+          </a:pPr>
+          <a:endParaRPr lang="ko-KR"/>
+        </a:p>
+      </c:txPr>
+    </c:title>
+    <c:autoTitleDeleted val="0"/>
+    <c:plotArea>
+      <c:layout/>
+      <c:lineChart>
+        <c:grouping val="standard"/>
+        <c:varyColors val="0"/>
+        <c:ser>
+          <c:idx val="0"/>
+          <c:order val="0"/>
+          <c:tx>
+            <c:strRef>
+              <c:f>Sheet1!$B$1</c:f>
+              <c:strCache>
+                <c:ptCount val="1"/>
+                <c:pt idx="0">
+                  <c:v>XGB</c:v>
+                </c:pt>
+              </c:strCache>
+            </c:strRef>
+          </c:tx>
+          <c:spPr>
+            <a:ln w="28575" cap="rnd">
+              <a:solidFill>
+                <a:schemeClr val="bg2">
+                  <a:lumMod val="75000"/>
+                </a:schemeClr>
+              </a:solidFill>
+              <a:round/>
+            </a:ln>
+            <a:effectLst/>
+          </c:spPr>
+          <c:marker>
+            <c:symbol val="circle"/>
+            <c:size val="5"/>
+            <c:spPr>
+              <a:solidFill>
+                <a:schemeClr val="tx1"/>
+              </a:solidFill>
+              <a:ln w="9525">
+                <a:noFill/>
+              </a:ln>
+              <a:effectLst/>
+            </c:spPr>
+          </c:marker>
+          <c:cat>
+            <c:strRef>
+              <c:f>Sheet1!$A$2:$A$22</c:f>
+              <c:strCache>
+                <c:ptCount val="21"/>
+                <c:pt idx="0">
+                  <c:v>월</c:v>
+                </c:pt>
+                <c:pt idx="1">
+                  <c:v>요일</c:v>
+                </c:pt>
+                <c:pt idx="2">
+                  <c:v>공휴일</c:v>
+                </c:pt>
+                <c:pt idx="3">
+                  <c:v>시간</c:v>
+                </c:pt>
+                <c:pt idx="4">
+                  <c:v>시간대</c:v>
+                </c:pt>
+                <c:pt idx="5">
+                  <c:v>계절</c:v>
+                </c:pt>
+                <c:pt idx="6">
+                  <c:v>구</c:v>
+                </c:pt>
+                <c:pt idx="7">
+                  <c:v>동</c:v>
+                </c:pt>
+                <c:pt idx="8">
+                  <c:v>기상상태</c:v>
+                </c:pt>
+                <c:pt idx="9">
+                  <c:v>노면상태</c:v>
+                </c:pt>
+                <c:pt idx="10">
+                  <c:v>사고유형</c:v>
+                </c:pt>
+                <c:pt idx="11">
+                  <c:v>도로형태1</c:v>
+                </c:pt>
+                <c:pt idx="12">
+                  <c:v>도로형태2</c:v>
+                </c:pt>
+                <c:pt idx="13">
+                  <c:v>속도</c:v>
+                </c:pt>
+                <c:pt idx="14">
+                  <c:v>신호</c:v>
+                </c:pt>
+                <c:pt idx="15">
+                  <c:v>불법주정차</c:v>
+                </c:pt>
+                <c:pt idx="16">
+                  <c:v>기타</c:v>
+                </c:pt>
+                <c:pt idx="17">
+                  <c:v>보안등</c:v>
+                </c:pt>
+                <c:pt idx="18">
+                  <c:v>어린이</c:v>
+                </c:pt>
+                <c:pt idx="19">
+                  <c:v>주차장</c:v>
+                </c:pt>
+                <c:pt idx="20">
+                  <c:v>급지구분</c:v>
+                </c:pt>
+              </c:strCache>
+            </c:strRef>
+          </c:cat>
+          <c:val>
+            <c:numRef>
+              <c:f>Sheet1!$B$2:$B$22</c:f>
+              <c:numCache>
+                <c:formatCode>General</c:formatCode>
+                <c:ptCount val="21"/>
+                <c:pt idx="0">
+                  <c:v>2.671897</c:v>
+                </c:pt>
+                <c:pt idx="1">
+                  <c:v>5.0432315000000001</c:v>
+                </c:pt>
+                <c:pt idx="2">
+                  <c:v>3.6717787</c:v>
+                </c:pt>
+                <c:pt idx="3">
+                  <c:v>4.4068589999999999</c:v>
+                </c:pt>
+                <c:pt idx="4">
+                  <c:v>4.9044733000000003</c:v>
+                </c:pt>
+                <c:pt idx="5">
+                  <c:v>2.8380420000000002</c:v>
+                </c:pt>
+                <c:pt idx="6">
+                  <c:v>3.4895127000000001</c:v>
+                </c:pt>
+                <c:pt idx="7">
+                  <c:v>3.2451506000000001</c:v>
+                </c:pt>
+                <c:pt idx="8">
+                  <c:v>2.7558712999999999</c:v>
+                </c:pt>
+                <c:pt idx="9">
+                  <c:v>3.7087664999999999</c:v>
+                </c:pt>
+                <c:pt idx="10">
+                  <c:v>26.625623999999998</c:v>
+                </c:pt>
+                <c:pt idx="11">
+                  <c:v>4.9943666000000002</c:v>
+                </c:pt>
+                <c:pt idx="12">
+                  <c:v>5.2038383000000001</c:v>
+                </c:pt>
+                <c:pt idx="13">
+                  <c:v>2.836417</c:v>
+                </c:pt>
+                <c:pt idx="14">
+                  <c:v>3.5649478000000001</c:v>
+                </c:pt>
+                <c:pt idx="15">
+                  <c:v>2.9992830000000001</c:v>
+                </c:pt>
+                <c:pt idx="16">
+                  <c:v>3.5794795000000001</c:v>
+                </c:pt>
+                <c:pt idx="17">
+                  <c:v>2.9518019999999998</c:v>
+                </c:pt>
+                <c:pt idx="18">
+                  <c:v>2.6113795999999998</c:v>
+                </c:pt>
+                <c:pt idx="19">
+                  <c:v>4.1502904999999997</c:v>
+                </c:pt>
+                <c:pt idx="20">
+                  <c:v>3.7469763999999999</c:v>
+                </c:pt>
+              </c:numCache>
+            </c:numRef>
+          </c:val>
+          <c:smooth val="0"/>
+          <c:extLst>
+            <c:ext xmlns:c16="http://schemas.microsoft.com/office/drawing/2014/chart" uri="{C3380CC4-5D6E-409C-BE32-E72D297353CC}">
+              <c16:uniqueId val="{00000000-0BB4-4D26-B300-B40622B0719C}"/>
+            </c:ext>
+          </c:extLst>
+        </c:ser>
+        <c:dLbls>
+          <c:showLegendKey val="0"/>
+          <c:showVal val="0"/>
+          <c:showCatName val="0"/>
+          <c:showSerName val="0"/>
+          <c:showPercent val="0"/>
+          <c:showBubbleSize val="0"/>
+        </c:dLbls>
+        <c:marker val="1"/>
+        <c:smooth val="0"/>
+        <c:axId val="1219644480"/>
+        <c:axId val="1361429488"/>
+      </c:lineChart>
+      <c:catAx>
+        <c:axId val="1219644480"/>
+        <c:scaling>
+          <c:orientation val="minMax"/>
+        </c:scaling>
+        <c:delete val="0"/>
+        <c:axPos val="b"/>
+        <c:numFmt formatCode="General" sourceLinked="1"/>
+        <c:majorTickMark val="none"/>
+        <c:minorTickMark val="none"/>
+        <c:tickLblPos val="nextTo"/>
+        <c:spPr>
+          <a:noFill/>
+          <a:ln w="9525" cap="flat" cmpd="sng" algn="ctr">
+            <a:solidFill>
+              <a:schemeClr val="tx1">
+                <a:lumMod val="15000"/>
+                <a:lumOff val="85000"/>
+              </a:schemeClr>
+            </a:solidFill>
+            <a:round/>
+          </a:ln>
+          <a:effectLst/>
+        </c:spPr>
+        <c:txPr>
+          <a:bodyPr rot="-60000000" spcFirstLastPara="1" vertOverflow="ellipsis" vert="horz" wrap="square" anchor="ctr" anchorCtr="1"/>
+          <a:lstStyle/>
+          <a:p>
+            <a:pPr>
+              <a:defRPr sz="1197" b="0" i="0" u="none" strike="noStrike" kern="1200" baseline="0">
+                <a:solidFill>
+                  <a:schemeClr val="tx1">
+                    <a:lumMod val="65000"/>
+                    <a:lumOff val="35000"/>
+                  </a:schemeClr>
+                </a:solidFill>
+                <a:latin typeface="+mn-lt"/>
+                <a:ea typeface="+mn-ea"/>
+                <a:cs typeface="+mn-cs"/>
+              </a:defRPr>
+            </a:pPr>
+            <a:endParaRPr lang="ko-KR"/>
+          </a:p>
+        </c:txPr>
+        <c:crossAx val="1361429488"/>
+        <c:crosses val="autoZero"/>
+        <c:auto val="1"/>
+        <c:lblAlgn val="ctr"/>
+        <c:lblOffset val="100"/>
+        <c:noMultiLvlLbl val="0"/>
+      </c:catAx>
+      <c:valAx>
+        <c:axId val="1361429488"/>
+        <c:scaling>
+          <c:orientation val="minMax"/>
+        </c:scaling>
+        <c:delete val="0"/>
+        <c:axPos val="l"/>
+        <c:majorGridlines>
+          <c:spPr>
+            <a:ln w="9525" cap="flat" cmpd="sng" algn="ctr">
+              <a:solidFill>
+                <a:schemeClr val="tx1">
+                  <a:lumMod val="15000"/>
+                  <a:lumOff val="85000"/>
+                </a:schemeClr>
+              </a:solidFill>
+              <a:round/>
+            </a:ln>
+            <a:effectLst/>
+          </c:spPr>
+        </c:majorGridlines>
+        <c:numFmt formatCode="General" sourceLinked="1"/>
+        <c:majorTickMark val="none"/>
+        <c:minorTickMark val="none"/>
+        <c:tickLblPos val="nextTo"/>
+        <c:spPr>
+          <a:noFill/>
+          <a:ln>
+            <a:solidFill>
+              <a:schemeClr val="accent1">
+                <a:shade val="50000"/>
+              </a:schemeClr>
+            </a:solidFill>
+          </a:ln>
+          <a:effectLst/>
+        </c:spPr>
+        <c:txPr>
+          <a:bodyPr rot="-60000000" spcFirstLastPara="1" vertOverflow="ellipsis" vert="horz" wrap="square" anchor="ctr" anchorCtr="1"/>
+          <a:lstStyle/>
+          <a:p>
+            <a:pPr>
+              <a:defRPr sz="1197" b="0" i="0" u="none" strike="noStrike" kern="1200" baseline="0">
+                <a:solidFill>
+                  <a:schemeClr val="tx1">
+                    <a:lumMod val="65000"/>
+                    <a:lumOff val="35000"/>
+                  </a:schemeClr>
+                </a:solidFill>
+                <a:latin typeface="+mn-lt"/>
+                <a:ea typeface="+mn-ea"/>
+                <a:cs typeface="+mn-cs"/>
+              </a:defRPr>
+            </a:pPr>
+            <a:endParaRPr lang="ko-KR"/>
+          </a:p>
+        </c:txPr>
+        <c:crossAx val="1219644480"/>
+        <c:crosses val="autoZero"/>
+        <c:crossBetween val="between"/>
+      </c:valAx>
+      <c:spPr>
+        <a:noFill/>
+        <a:ln>
+          <a:noFill/>
+        </a:ln>
+        <a:effectLst/>
+      </c:spPr>
+    </c:plotArea>
+    <c:legend>
+      <c:legendPos val="b"/>
+      <c:overlay val="0"/>
+      <c:spPr>
+        <a:noFill/>
+        <a:ln>
+          <a:noFill/>
+        </a:ln>
+        <a:effectLst/>
+      </c:spPr>
+      <c:txPr>
+        <a:bodyPr rot="0" spcFirstLastPara="1" vertOverflow="ellipsis" vert="horz" wrap="square" anchor="ctr" anchorCtr="1"/>
+        <a:lstStyle/>
+        <a:p>
+          <a:pPr>
+            <a:defRPr sz="1197" b="0" i="0" u="none" strike="noStrike" kern="1200" baseline="0">
+              <a:solidFill>
+                <a:schemeClr val="tx1">
+                  <a:lumMod val="65000"/>
+                  <a:lumOff val="35000"/>
+                </a:schemeClr>
+              </a:solidFill>
+              <a:latin typeface="+mn-lt"/>
+              <a:ea typeface="+mn-ea"/>
+              <a:cs typeface="+mn-cs"/>
+            </a:defRPr>
+          </a:pPr>
+          <a:endParaRPr lang="ko-KR"/>
+        </a:p>
+      </c:txPr>
+    </c:legend>
+    <c:plotVisOnly val="1"/>
+    <c:dispBlanksAs val="gap"/>
+    <c:extLst>
+      <c:ext xmlns:c16r3="http://schemas.microsoft.com/office/drawing/2017/03/chart" uri="{56B9EC1D-385E-4148-901F-78D8002777C0}">
+        <c16r3:dataDisplayOptions16>
+          <c16r3:dispNaAsBlank val="1"/>
+        </c16r3:dataDisplayOptions16>
+      </c:ext>
+    </c:extLst>
+    <c:showDLblsOverMax val="0"/>
+  </c:chart>
+  <c:spPr>
+    <a:noFill/>
+    <a:ln>
+      <a:noFill/>
+    </a:ln>
+    <a:effectLst/>
+  </c:spPr>
+  <c:txPr>
+    <a:bodyPr/>
+    <a:lstStyle/>
+    <a:p>
+      <a:pPr>
+        <a:defRPr/>
+      </a:pPr>
+      <a:endParaRPr lang="ko-KR"/>
+    </a:p>
+  </c:txPr>
+  <c:externalData r:id="rId3">
+    <c:autoUpdate val="0"/>
+  </c:externalData>
+</c:chartSpace>
+</file>
+
+<file path=ppt/charts/colors1.xml><?xml version="1.0" encoding="utf-8"?>
+<cs:colorStyle xmlns:cs="http://schemas.microsoft.com/office/drawing/2012/chartStyle" xmlns:a="http://schemas.openxmlformats.org/drawingml/2006/main" meth="cycle" id="10">
+  <a:schemeClr val="accent1"/>
+  <a:schemeClr val="accent2"/>
+  <a:schemeClr val="accent3"/>
+  <a:schemeClr val="accent4"/>
+  <a:schemeClr val="accent5"/>
+  <a:schemeClr val="accent6"/>
+  <cs:variation/>
+  <cs:variation>
+    <a:lumMod val="60000"/>
+  </cs:variation>
+  <cs:variation>
+    <a:lumMod val="80000"/>
+    <a:lumOff val="20000"/>
+  </cs:variation>
+  <cs:variation>
+    <a:lumMod val="80000"/>
+  </cs:variation>
+  <cs:variation>
+    <a:lumMod val="60000"/>
+    <a:lumOff val="40000"/>
+  </cs:variation>
+  <cs:variation>
+    <a:lumMod val="50000"/>
+  </cs:variation>
+  <cs:variation>
+    <a:lumMod val="70000"/>
+    <a:lumOff val="30000"/>
+  </cs:variation>
+  <cs:variation>
+    <a:lumMod val="70000"/>
+  </cs:variation>
+  <cs:variation>
+    <a:lumMod val="50000"/>
+    <a:lumOff val="50000"/>
+  </cs:variation>
+</cs:colorStyle>
+</file>
+
+<file path=ppt/charts/colors2.xml><?xml version="1.0" encoding="utf-8"?>
+<cs:colorStyle xmlns:cs="http://schemas.microsoft.com/office/drawing/2012/chartStyle" xmlns:a="http://schemas.openxmlformats.org/drawingml/2006/main" meth="cycle" id="10">
+  <a:schemeClr val="accent1"/>
+  <a:schemeClr val="accent2"/>
+  <a:schemeClr val="accent3"/>
+  <a:schemeClr val="accent4"/>
+  <a:schemeClr val="accent5"/>
+  <a:schemeClr val="accent6"/>
+  <cs:variation/>
+  <cs:variation>
+    <a:lumMod val="60000"/>
+  </cs:variation>
+  <cs:variation>
+    <a:lumMod val="80000"/>
+    <a:lumOff val="20000"/>
+  </cs:variation>
+  <cs:variation>
+    <a:lumMod val="80000"/>
+  </cs:variation>
+  <cs:variation>
+    <a:lumMod val="60000"/>
+    <a:lumOff val="40000"/>
+  </cs:variation>
+  <cs:variation>
+    <a:lumMod val="50000"/>
+  </cs:variation>
+  <cs:variation>
+    <a:lumMod val="70000"/>
+    <a:lumOff val="30000"/>
+  </cs:variation>
+  <cs:variation>
+    <a:lumMod val="70000"/>
+  </cs:variation>
+  <cs:variation>
+    <a:lumMod val="50000"/>
+    <a:lumOff val="50000"/>
+  </cs:variation>
+</cs:colorStyle>
+</file>
+
+<file path=ppt/charts/style1.xml><?xml version="1.0" encoding="utf-8"?>
+<cs:chartStyle xmlns:cs="http://schemas.microsoft.com/office/drawing/2012/chartStyle" xmlns:a="http://schemas.openxmlformats.org/drawingml/2006/main" id="332">
+  <cs:axisTitle>
+    <cs:lnRef idx="0"/>
+    <cs:fillRef idx="0"/>
+    <cs:effectRef idx="0"/>
+    <cs:fontRef idx="minor">
+      <a:schemeClr val="tx1">
+        <a:lumMod val="65000"/>
+        <a:lumOff val="35000"/>
+      </a:schemeClr>
+    </cs:fontRef>
+    <cs:defRPr sz="1330" kern="1200"/>
+  </cs:axisTitle>
+  <cs:categoryAxis>
+    <cs:lnRef idx="0"/>
+    <cs:fillRef idx="0"/>
+    <cs:effectRef idx="0"/>
+    <cs:fontRef idx="minor">
+      <a:schemeClr val="tx1">
+        <a:lumMod val="65000"/>
+        <a:lumOff val="35000"/>
+      </a:schemeClr>
+    </cs:fontRef>
+    <cs:spPr>
+      <a:ln w="9525" cap="flat" cmpd="sng" algn="ctr">
+        <a:solidFill>
+          <a:schemeClr val="tx1">
+            <a:lumMod val="15000"/>
+            <a:lumOff val="85000"/>
+          </a:schemeClr>
+        </a:solidFill>
+        <a:round/>
+      </a:ln>
+    </cs:spPr>
+    <cs:defRPr sz="1197" kern="1200"/>
+  </cs:categoryAxis>
+  <cs:chartArea mods="allowNoFillOverride allowNoLineOverride">
+    <cs:lnRef idx="0"/>
+    <cs:fillRef idx="0"/>
+    <cs:effectRef idx="0"/>
+    <cs:fontRef idx="minor">
+      <a:schemeClr val="tx1"/>
+    </cs:fontRef>
+    <cs:spPr>
+      <a:solidFill>
+        <a:schemeClr val="bg1"/>
+      </a:solidFill>
+      <a:ln w="9525" cap="flat" cmpd="sng" algn="ctr">
+        <a:solidFill>
+          <a:schemeClr val="tx1">
+            <a:lumMod val="15000"/>
+            <a:lumOff val="85000"/>
+          </a:schemeClr>
+        </a:solidFill>
+        <a:round/>
+      </a:ln>
+    </cs:spPr>
+    <cs:defRPr sz="1330" kern="1200"/>
+  </cs:chartArea>
+  <cs:dataLabel>
+    <cs:lnRef idx="0"/>
+    <cs:fillRef idx="0"/>
+    <cs:effectRef idx="0"/>
+    <cs:fontRef idx="minor">
+      <a:schemeClr val="tx1">
+        <a:lumMod val="75000"/>
+        <a:lumOff val="25000"/>
+      </a:schemeClr>
+    </cs:fontRef>
+    <cs:defRPr sz="1197" kern="1200"/>
+  </cs:dataLabel>
+  <cs:dataLabelCallout>
+    <cs:lnRef idx="0"/>
+    <cs:fillRef idx="0"/>
+    <cs:effectRef idx="0"/>
+    <cs:fontRef idx="minor">
+      <a:schemeClr val="dk1">
+        <a:lumMod val="65000"/>
+        <a:lumOff val="35000"/>
+      </a:schemeClr>
+    </cs:fontRef>
+    <cs:spPr>
+      <a:solidFill>
+        <a:schemeClr val="lt1"/>
+      </a:solidFill>
+      <a:ln>
+        <a:solidFill>
+          <a:schemeClr val="dk1">
+            <a:lumMod val="25000"/>
+            <a:lumOff val="75000"/>
+          </a:schemeClr>
+        </a:solidFill>
+      </a:ln>
+    </cs:spPr>
+    <cs:defRPr sz="1197" kern="1200"/>
+    <cs:bodyPr rot="0" spcFirstLastPara="1" vertOverflow="clip" horzOverflow="clip" vert="horz" wrap="square" lIns="36576" tIns="18288" rIns="36576" bIns="18288" anchor="ctr" anchorCtr="1">
+      <a:spAutoFit/>
+    </cs:bodyPr>
+  </cs:dataLabelCallout>
+  <cs:dataPoint>
+    <cs:lnRef idx="0"/>
+    <cs:fillRef idx="1">
+      <cs:styleClr val="auto"/>
+    </cs:fillRef>
+    <cs:effectRef idx="0"/>
+    <cs:fontRef idx="minor">
+      <a:schemeClr val="tx1"/>
+    </cs:fontRef>
+  </cs:dataPoint>
+  <cs:dataPoint3D>
+    <cs:lnRef idx="0"/>
+    <cs:fillRef idx="1">
+      <cs:styleClr val="auto"/>
+    </cs:fillRef>
+    <cs:effectRef idx="0"/>
+    <cs:fontRef idx="minor">
+      <a:schemeClr val="tx1"/>
+    </cs:fontRef>
+  </cs:dataPoint3D>
+  <cs:dataPointLine>
+    <cs:lnRef idx="0">
+      <cs:styleClr val="auto"/>
+    </cs:lnRef>
+    <cs:fillRef idx="1"/>
+    <cs:effectRef idx="0"/>
+    <cs:fontRef idx="minor">
+      <a:schemeClr val="tx1"/>
+    </cs:fontRef>
+    <cs:spPr>
+      <a:ln w="28575" cap="rnd">
+        <a:solidFill>
+          <a:schemeClr val="phClr"/>
+        </a:solidFill>
+        <a:round/>
+      </a:ln>
+    </cs:spPr>
+  </cs:dataPointLine>
+  <cs:dataPointMarker>
+    <cs:lnRef idx="0">
+      <cs:styleClr val="auto"/>
+    </cs:lnRef>
+    <cs:fillRef idx="1">
+      <cs:styleClr val="auto"/>
+    </cs:fillRef>
+    <cs:effectRef idx="0"/>
+    <cs:fontRef idx="minor">
+      <a:schemeClr val="tx1"/>
+    </cs:fontRef>
+    <cs:spPr>
+      <a:ln w="9525">
+        <a:solidFill>
+          <a:schemeClr val="phClr"/>
+        </a:solidFill>
+      </a:ln>
+    </cs:spPr>
+  </cs:dataPointMarker>
+  <cs:dataPointMarkerLayout symbol="circle" size="5"/>
+  <cs:dataPointWireframe>
+    <cs:lnRef idx="0">
+      <cs:styleClr val="auto"/>
+    </cs:lnRef>
+    <cs:fillRef idx="1"/>
+    <cs:effectRef idx="0"/>
+    <cs:fontRef idx="minor">
+      <a:schemeClr val="tx1"/>
+    </cs:fontRef>
+    <cs:spPr>
+      <a:ln w="9525" cap="rnd">
+        <a:solidFill>
+          <a:schemeClr val="phClr"/>
+        </a:solidFill>
+        <a:round/>
+      </a:ln>
+    </cs:spPr>
+  </cs:dataPointWireframe>
+  <cs:dataTable>
+    <cs:lnRef idx="0"/>
+    <cs:fillRef idx="0"/>
+    <cs:effectRef idx="0"/>
+    <cs:fontRef idx="minor">
+      <a:schemeClr val="tx1">
+        <a:lumMod val="65000"/>
+        <a:lumOff val="35000"/>
+      </a:schemeClr>
+    </cs:fontRef>
+    <cs:spPr>
+      <a:noFill/>
+      <a:ln w="9525" cap="flat" cmpd="sng" algn="ctr">
+        <a:solidFill>
+          <a:schemeClr val="tx1">
+            <a:lumMod val="15000"/>
+            <a:lumOff val="85000"/>
+          </a:schemeClr>
+        </a:solidFill>
+        <a:round/>
+      </a:ln>
+    </cs:spPr>
+    <cs:defRPr sz="1197" kern="1200"/>
+  </cs:dataTable>
+  <cs:downBar>
+    <cs:lnRef idx="0"/>
+    <cs:fillRef idx="0"/>
+    <cs:effectRef idx="0"/>
+    <cs:fontRef idx="minor">
+      <a:schemeClr val="dk1"/>
+    </cs:fontRef>
+    <cs:spPr>
+      <a:solidFill>
+        <a:schemeClr val="dk1">
+          <a:lumMod val="65000"/>
+          <a:lumOff val="35000"/>
+        </a:schemeClr>
+      </a:solidFill>
+      <a:ln w="9525">
+        <a:solidFill>
+          <a:schemeClr val="tx1">
+            <a:lumMod val="65000"/>
+            <a:lumOff val="35000"/>
+          </a:schemeClr>
+        </a:solidFill>
+      </a:ln>
+    </cs:spPr>
+  </cs:downBar>
+  <cs:dropLine>
+    <cs:lnRef idx="0"/>
+    <cs:fillRef idx="0"/>
+    <cs:effectRef idx="0"/>
+    <cs:fontRef idx="minor">
+      <a:schemeClr val="tx1"/>
+    </cs:fontRef>
+    <cs:spPr>
+      <a:ln w="9525" cap="flat" cmpd="sng" algn="ctr">
+        <a:solidFill>
+          <a:schemeClr val="tx1">
+            <a:lumMod val="35000"/>
+            <a:lumOff val="65000"/>
+          </a:schemeClr>
+        </a:solidFill>
+        <a:round/>
+      </a:ln>
+    </cs:spPr>
+  </cs:dropLine>
+  <cs:errorBar>
+    <cs:lnRef idx="0"/>
+    <cs:fillRef idx="0"/>
+    <cs:effectRef idx="0"/>
+    <cs:fontRef idx="minor">
+      <a:schemeClr val="tx1"/>
+    </cs:fontRef>
+    <cs:spPr>
+      <a:ln w="9525" cap="flat" cmpd="sng" algn="ctr">
+        <a:solidFill>
+          <a:schemeClr val="tx1">
+            <a:lumMod val="65000"/>
+            <a:lumOff val="35000"/>
+          </a:schemeClr>
+        </a:solidFill>
+        <a:round/>
+      </a:ln>
+    </cs:spPr>
+  </cs:errorBar>
+  <cs:floor>
+    <cs:lnRef idx="0"/>
+    <cs:fillRef idx="0"/>
+    <cs:effectRef idx="0"/>
+    <cs:fontRef idx="minor">
+      <a:schemeClr val="tx1"/>
+    </cs:fontRef>
+    <cs:spPr>
+      <a:noFill/>
+      <a:ln>
+        <a:noFill/>
+      </a:ln>
+    </cs:spPr>
+  </cs:floor>
+  <cs:gridlineMajor>
+    <cs:lnRef idx="0"/>
+    <cs:fillRef idx="0"/>
+    <cs:effectRef idx="0"/>
+    <cs:fontRef idx="minor">
+      <a:schemeClr val="tx1"/>
+    </cs:fontRef>
+    <cs:spPr>
+      <a:ln w="9525" cap="flat" cmpd="sng" algn="ctr">
+        <a:solidFill>
+          <a:schemeClr val="tx1">
+            <a:lumMod val="15000"/>
+            <a:lumOff val="85000"/>
+          </a:schemeClr>
+        </a:solidFill>
+        <a:round/>
+      </a:ln>
+    </cs:spPr>
+  </cs:gridlineMajor>
+  <cs:gridlineMinor>
+    <cs:lnRef idx="0"/>
+    <cs:fillRef idx="0"/>
+    <cs:effectRef idx="0"/>
+    <cs:fontRef idx="minor">
+      <a:schemeClr val="tx1"/>
+    </cs:fontRef>
+    <cs:spPr>
+      <a:ln w="9525" cap="flat" cmpd="sng" algn="ctr">
+        <a:solidFill>
+          <a:schemeClr val="tx1">
+            <a:lumMod val="5000"/>
+            <a:lumOff val="95000"/>
+          </a:schemeClr>
+        </a:solidFill>
+        <a:round/>
+      </a:ln>
+    </cs:spPr>
+  </cs:gridlineMinor>
+  <cs:hiLoLine>
+    <cs:lnRef idx="0"/>
+    <cs:fillRef idx="0"/>
+    <cs:effectRef idx="0"/>
+    <cs:fontRef idx="minor">
+      <a:schemeClr val="tx1"/>
+    </cs:fontRef>
+    <cs:spPr>
+      <a:ln w="9525" cap="flat" cmpd="sng" algn="ctr">
+        <a:solidFill>
+          <a:schemeClr val="tx1">
+            <a:lumMod val="75000"/>
+            <a:lumOff val="25000"/>
+          </a:schemeClr>
+        </a:solidFill>
+        <a:round/>
+      </a:ln>
+    </cs:spPr>
+  </cs:hiLoLine>
+  <cs:leaderLine>
+    <cs:lnRef idx="0"/>
+    <cs:fillRef idx="0"/>
+    <cs:effectRef idx="0"/>
+    <cs:fontRef idx="minor">
+      <a:schemeClr val="tx1"/>
+    </cs:fontRef>
+    <cs:spPr>
+      <a:ln w="9525" cap="flat" cmpd="sng" algn="ctr">
+        <a:solidFill>
+          <a:schemeClr val="tx1">
+            <a:lumMod val="35000"/>
+            <a:lumOff val="65000"/>
+          </a:schemeClr>
+        </a:solidFill>
+        <a:round/>
+      </a:ln>
+    </cs:spPr>
+  </cs:leaderLine>
+  <cs:legend>
+    <cs:lnRef idx="0"/>
+    <cs:fillRef idx="0"/>
+    <cs:effectRef idx="0"/>
+    <cs:fontRef idx="minor">
+      <a:schemeClr val="tx1">
+        <a:lumMod val="65000"/>
+        <a:lumOff val="35000"/>
+      </a:schemeClr>
+    </cs:fontRef>
+    <cs:defRPr sz="1197" kern="1200"/>
+  </cs:legend>
+  <cs:plotArea mods="allowNoFillOverride allowNoLineOverride">
+    <cs:lnRef idx="0"/>
+    <cs:fillRef idx="0"/>
+    <cs:effectRef idx="0"/>
+    <cs:fontRef idx="minor">
+      <a:schemeClr val="tx1"/>
+    </cs:fontRef>
+  </cs:plotArea>
+  <cs:plotArea3D mods="allowNoFillOverride allowNoLineOverride">
+    <cs:lnRef idx="0"/>
+    <cs:fillRef idx="0"/>
+    <cs:effectRef idx="0"/>
+    <cs:fontRef idx="minor">
+      <a:schemeClr val="tx1"/>
+    </cs:fontRef>
+  </cs:plotArea3D>
+  <cs:seriesAxis>
+    <cs:lnRef idx="0"/>
+    <cs:fillRef idx="0"/>
+    <cs:effectRef idx="0"/>
+    <cs:fontRef idx="minor">
+      <a:schemeClr val="tx1">
+        <a:lumMod val="65000"/>
+        <a:lumOff val="35000"/>
+      </a:schemeClr>
+    </cs:fontRef>
+    <cs:defRPr sz="1197" kern="1200"/>
+  </cs:seriesAxis>
+  <cs:seriesLine>
+    <cs:lnRef idx="0"/>
+    <cs:fillRef idx="0"/>
+    <cs:effectRef idx="0"/>
+    <cs:fontRef idx="minor">
+      <a:schemeClr val="tx1"/>
+    </cs:fontRef>
+    <cs:spPr>
+      <a:ln w="9525" cap="flat" cmpd="sng" algn="ctr">
+        <a:solidFill>
+          <a:schemeClr val="tx1">
+            <a:lumMod val="35000"/>
+            <a:lumOff val="65000"/>
+          </a:schemeClr>
+        </a:solidFill>
+        <a:round/>
+      </a:ln>
+    </cs:spPr>
+  </cs:seriesLine>
+  <cs:title>
+    <cs:lnRef idx="0"/>
+    <cs:fillRef idx="0"/>
+    <cs:effectRef idx="0"/>
+    <cs:fontRef idx="minor">
+      <a:schemeClr val="tx1">
+        <a:lumMod val="65000"/>
+        <a:lumOff val="35000"/>
+      </a:schemeClr>
+    </cs:fontRef>
+    <cs:defRPr sz="1862" b="0" kern="1200" spc="0" baseline="0"/>
+  </cs:title>
+  <cs:trendline>
+    <cs:lnRef idx="0">
+      <cs:styleClr val="auto"/>
+    </cs:lnRef>
+    <cs:fillRef idx="0"/>
+    <cs:effectRef idx="0"/>
+    <cs:fontRef idx="minor">
+      <a:schemeClr val="tx1"/>
+    </cs:fontRef>
+    <cs:spPr>
+      <a:ln w="19050" cap="rnd">
+        <a:solidFill>
+          <a:schemeClr val="phClr"/>
+        </a:solidFill>
+        <a:prstDash val="sysDot"/>
+      </a:ln>
+    </cs:spPr>
+  </cs:trendline>
+  <cs:trendlineLabel>
+    <cs:lnRef idx="0"/>
+    <cs:fillRef idx="0"/>
+    <cs:effectRef idx="0"/>
+    <cs:fontRef idx="minor">
+      <a:schemeClr val="tx1">
+        <a:lumMod val="65000"/>
+        <a:lumOff val="35000"/>
+      </a:schemeClr>
+    </cs:fontRef>
+    <cs:defRPr sz="1197" kern="1200"/>
+  </cs:trendlineLabel>
+  <cs:upBar>
+    <cs:lnRef idx="0"/>
+    <cs:fillRef idx="0"/>
+    <cs:effectRef idx="0"/>
+    <cs:fontRef idx="minor">
+      <a:schemeClr val="dk1"/>
+    </cs:fontRef>
+    <cs:spPr>
+      <a:solidFill>
+        <a:schemeClr val="lt1"/>
+      </a:solidFill>
+      <a:ln w="9525">
+        <a:solidFill>
+          <a:schemeClr val="tx1">
+            <a:lumMod val="15000"/>
+            <a:lumOff val="85000"/>
+          </a:schemeClr>
+        </a:solidFill>
+      </a:ln>
+    </cs:spPr>
+  </cs:upBar>
+  <cs:valueAxis>
+    <cs:lnRef idx="0"/>
+    <cs:fillRef idx="0"/>
+    <cs:effectRef idx="0"/>
+    <cs:fontRef idx="minor">
+      <a:schemeClr val="tx1">
+        <a:lumMod val="65000"/>
+        <a:lumOff val="35000"/>
+      </a:schemeClr>
+    </cs:fontRef>
+    <cs:defRPr sz="1197" kern="1200"/>
+  </cs:valueAxis>
+  <cs:wall>
+    <cs:lnRef idx="0"/>
+    <cs:fillRef idx="0"/>
+    <cs:effectRef idx="0"/>
+    <cs:fontRef idx="minor">
+      <a:schemeClr val="tx1"/>
+    </cs:fontRef>
+    <cs:spPr>
+      <a:noFill/>
+      <a:ln>
+        <a:noFill/>
+      </a:ln>
+    </cs:spPr>
+  </cs:wall>
+</cs:chartStyle>
+</file>
+
+<file path=ppt/charts/style2.xml><?xml version="1.0" encoding="utf-8"?>
+<cs:chartStyle xmlns:cs="http://schemas.microsoft.com/office/drawing/2012/chartStyle" xmlns:a="http://schemas.openxmlformats.org/drawingml/2006/main" id="332">
+  <cs:axisTitle>
+    <cs:lnRef idx="0"/>
+    <cs:fillRef idx="0"/>
+    <cs:effectRef idx="0"/>
+    <cs:fontRef idx="minor">
+      <a:schemeClr val="tx1">
+        <a:lumMod val="65000"/>
+        <a:lumOff val="35000"/>
+      </a:schemeClr>
+    </cs:fontRef>
+    <cs:defRPr sz="1330" kern="1200"/>
+  </cs:axisTitle>
+  <cs:categoryAxis>
+    <cs:lnRef idx="0"/>
+    <cs:fillRef idx="0"/>
+    <cs:effectRef idx="0"/>
+    <cs:fontRef idx="minor">
+      <a:schemeClr val="tx1">
+        <a:lumMod val="65000"/>
+        <a:lumOff val="35000"/>
+      </a:schemeClr>
+    </cs:fontRef>
+    <cs:spPr>
+      <a:ln w="9525" cap="flat" cmpd="sng" algn="ctr">
+        <a:solidFill>
+          <a:schemeClr val="tx1">
+            <a:lumMod val="15000"/>
+            <a:lumOff val="85000"/>
+          </a:schemeClr>
+        </a:solidFill>
+        <a:round/>
+      </a:ln>
+    </cs:spPr>
+    <cs:defRPr sz="1197" kern="1200"/>
+  </cs:categoryAxis>
+  <cs:chartArea mods="allowNoFillOverride allowNoLineOverride">
+    <cs:lnRef idx="0"/>
+    <cs:fillRef idx="0"/>
+    <cs:effectRef idx="0"/>
+    <cs:fontRef idx="minor">
+      <a:schemeClr val="tx1"/>
+    </cs:fontRef>
+    <cs:spPr>
+      <a:solidFill>
+        <a:schemeClr val="bg1"/>
+      </a:solidFill>
+      <a:ln w="9525" cap="flat" cmpd="sng" algn="ctr">
+        <a:solidFill>
+          <a:schemeClr val="tx1">
+            <a:lumMod val="15000"/>
+            <a:lumOff val="85000"/>
+          </a:schemeClr>
+        </a:solidFill>
+        <a:round/>
+      </a:ln>
+    </cs:spPr>
+    <cs:defRPr sz="1330" kern="1200"/>
+  </cs:chartArea>
+  <cs:dataLabel>
+    <cs:lnRef idx="0"/>
+    <cs:fillRef idx="0"/>
+    <cs:effectRef idx="0"/>
+    <cs:fontRef idx="minor">
+      <a:schemeClr val="tx1">
+        <a:lumMod val="75000"/>
+        <a:lumOff val="25000"/>
+      </a:schemeClr>
+    </cs:fontRef>
+    <cs:defRPr sz="1197" kern="1200"/>
+  </cs:dataLabel>
+  <cs:dataLabelCallout>
+    <cs:lnRef idx="0"/>
+    <cs:fillRef idx="0"/>
+    <cs:effectRef idx="0"/>
+    <cs:fontRef idx="minor">
+      <a:schemeClr val="dk1">
+        <a:lumMod val="65000"/>
+        <a:lumOff val="35000"/>
+      </a:schemeClr>
+    </cs:fontRef>
+    <cs:spPr>
+      <a:solidFill>
+        <a:schemeClr val="lt1"/>
+      </a:solidFill>
+      <a:ln>
+        <a:solidFill>
+          <a:schemeClr val="dk1">
+            <a:lumMod val="25000"/>
+            <a:lumOff val="75000"/>
+          </a:schemeClr>
+        </a:solidFill>
+      </a:ln>
+    </cs:spPr>
+    <cs:defRPr sz="1197" kern="1200"/>
+    <cs:bodyPr rot="0" spcFirstLastPara="1" vertOverflow="clip" horzOverflow="clip" vert="horz" wrap="square" lIns="36576" tIns="18288" rIns="36576" bIns="18288" anchor="ctr" anchorCtr="1">
+      <a:spAutoFit/>
+    </cs:bodyPr>
+  </cs:dataLabelCallout>
+  <cs:dataPoint>
+    <cs:lnRef idx="0"/>
+    <cs:fillRef idx="1">
+      <cs:styleClr val="auto"/>
+    </cs:fillRef>
+    <cs:effectRef idx="0"/>
+    <cs:fontRef idx="minor">
+      <a:schemeClr val="tx1"/>
+    </cs:fontRef>
+  </cs:dataPoint>
+  <cs:dataPoint3D>
+    <cs:lnRef idx="0"/>
+    <cs:fillRef idx="1">
+      <cs:styleClr val="auto"/>
+    </cs:fillRef>
+    <cs:effectRef idx="0"/>
+    <cs:fontRef idx="minor">
+      <a:schemeClr val="tx1"/>
+    </cs:fontRef>
+  </cs:dataPoint3D>
+  <cs:dataPointLine>
+    <cs:lnRef idx="0">
+      <cs:styleClr val="auto"/>
+    </cs:lnRef>
+    <cs:fillRef idx="1"/>
+    <cs:effectRef idx="0"/>
+    <cs:fontRef idx="minor">
+      <a:schemeClr val="tx1"/>
+    </cs:fontRef>
+    <cs:spPr>
+      <a:ln w="28575" cap="rnd">
+        <a:solidFill>
+          <a:schemeClr val="phClr"/>
+        </a:solidFill>
+        <a:round/>
+      </a:ln>
+    </cs:spPr>
+  </cs:dataPointLine>
+  <cs:dataPointMarker>
+    <cs:lnRef idx="0">
+      <cs:styleClr val="auto"/>
+    </cs:lnRef>
+    <cs:fillRef idx="1">
+      <cs:styleClr val="auto"/>
+    </cs:fillRef>
+    <cs:effectRef idx="0"/>
+    <cs:fontRef idx="minor">
+      <a:schemeClr val="tx1"/>
+    </cs:fontRef>
+    <cs:spPr>
+      <a:ln w="9525">
+        <a:solidFill>
+          <a:schemeClr val="phClr"/>
+        </a:solidFill>
+      </a:ln>
+    </cs:spPr>
+  </cs:dataPointMarker>
+  <cs:dataPointMarkerLayout symbol="circle" size="5"/>
+  <cs:dataPointWireframe>
+    <cs:lnRef idx="0">
+      <cs:styleClr val="auto"/>
+    </cs:lnRef>
+    <cs:fillRef idx="1"/>
+    <cs:effectRef idx="0"/>
+    <cs:fontRef idx="minor">
+      <a:schemeClr val="tx1"/>
+    </cs:fontRef>
+    <cs:spPr>
+      <a:ln w="9525" cap="rnd">
+        <a:solidFill>
+          <a:schemeClr val="phClr"/>
+        </a:solidFill>
+        <a:round/>
+      </a:ln>
+    </cs:spPr>
+  </cs:dataPointWireframe>
+  <cs:dataTable>
+    <cs:lnRef idx="0"/>
+    <cs:fillRef idx="0"/>
+    <cs:effectRef idx="0"/>
+    <cs:fontRef idx="minor">
+      <a:schemeClr val="tx1">
+        <a:lumMod val="65000"/>
+        <a:lumOff val="35000"/>
+      </a:schemeClr>
+    </cs:fontRef>
+    <cs:spPr>
+      <a:noFill/>
+      <a:ln w="9525" cap="flat" cmpd="sng" algn="ctr">
+        <a:solidFill>
+          <a:schemeClr val="tx1">
+            <a:lumMod val="15000"/>
+            <a:lumOff val="85000"/>
+          </a:schemeClr>
+        </a:solidFill>
+        <a:round/>
+      </a:ln>
+    </cs:spPr>
+    <cs:defRPr sz="1197" kern="1200"/>
+  </cs:dataTable>
+  <cs:downBar>
+    <cs:lnRef idx="0"/>
+    <cs:fillRef idx="0"/>
+    <cs:effectRef idx="0"/>
+    <cs:fontRef idx="minor">
+      <a:schemeClr val="dk1"/>
+    </cs:fontRef>
+    <cs:spPr>
+      <a:solidFill>
+        <a:schemeClr val="dk1">
+          <a:lumMod val="65000"/>
+          <a:lumOff val="35000"/>
+        </a:schemeClr>
+      </a:solidFill>
+      <a:ln w="9525">
+        <a:solidFill>
+          <a:schemeClr val="tx1">
+            <a:lumMod val="65000"/>
+            <a:lumOff val="35000"/>
+          </a:schemeClr>
+        </a:solidFill>
+      </a:ln>
+    </cs:spPr>
+  </cs:downBar>
+  <cs:dropLine>
+    <cs:lnRef idx="0"/>
+    <cs:fillRef idx="0"/>
+    <cs:effectRef idx="0"/>
+    <cs:fontRef idx="minor">
+      <a:schemeClr val="tx1"/>
+    </cs:fontRef>
+    <cs:spPr>
+      <a:ln w="9525" cap="flat" cmpd="sng" algn="ctr">
+        <a:solidFill>
+          <a:schemeClr val="tx1">
+            <a:lumMod val="35000"/>
+            <a:lumOff val="65000"/>
+          </a:schemeClr>
+        </a:solidFill>
+        <a:round/>
+      </a:ln>
+    </cs:spPr>
+  </cs:dropLine>
+  <cs:errorBar>
+    <cs:lnRef idx="0"/>
+    <cs:fillRef idx="0"/>
+    <cs:effectRef idx="0"/>
+    <cs:fontRef idx="minor">
+      <a:schemeClr val="tx1"/>
+    </cs:fontRef>
+    <cs:spPr>
+      <a:ln w="9525" cap="flat" cmpd="sng" algn="ctr">
+        <a:solidFill>
+          <a:schemeClr val="tx1">
+            <a:lumMod val="65000"/>
+            <a:lumOff val="35000"/>
+          </a:schemeClr>
+        </a:solidFill>
+        <a:round/>
+      </a:ln>
+    </cs:spPr>
+  </cs:errorBar>
+  <cs:floor>
+    <cs:lnRef idx="0"/>
+    <cs:fillRef idx="0"/>
+    <cs:effectRef idx="0"/>
+    <cs:fontRef idx="minor">
+      <a:schemeClr val="tx1"/>
+    </cs:fontRef>
+    <cs:spPr>
+      <a:noFill/>
+      <a:ln>
+        <a:noFill/>
+      </a:ln>
+    </cs:spPr>
+  </cs:floor>
+  <cs:gridlineMajor>
+    <cs:lnRef idx="0"/>
+    <cs:fillRef idx="0"/>
+    <cs:effectRef idx="0"/>
+    <cs:fontRef idx="minor">
+      <a:schemeClr val="tx1"/>
+    </cs:fontRef>
+    <cs:spPr>
+      <a:ln w="9525" cap="flat" cmpd="sng" algn="ctr">
+        <a:solidFill>
+          <a:schemeClr val="tx1">
+            <a:lumMod val="15000"/>
+            <a:lumOff val="85000"/>
+          </a:schemeClr>
+        </a:solidFill>
+        <a:round/>
+      </a:ln>
+    </cs:spPr>
+  </cs:gridlineMajor>
+  <cs:gridlineMinor>
+    <cs:lnRef idx="0"/>
+    <cs:fillRef idx="0"/>
+    <cs:effectRef idx="0"/>
+    <cs:fontRef idx="minor">
+      <a:schemeClr val="tx1"/>
+    </cs:fontRef>
+    <cs:spPr>
+      <a:ln w="9525" cap="flat" cmpd="sng" algn="ctr">
+        <a:solidFill>
+          <a:schemeClr val="tx1">
+            <a:lumMod val="5000"/>
+            <a:lumOff val="95000"/>
+          </a:schemeClr>
+        </a:solidFill>
+        <a:round/>
+      </a:ln>
+    </cs:spPr>
+  </cs:gridlineMinor>
+  <cs:hiLoLine>
+    <cs:lnRef idx="0"/>
+    <cs:fillRef idx="0"/>
+    <cs:effectRef idx="0"/>
+    <cs:fontRef idx="minor">
+      <a:schemeClr val="tx1"/>
+    </cs:fontRef>
+    <cs:spPr>
+      <a:ln w="9525" cap="flat" cmpd="sng" algn="ctr">
+        <a:solidFill>
+          <a:schemeClr val="tx1">
+            <a:lumMod val="75000"/>
+            <a:lumOff val="25000"/>
+          </a:schemeClr>
+        </a:solidFill>
+        <a:round/>
+      </a:ln>
+    </cs:spPr>
+  </cs:hiLoLine>
+  <cs:leaderLine>
+    <cs:lnRef idx="0"/>
+    <cs:fillRef idx="0"/>
+    <cs:effectRef idx="0"/>
+    <cs:fontRef idx="minor">
+      <a:schemeClr val="tx1"/>
+    </cs:fontRef>
+    <cs:spPr>
+      <a:ln w="9525" cap="flat" cmpd="sng" algn="ctr">
+        <a:solidFill>
+          <a:schemeClr val="tx1">
+            <a:lumMod val="35000"/>
+            <a:lumOff val="65000"/>
+          </a:schemeClr>
+        </a:solidFill>
+        <a:round/>
+      </a:ln>
+    </cs:spPr>
+  </cs:leaderLine>
+  <cs:legend>
+    <cs:lnRef idx="0"/>
+    <cs:fillRef idx="0"/>
+    <cs:effectRef idx="0"/>
+    <cs:fontRef idx="minor">
+      <a:schemeClr val="tx1">
+        <a:lumMod val="65000"/>
+        <a:lumOff val="35000"/>
+      </a:schemeClr>
+    </cs:fontRef>
+    <cs:defRPr sz="1197" kern="1200"/>
+  </cs:legend>
+  <cs:plotArea mods="allowNoFillOverride allowNoLineOverride">
+    <cs:lnRef idx="0"/>
+    <cs:fillRef idx="0"/>
+    <cs:effectRef idx="0"/>
+    <cs:fontRef idx="minor">
+      <a:schemeClr val="tx1"/>
+    </cs:fontRef>
+  </cs:plotArea>
+  <cs:plotArea3D mods="allowNoFillOverride allowNoLineOverride">
+    <cs:lnRef idx="0"/>
+    <cs:fillRef idx="0"/>
+    <cs:effectRef idx="0"/>
+    <cs:fontRef idx="minor">
+      <a:schemeClr val="tx1"/>
+    </cs:fontRef>
+  </cs:plotArea3D>
+  <cs:seriesAxis>
+    <cs:lnRef idx="0"/>
+    <cs:fillRef idx="0"/>
+    <cs:effectRef idx="0"/>
+    <cs:fontRef idx="minor">
+      <a:schemeClr val="tx1">
+        <a:lumMod val="65000"/>
+        <a:lumOff val="35000"/>
+      </a:schemeClr>
+    </cs:fontRef>
+    <cs:defRPr sz="1197" kern="1200"/>
+  </cs:seriesAxis>
+  <cs:seriesLine>
+    <cs:lnRef idx="0"/>
+    <cs:fillRef idx="0"/>
+    <cs:effectRef idx="0"/>
+    <cs:fontRef idx="minor">
+      <a:schemeClr val="tx1"/>
+    </cs:fontRef>
+    <cs:spPr>
+      <a:ln w="9525" cap="flat" cmpd="sng" algn="ctr">
+        <a:solidFill>
+          <a:schemeClr val="tx1">
+            <a:lumMod val="35000"/>
+            <a:lumOff val="65000"/>
+          </a:schemeClr>
+        </a:solidFill>
+        <a:round/>
+      </a:ln>
+    </cs:spPr>
+  </cs:seriesLine>
+  <cs:title>
+    <cs:lnRef idx="0"/>
+    <cs:fillRef idx="0"/>
+    <cs:effectRef idx="0"/>
+    <cs:fontRef idx="minor">
+      <a:schemeClr val="tx1">
+        <a:lumMod val="65000"/>
+        <a:lumOff val="35000"/>
+      </a:schemeClr>
+    </cs:fontRef>
+    <cs:defRPr sz="1862" b="0" kern="1200" spc="0" baseline="0"/>
+  </cs:title>
+  <cs:trendline>
+    <cs:lnRef idx="0">
+      <cs:styleClr val="auto"/>
+    </cs:lnRef>
+    <cs:fillRef idx="0"/>
+    <cs:effectRef idx="0"/>
+    <cs:fontRef idx="minor">
+      <a:schemeClr val="tx1"/>
+    </cs:fontRef>
+    <cs:spPr>
+      <a:ln w="19050" cap="rnd">
+        <a:solidFill>
+          <a:schemeClr val="phClr"/>
+        </a:solidFill>
+        <a:prstDash val="sysDot"/>
+      </a:ln>
+    </cs:spPr>
+  </cs:trendline>
+  <cs:trendlineLabel>
+    <cs:lnRef idx="0"/>
+    <cs:fillRef idx="0"/>
+    <cs:effectRef idx="0"/>
+    <cs:fontRef idx="minor">
+      <a:schemeClr val="tx1">
+        <a:lumMod val="65000"/>
+        <a:lumOff val="35000"/>
+      </a:schemeClr>
+    </cs:fontRef>
+    <cs:defRPr sz="1197" kern="1200"/>
+  </cs:trendlineLabel>
+  <cs:upBar>
+    <cs:lnRef idx="0"/>
+    <cs:fillRef idx="0"/>
+    <cs:effectRef idx="0"/>
+    <cs:fontRef idx="minor">
+      <a:schemeClr val="dk1"/>
+    </cs:fontRef>
+    <cs:spPr>
+      <a:solidFill>
+        <a:schemeClr val="lt1"/>
+      </a:solidFill>
+      <a:ln w="9525">
+        <a:solidFill>
+          <a:schemeClr val="tx1">
+            <a:lumMod val="15000"/>
+            <a:lumOff val="85000"/>
+          </a:schemeClr>
+        </a:solidFill>
+      </a:ln>
+    </cs:spPr>
+  </cs:upBar>
+  <cs:valueAxis>
+    <cs:lnRef idx="0"/>
+    <cs:fillRef idx="0"/>
+    <cs:effectRef idx="0"/>
+    <cs:fontRef idx="minor">
+      <a:schemeClr val="tx1">
+        <a:lumMod val="65000"/>
+        <a:lumOff val="35000"/>
+      </a:schemeClr>
+    </cs:fontRef>
+    <cs:defRPr sz="1197" kern="1200"/>
+  </cs:valueAxis>
+  <cs:wall>
+    <cs:lnRef idx="0"/>
+    <cs:fillRef idx="0"/>
+    <cs:effectRef idx="0"/>
+    <cs:fontRef idx="minor">
+      <a:schemeClr val="tx1"/>
+    </cs:fontRef>
+    <cs:spPr>
+      <a:noFill/>
+      <a:ln>
+        <a:noFill/>
+      </a:ln>
+    </cs:spPr>
+  </cs:wall>
+</cs:chartStyle>
+</file>
+
 <file path=ppt/slideLayouts/slideLayout1.xml><?xml version="1.0" encoding="utf-8"?>
 <p:sldLayout xmlns:a="http://schemas.openxmlformats.org/drawingml/2006/main" xmlns:r="http://schemas.openxmlformats.org/officeDocument/2006/relationships" xmlns:p="http://schemas.openxmlformats.org/presentationml/2006/main" type="title" preserve="1">
   <p:cSld name="제목 슬라이드">
@@ -274,7 +2282,7 @@
           <a:p>
             <a:fld id="{1FC0D6BD-800E-41B1-8DDB-4059BEDF1D3A}" type="datetimeFigureOut">
               <a:rPr lang="ko-KR" altLang="en-US" smtClean="0"/>
-              <a:t>2024-02-13</a:t>
+              <a:t>2024-02-14</a:t>
             </a:fld>
             <a:endParaRPr lang="ko-KR" altLang="en-US"/>
           </a:p>
@@ -472,7 +2480,7 @@
           <a:p>
             <a:fld id="{1FC0D6BD-800E-41B1-8DDB-4059BEDF1D3A}" type="datetimeFigureOut">
               <a:rPr lang="ko-KR" altLang="en-US" smtClean="0"/>
-              <a:t>2024-02-13</a:t>
+              <a:t>2024-02-14</a:t>
             </a:fld>
             <a:endParaRPr lang="ko-KR" altLang="en-US"/>
           </a:p>
@@ -680,7 +2688,7 @@
           <a:p>
             <a:fld id="{1FC0D6BD-800E-41B1-8DDB-4059BEDF1D3A}" type="datetimeFigureOut">
               <a:rPr lang="ko-KR" altLang="en-US" smtClean="0"/>
-              <a:t>2024-02-13</a:t>
+              <a:t>2024-02-14</a:t>
             </a:fld>
             <a:endParaRPr lang="ko-KR" altLang="en-US"/>
           </a:p>
@@ -878,7 +2886,7 @@
           <a:p>
             <a:fld id="{1FC0D6BD-800E-41B1-8DDB-4059BEDF1D3A}" type="datetimeFigureOut">
               <a:rPr lang="ko-KR" altLang="en-US" smtClean="0"/>
-              <a:t>2024-02-13</a:t>
+              <a:t>2024-02-14</a:t>
             </a:fld>
             <a:endParaRPr lang="ko-KR" altLang="en-US"/>
           </a:p>
@@ -1153,7 +3161,7 @@
           <a:p>
             <a:fld id="{1FC0D6BD-800E-41B1-8DDB-4059BEDF1D3A}" type="datetimeFigureOut">
               <a:rPr lang="ko-KR" altLang="en-US" smtClean="0"/>
-              <a:t>2024-02-13</a:t>
+              <a:t>2024-02-14</a:t>
             </a:fld>
             <a:endParaRPr lang="ko-KR" altLang="en-US"/>
           </a:p>
@@ -1418,7 +3426,7 @@
           <a:p>
             <a:fld id="{1FC0D6BD-800E-41B1-8DDB-4059BEDF1D3A}" type="datetimeFigureOut">
               <a:rPr lang="ko-KR" altLang="en-US" smtClean="0"/>
-              <a:t>2024-02-13</a:t>
+              <a:t>2024-02-14</a:t>
             </a:fld>
             <a:endParaRPr lang="ko-KR" altLang="en-US"/>
           </a:p>
@@ -1830,7 +3838,7 @@
           <a:p>
             <a:fld id="{1FC0D6BD-800E-41B1-8DDB-4059BEDF1D3A}" type="datetimeFigureOut">
               <a:rPr lang="ko-KR" altLang="en-US" smtClean="0"/>
-              <a:t>2024-02-13</a:t>
+              <a:t>2024-02-14</a:t>
             </a:fld>
             <a:endParaRPr lang="ko-KR" altLang="en-US"/>
           </a:p>
@@ -1971,7 +3979,7 @@
           <a:p>
             <a:fld id="{1FC0D6BD-800E-41B1-8DDB-4059BEDF1D3A}" type="datetimeFigureOut">
               <a:rPr lang="ko-KR" altLang="en-US" smtClean="0"/>
-              <a:t>2024-02-13</a:t>
+              <a:t>2024-02-14</a:t>
             </a:fld>
             <a:endParaRPr lang="ko-KR" altLang="en-US"/>
           </a:p>
@@ -2084,7 +4092,7 @@
           <a:p>
             <a:fld id="{1FC0D6BD-800E-41B1-8DDB-4059BEDF1D3A}" type="datetimeFigureOut">
               <a:rPr lang="ko-KR" altLang="en-US" smtClean="0"/>
-              <a:t>2024-02-13</a:t>
+              <a:t>2024-02-14</a:t>
             </a:fld>
             <a:endParaRPr lang="ko-KR" altLang="en-US"/>
           </a:p>
@@ -2395,7 +4403,7 @@
           <a:p>
             <a:fld id="{1FC0D6BD-800E-41B1-8DDB-4059BEDF1D3A}" type="datetimeFigureOut">
               <a:rPr lang="ko-KR" altLang="en-US" smtClean="0"/>
-              <a:t>2024-02-13</a:t>
+              <a:t>2024-02-14</a:t>
             </a:fld>
             <a:endParaRPr lang="ko-KR" altLang="en-US"/>
           </a:p>
@@ -2683,7 +4691,7 @@
           <a:p>
             <a:fld id="{1FC0D6BD-800E-41B1-8DDB-4059BEDF1D3A}" type="datetimeFigureOut">
               <a:rPr lang="ko-KR" altLang="en-US" smtClean="0"/>
-              <a:t>2024-02-13</a:t>
+              <a:t>2024-02-14</a:t>
             </a:fld>
             <a:endParaRPr lang="ko-KR" altLang="en-US"/>
           </a:p>
@@ -2924,7 +4932,7 @@
           <a:p>
             <a:fld id="{1FC0D6BD-800E-41B1-8DDB-4059BEDF1D3A}" type="datetimeFigureOut">
               <a:rPr lang="ko-KR" altLang="en-US" smtClean="0"/>
-              <a:t>2024-02-13</a:t>
+              <a:t>2024-02-14</a:t>
             </a:fld>
             <a:endParaRPr lang="ko-KR" altLang="en-US"/>
           </a:p>
@@ -8303,6 +10311,11 @@
               <a:lumMod val="95000"/>
             </a:schemeClr>
           </a:solidFill>
+          <a:ln>
+            <a:solidFill>
+              <a:schemeClr val="tx1"/>
+            </a:solidFill>
+          </a:ln>
         </p:spPr>
         <p:style>
           <a:lnRef idx="2">
@@ -8577,6 +10590,366 @@
 </file>
 
 <file path=ppt/slides/slide15.xml><?xml version="1.0" encoding="utf-8"?>
+<p:sld xmlns:a="http://schemas.openxmlformats.org/drawingml/2006/main" xmlns:r="http://schemas.openxmlformats.org/officeDocument/2006/relationships" xmlns:p="http://schemas.openxmlformats.org/presentationml/2006/main">
+  <p:cSld>
+    <p:spTree>
+      <p:nvGrpSpPr>
+        <p:cNvPr id="1" name=""/>
+        <p:cNvGrpSpPr/>
+        <p:nvPr/>
+      </p:nvGrpSpPr>
+      <p:grpSpPr>
+        <a:xfrm>
+          <a:off x="0" y="0"/>
+          <a:ext cx="0" cy="0"/>
+          <a:chOff x="0" y="0"/>
+          <a:chExt cx="0" cy="0"/>
+        </a:xfrm>
+      </p:grpSpPr>
+      <p:sp>
+        <p:nvSpPr>
+          <p:cNvPr id="4" name="사각형: 둥근 모서리 3">
+            <a:extLst>
+              <a:ext uri="{FF2B5EF4-FFF2-40B4-BE49-F238E27FC236}">
+                <a16:creationId xmlns:a16="http://schemas.microsoft.com/office/drawing/2014/main" id="{25C5E306-7DE0-6306-6847-DB3CD2EC9E70}"/>
+              </a:ext>
+            </a:extLst>
+          </p:cNvPr>
+          <p:cNvSpPr/>
+          <p:nvPr/>
+        </p:nvSpPr>
+        <p:spPr>
+          <a:xfrm>
+            <a:off x="363448" y="335362"/>
+            <a:ext cx="1152086" cy="479503"/>
+          </a:xfrm>
+          <a:prstGeom prst="roundRect">
+            <a:avLst>
+              <a:gd name="adj" fmla="val 36090"/>
+            </a:avLst>
+          </a:prstGeom>
+          <a:solidFill>
+            <a:schemeClr val="tx1">
+              <a:lumMod val="65000"/>
+              <a:lumOff val="35000"/>
+            </a:schemeClr>
+          </a:solidFill>
+          <a:ln>
+            <a:noFill/>
+          </a:ln>
+        </p:spPr>
+        <p:style>
+          <a:lnRef idx="2">
+            <a:schemeClr val="accent1">
+              <a:shade val="50000"/>
+            </a:schemeClr>
+          </a:lnRef>
+          <a:fillRef idx="1">
+            <a:schemeClr val="accent1"/>
+          </a:fillRef>
+          <a:effectRef idx="0">
+            <a:schemeClr val="accent1"/>
+          </a:effectRef>
+          <a:fontRef idx="minor">
+            <a:schemeClr val="lt1"/>
+          </a:fontRef>
+        </p:style>
+        <p:txBody>
+          <a:bodyPr rtlCol="0" anchor="ctr"/>
+          <a:lstStyle/>
+          <a:p>
+            <a:pPr algn="ctr"/>
+            <a:endParaRPr lang="ko-KR" altLang="en-US"/>
+          </a:p>
+        </p:txBody>
+      </p:sp>
+      <p:sp>
+        <p:nvSpPr>
+          <p:cNvPr id="5" name="TextBox 4">
+            <a:extLst>
+              <a:ext uri="{FF2B5EF4-FFF2-40B4-BE49-F238E27FC236}">
+                <a16:creationId xmlns:a16="http://schemas.microsoft.com/office/drawing/2014/main" id="{E6E6D75F-5329-F9DB-9EDF-00D1B5BDEEE8}"/>
+              </a:ext>
+            </a:extLst>
+          </p:cNvPr>
+          <p:cNvSpPr txBox="1"/>
+          <p:nvPr/>
+        </p:nvSpPr>
+        <p:spPr>
+          <a:xfrm>
+            <a:off x="1718718" y="335362"/>
+            <a:ext cx="2730235" cy="461665"/>
+          </a:xfrm>
+          <a:prstGeom prst="rect">
+            <a:avLst/>
+          </a:prstGeom>
+          <a:noFill/>
+        </p:spPr>
+        <p:txBody>
+          <a:bodyPr wrap="none" rtlCol="0">
+            <a:spAutoFit/>
+          </a:bodyPr>
+          <a:lstStyle/>
+          <a:p>
+            <a:r>
+              <a:rPr lang="en-US" altLang="ko-KR" sz="2400" b="1" spc="-150" dirty="0">
+                <a:solidFill>
+                  <a:schemeClr val="tx1">
+                    <a:lumMod val="75000"/>
+                  </a:schemeClr>
+                </a:solidFill>
+              </a:rPr>
+              <a:t>Feature Importance</a:t>
+            </a:r>
+            <a:endParaRPr lang="ko-KR" altLang="en-US" sz="2400" b="1" spc="-150" dirty="0">
+              <a:solidFill>
+                <a:schemeClr val="tx1">
+                  <a:lumMod val="75000"/>
+                </a:schemeClr>
+              </a:solidFill>
+            </a:endParaRPr>
+          </a:p>
+        </p:txBody>
+      </p:sp>
+      <p:sp>
+        <p:nvSpPr>
+          <p:cNvPr id="6" name="TextBox 5">
+            <a:extLst>
+              <a:ext uri="{FF2B5EF4-FFF2-40B4-BE49-F238E27FC236}">
+                <a16:creationId xmlns:a16="http://schemas.microsoft.com/office/drawing/2014/main" id="{6FEC8A33-445F-9CB2-79E6-8435D60F471A}"/>
+              </a:ext>
+            </a:extLst>
+          </p:cNvPr>
+          <p:cNvSpPr txBox="1"/>
+          <p:nvPr/>
+        </p:nvSpPr>
+        <p:spPr>
+          <a:xfrm>
+            <a:off x="537394" y="375058"/>
+            <a:ext cx="804195" cy="400110"/>
+          </a:xfrm>
+          <a:prstGeom prst="rect">
+            <a:avLst/>
+          </a:prstGeom>
+          <a:noFill/>
+        </p:spPr>
+        <p:txBody>
+          <a:bodyPr wrap="none" rtlCol="0">
+            <a:spAutoFit/>
+          </a:bodyPr>
+          <a:lstStyle/>
+          <a:p>
+            <a:pPr algn="ctr"/>
+            <a:r>
+              <a:rPr lang="en-US" altLang="ko-KR" sz="2000" b="1" spc="-150" dirty="0">
+                <a:solidFill>
+                  <a:schemeClr val="bg1"/>
+                </a:solidFill>
+              </a:rPr>
+              <a:t>Part</a:t>
+            </a:r>
+            <a:r>
+              <a:rPr lang="ko-KR" altLang="en-US" sz="2000" b="1" spc="-150" dirty="0">
+                <a:solidFill>
+                  <a:schemeClr val="bg1"/>
+                </a:solidFill>
+              </a:rPr>
+              <a:t> </a:t>
+            </a:r>
+            <a:r>
+              <a:rPr lang="en-US" altLang="ko-KR" sz="2000" b="1" spc="-150" dirty="0">
+                <a:solidFill>
+                  <a:schemeClr val="bg1"/>
+                </a:solidFill>
+              </a:rPr>
+              <a:t>2</a:t>
+            </a:r>
+            <a:endParaRPr lang="ko-KR" altLang="en-US" sz="2000" b="1" spc="-150" dirty="0">
+              <a:solidFill>
+                <a:schemeClr val="bg1"/>
+              </a:solidFill>
+            </a:endParaRPr>
+          </a:p>
+        </p:txBody>
+      </p:sp>
+      <p:sp>
+        <p:nvSpPr>
+          <p:cNvPr id="222" name="직사각형 221">
+            <a:extLst>
+              <a:ext uri="{FF2B5EF4-FFF2-40B4-BE49-F238E27FC236}">
+                <a16:creationId xmlns:a16="http://schemas.microsoft.com/office/drawing/2014/main" id="{4726A18E-9A5D-0386-31DE-6DE8FAE084B1}"/>
+              </a:ext>
+            </a:extLst>
+          </p:cNvPr>
+          <p:cNvSpPr/>
+          <p:nvPr/>
+        </p:nvSpPr>
+        <p:spPr>
+          <a:xfrm>
+            <a:off x="481567" y="1384069"/>
+            <a:ext cx="5413594" cy="4911323"/>
+          </a:xfrm>
+          <a:prstGeom prst="rect">
+            <a:avLst/>
+          </a:prstGeom>
+          <a:solidFill>
+            <a:schemeClr val="bg1"/>
+          </a:solidFill>
+          <a:ln>
+            <a:solidFill>
+              <a:schemeClr val="tx1"/>
+            </a:solidFill>
+          </a:ln>
+        </p:spPr>
+        <p:style>
+          <a:lnRef idx="2">
+            <a:schemeClr val="accent1">
+              <a:shade val="50000"/>
+            </a:schemeClr>
+          </a:lnRef>
+          <a:fillRef idx="1">
+            <a:schemeClr val="accent1"/>
+          </a:fillRef>
+          <a:effectRef idx="0">
+            <a:schemeClr val="accent1"/>
+          </a:effectRef>
+          <a:fontRef idx="minor">
+            <a:schemeClr val="lt1"/>
+          </a:fontRef>
+        </p:style>
+        <p:txBody>
+          <a:bodyPr rtlCol="0" anchor="ctr"/>
+          <a:lstStyle/>
+          <a:p>
+            <a:pPr algn="ctr"/>
+            <a:endParaRPr lang="ko-KR" altLang="en-US" dirty="0"/>
+          </a:p>
+        </p:txBody>
+      </p:sp>
+      <p:sp>
+        <p:nvSpPr>
+          <p:cNvPr id="224" name="직사각형 223">
+            <a:extLst>
+              <a:ext uri="{FF2B5EF4-FFF2-40B4-BE49-F238E27FC236}">
+                <a16:creationId xmlns:a16="http://schemas.microsoft.com/office/drawing/2014/main" id="{DF682D7C-6865-6283-D8B5-A232267DFDD5}"/>
+              </a:ext>
+            </a:extLst>
+          </p:cNvPr>
+          <p:cNvSpPr/>
+          <p:nvPr/>
+        </p:nvSpPr>
+        <p:spPr>
+          <a:xfrm>
+            <a:off x="6314157" y="1384069"/>
+            <a:ext cx="5396276" cy="4911321"/>
+          </a:xfrm>
+          <a:prstGeom prst="rect">
+            <a:avLst/>
+          </a:prstGeom>
+          <a:solidFill>
+            <a:schemeClr val="bg1"/>
+          </a:solidFill>
+          <a:ln>
+            <a:solidFill>
+              <a:schemeClr val="tx1"/>
+            </a:solidFill>
+          </a:ln>
+        </p:spPr>
+        <p:style>
+          <a:lnRef idx="2">
+            <a:schemeClr val="accent1">
+              <a:shade val="50000"/>
+            </a:schemeClr>
+          </a:lnRef>
+          <a:fillRef idx="1">
+            <a:schemeClr val="accent1"/>
+          </a:fillRef>
+          <a:effectRef idx="0">
+            <a:schemeClr val="accent1"/>
+          </a:effectRef>
+          <a:fontRef idx="minor">
+            <a:schemeClr val="lt1"/>
+          </a:fontRef>
+        </p:style>
+        <p:txBody>
+          <a:bodyPr rtlCol="0" anchor="ctr"/>
+          <a:lstStyle/>
+          <a:p>
+            <a:pPr algn="ctr"/>
+            <a:endParaRPr lang="ko-KR" altLang="en-US"/>
+          </a:p>
+        </p:txBody>
+      </p:sp>
+      <p:graphicFrame>
+        <p:nvGraphicFramePr>
+          <p:cNvPr id="7" name="차트 6">
+            <a:extLst>
+              <a:ext uri="{FF2B5EF4-FFF2-40B4-BE49-F238E27FC236}">
+                <a16:creationId xmlns:a16="http://schemas.microsoft.com/office/drawing/2014/main" id="{3742198F-1D63-BF0A-7EF2-D532504B8583}"/>
+              </a:ext>
+            </a:extLst>
+          </p:cNvPr>
+          <p:cNvGraphicFramePr/>
+          <p:nvPr>
+            <p:extLst>
+              <p:ext uri="{D42A27DB-BD31-4B8C-83A1-F6EECF244321}">
+                <p14:modId xmlns:p14="http://schemas.microsoft.com/office/powerpoint/2010/main" val="2055779212"/>
+              </p:ext>
+            </p:extLst>
+          </p:nvPr>
+        </p:nvGraphicFramePr>
+        <p:xfrm>
+          <a:off x="537394" y="1677182"/>
+          <a:ext cx="5115171" cy="4275027"/>
+        </p:xfrm>
+        <a:graphic>
+          <a:graphicData uri="http://schemas.openxmlformats.org/drawingml/2006/chart">
+            <c:chart xmlns:c="http://schemas.openxmlformats.org/drawingml/2006/chart" xmlns:r="http://schemas.openxmlformats.org/officeDocument/2006/relationships" r:id="rId2"/>
+          </a:graphicData>
+        </a:graphic>
+      </p:graphicFrame>
+      <p:graphicFrame>
+        <p:nvGraphicFramePr>
+          <p:cNvPr id="10" name="차트 9">
+            <a:extLst>
+              <a:ext uri="{FF2B5EF4-FFF2-40B4-BE49-F238E27FC236}">
+                <a16:creationId xmlns:a16="http://schemas.microsoft.com/office/drawing/2014/main" id="{8A0E5CC6-85D2-4C9F-CD43-82420420CDE6}"/>
+              </a:ext>
+            </a:extLst>
+          </p:cNvPr>
+          <p:cNvGraphicFramePr/>
+          <p:nvPr>
+            <p:extLst>
+              <p:ext uri="{D42A27DB-BD31-4B8C-83A1-F6EECF244321}">
+                <p14:modId xmlns:p14="http://schemas.microsoft.com/office/powerpoint/2010/main" val="503850131"/>
+              </p:ext>
+            </p:extLst>
+          </p:nvPr>
+        </p:nvGraphicFramePr>
+        <p:xfrm>
+          <a:off x="6432778" y="1677183"/>
+          <a:ext cx="5145475" cy="4275027"/>
+        </p:xfrm>
+        <a:graphic>
+          <a:graphicData uri="http://schemas.openxmlformats.org/drawingml/2006/chart">
+            <c:chart xmlns:c="http://schemas.openxmlformats.org/drawingml/2006/chart" xmlns:r="http://schemas.openxmlformats.org/officeDocument/2006/relationships" r:id="rId3"/>
+          </a:graphicData>
+        </a:graphic>
+      </p:graphicFrame>
+    </p:spTree>
+    <p:extLst>
+      <p:ext uri="{BB962C8B-B14F-4D97-AF65-F5344CB8AC3E}">
+        <p14:creationId xmlns:p14="http://schemas.microsoft.com/office/powerpoint/2010/main" val="3908508621"/>
+      </p:ext>
+    </p:extLst>
+  </p:cSld>
+  <p:clrMapOvr>
+    <a:masterClrMapping/>
+  </p:clrMapOvr>
+</p:sld>
+</file>
+
+<file path=ppt/slides/slide16.xml><?xml version="1.0" encoding="utf-8"?>
 <p:sld xmlns:a="http://schemas.openxmlformats.org/drawingml/2006/main" xmlns:r="http://schemas.openxmlformats.org/officeDocument/2006/relationships" xmlns:p="http://schemas.openxmlformats.org/presentationml/2006/main">
   <p:cSld>
     <p:spTree>
@@ -8601,10 +10974,137 @@
       </p:grpSpPr>
       <p:sp>
         <p:nvSpPr>
-          <p:cNvPr id="10" name="TextBox 9">
-            <a:extLst>
-              <a:ext uri="{FF2B5EF4-FFF2-40B4-BE49-F238E27FC236}">
-                <a16:creationId xmlns:a16="http://schemas.microsoft.com/office/drawing/2014/main" id="{53731AE4-F1DA-46F8-3605-42F036EAE861}"/>
+          <p:cNvPr id="16" name="사각형: 둥근 모서리 15">
+            <a:extLst>
+              <a:ext uri="{FF2B5EF4-FFF2-40B4-BE49-F238E27FC236}">
+                <a16:creationId xmlns:a16="http://schemas.microsoft.com/office/drawing/2014/main" id="{F184FCF1-7165-5826-D4A9-BA17E7DC13FE}"/>
+              </a:ext>
+            </a:extLst>
+          </p:cNvPr>
+          <p:cNvSpPr/>
+          <p:nvPr/>
+        </p:nvSpPr>
+        <p:spPr>
+          <a:xfrm>
+            <a:off x="730100" y="2578898"/>
+            <a:ext cx="5209700" cy="3401121"/>
+          </a:xfrm>
+          <a:prstGeom prst="roundRect">
+            <a:avLst>
+              <a:gd name="adj" fmla="val 7815"/>
+            </a:avLst>
+          </a:prstGeom>
+          <a:solidFill>
+            <a:schemeClr val="bg1">
+              <a:lumMod val="95000"/>
+            </a:schemeClr>
+          </a:solidFill>
+          <a:ln>
+            <a:solidFill>
+              <a:schemeClr val="tx1"/>
+            </a:solidFill>
+          </a:ln>
+        </p:spPr>
+        <p:style>
+          <a:lnRef idx="2">
+            <a:schemeClr val="accent1">
+              <a:shade val="50000"/>
+            </a:schemeClr>
+          </a:lnRef>
+          <a:fillRef idx="1">
+            <a:schemeClr val="accent1"/>
+          </a:fillRef>
+          <a:effectRef idx="0">
+            <a:schemeClr val="accent1"/>
+          </a:effectRef>
+          <a:fontRef idx="minor">
+            <a:schemeClr val="lt1"/>
+          </a:fontRef>
+        </p:style>
+        <p:txBody>
+          <a:bodyPr rtlCol="0" anchor="ctr"/>
+          <a:lstStyle/>
+          <a:p>
+            <a:pPr marL="285750" indent="-285750" algn="just">
+              <a:buFont typeface="Arial" panose="020B0604020202020204" pitchFamily="34" charset="0"/>
+              <a:buChar char="•"/>
+            </a:pPr>
+            <a:endParaRPr lang="en-US" altLang="ko-KR" sz="1300" dirty="0">
+              <a:solidFill>
+                <a:schemeClr val="tx1"/>
+              </a:solidFill>
+            </a:endParaRPr>
+          </a:p>
+        </p:txBody>
+      </p:sp>
+      <p:sp>
+        <p:nvSpPr>
+          <p:cNvPr id="17" name="사각형: 둥근 모서리 16">
+            <a:extLst>
+              <a:ext uri="{FF2B5EF4-FFF2-40B4-BE49-F238E27FC236}">
+                <a16:creationId xmlns:a16="http://schemas.microsoft.com/office/drawing/2014/main" id="{D37F23AA-8F16-D5B0-8171-F1BD71552069}"/>
+              </a:ext>
+            </a:extLst>
+          </p:cNvPr>
+          <p:cNvSpPr/>
+          <p:nvPr/>
+        </p:nvSpPr>
+        <p:spPr>
+          <a:xfrm>
+            <a:off x="6356058" y="2578898"/>
+            <a:ext cx="5209700" cy="3401121"/>
+          </a:xfrm>
+          <a:prstGeom prst="roundRect">
+            <a:avLst>
+              <a:gd name="adj" fmla="val 7815"/>
+            </a:avLst>
+          </a:prstGeom>
+          <a:solidFill>
+            <a:schemeClr val="bg1">
+              <a:lumMod val="95000"/>
+            </a:schemeClr>
+          </a:solidFill>
+          <a:ln>
+            <a:solidFill>
+              <a:schemeClr val="tx1"/>
+            </a:solidFill>
+          </a:ln>
+        </p:spPr>
+        <p:style>
+          <a:lnRef idx="2">
+            <a:schemeClr val="accent1">
+              <a:shade val="50000"/>
+            </a:schemeClr>
+          </a:lnRef>
+          <a:fillRef idx="1">
+            <a:schemeClr val="accent1"/>
+          </a:fillRef>
+          <a:effectRef idx="0">
+            <a:schemeClr val="accent1"/>
+          </a:effectRef>
+          <a:fontRef idx="minor">
+            <a:schemeClr val="lt1"/>
+          </a:fontRef>
+        </p:style>
+        <p:txBody>
+          <a:bodyPr rtlCol="0" anchor="ctr"/>
+          <a:lstStyle/>
+          <a:p>
+            <a:pPr algn="ctr"/>
+            <a:endParaRPr lang="ko-KR" altLang="en-US" sz="1300" dirty="0">
+              <a:solidFill>
+                <a:schemeClr val="tx1"/>
+              </a:solidFill>
+            </a:endParaRPr>
+          </a:p>
+        </p:txBody>
+      </p:sp>
+      <p:sp>
+        <p:nvSpPr>
+          <p:cNvPr id="3" name="TextBox 2">
+            <a:extLst>
+              <a:ext uri="{FF2B5EF4-FFF2-40B4-BE49-F238E27FC236}">
+                <a16:creationId xmlns:a16="http://schemas.microsoft.com/office/drawing/2014/main" id="{FC496CF4-C7D5-9E97-93D9-FAD65792AA4A}"/>
               </a:ext>
             </a:extLst>
           </p:cNvPr>
@@ -8613,8 +11113,8 @@
         </p:nvSpPr>
         <p:spPr>
           <a:xfrm>
-            <a:off x="502055" y="420434"/>
-            <a:ext cx="1130438" cy="369332"/>
+            <a:off x="790575" y="1047750"/>
+            <a:ext cx="7951536" cy="1200329"/>
           </a:xfrm>
           <a:prstGeom prst="rect">
             <a:avLst/>
@@ -8627,48 +11127,6 @@
           </a:bodyPr>
           <a:lstStyle/>
           <a:p>
-            <a:r>
-              <a:rPr lang="en-US" altLang="ko-KR" b="0" i="0" dirty="0">
-                <a:solidFill>
-                  <a:srgbClr val="202124"/>
-                </a:solidFill>
-                <a:effectLst/>
-                <a:latin typeface="Apple SD Gothic Neo"/>
-              </a:rPr>
-              <a:t>Modelling</a:t>
-            </a:r>
-            <a:endParaRPr lang="en-US" altLang="ko-KR" dirty="0"/>
-          </a:p>
-        </p:txBody>
-      </p:sp>
-      <p:sp>
-        <p:nvSpPr>
-          <p:cNvPr id="3" name="TextBox 2">
-            <a:extLst>
-              <a:ext uri="{FF2B5EF4-FFF2-40B4-BE49-F238E27FC236}">
-                <a16:creationId xmlns:a16="http://schemas.microsoft.com/office/drawing/2014/main" id="{FC496CF4-C7D5-9E97-93D9-FAD65792AA4A}"/>
-              </a:ext>
-            </a:extLst>
-          </p:cNvPr>
-          <p:cNvSpPr txBox="1"/>
-          <p:nvPr/>
-        </p:nvSpPr>
-        <p:spPr>
-          <a:xfrm>
-            <a:off x="790575" y="1047750"/>
-            <a:ext cx="7951536" cy="1200329"/>
-          </a:xfrm>
-          <a:prstGeom prst="rect">
-            <a:avLst/>
-          </a:prstGeom>
-          <a:noFill/>
-        </p:spPr>
-        <p:txBody>
-          <a:bodyPr wrap="none" rtlCol="0">
-            <a:spAutoFit/>
-          </a:bodyPr>
-          <a:lstStyle/>
-          <a:p>
             <a:pPr marL="342900" indent="-342900">
               <a:buAutoNum type="arabicPeriod"/>
             </a:pPr>
@@ -8756,7 +11214,70 @@
         </p:nvSpPr>
         <p:spPr>
           <a:xfrm>
-            <a:off x="676275" y="5181600"/>
+            <a:off x="936333" y="5189989"/>
+            <a:ext cx="1571626" cy="495300"/>
+          </a:xfrm>
+          <a:prstGeom prst="roundRect">
+            <a:avLst/>
+          </a:prstGeom>
+          <a:solidFill>
+            <a:schemeClr val="bg1">
+              <a:lumMod val="65000"/>
+            </a:schemeClr>
+          </a:solidFill>
+        </p:spPr>
+        <p:style>
+          <a:lnRef idx="2">
+            <a:schemeClr val="accent1">
+              <a:shade val="15000"/>
+            </a:schemeClr>
+          </a:lnRef>
+          <a:fillRef idx="1">
+            <a:schemeClr val="accent1"/>
+          </a:fillRef>
+          <a:effectRef idx="0">
+            <a:schemeClr val="accent1"/>
+          </a:effectRef>
+          <a:fontRef idx="minor">
+            <a:schemeClr val="lt1"/>
+          </a:fontRef>
+        </p:style>
+        <p:txBody>
+          <a:bodyPr rtlCol="0" anchor="ctr"/>
+          <a:lstStyle/>
+          <a:p>
+            <a:pPr algn="ctr"/>
+            <a:r>
+              <a:rPr lang="en-US" altLang="ko-KR" dirty="0">
+                <a:solidFill>
+                  <a:schemeClr val="tx1"/>
+                </a:solidFill>
+              </a:rPr>
+              <a:t>XGB</a:t>
+            </a:r>
+            <a:endParaRPr lang="ko-KR" altLang="en-US" dirty="0">
+              <a:solidFill>
+                <a:schemeClr val="tx1"/>
+              </a:solidFill>
+            </a:endParaRPr>
+          </a:p>
+        </p:txBody>
+      </p:sp>
+      <p:sp>
+        <p:nvSpPr>
+          <p:cNvPr id="6" name="사각형: 둥근 모서리 5">
+            <a:extLst>
+              <a:ext uri="{FF2B5EF4-FFF2-40B4-BE49-F238E27FC236}">
+                <a16:creationId xmlns:a16="http://schemas.microsoft.com/office/drawing/2014/main" id="{E7942315-0D93-B399-0344-CD80D79F788A}"/>
+              </a:ext>
+            </a:extLst>
+          </p:cNvPr>
+          <p:cNvSpPr/>
+          <p:nvPr/>
+        </p:nvSpPr>
+        <p:spPr>
+          <a:xfrm>
+            <a:off x="2554662" y="5189989"/>
             <a:ext cx="1571626" cy="495300"/>
           </a:xfrm>
           <a:prstGeom prst="roundRect">
@@ -8791,7 +11312,7 @@
                   <a:schemeClr val="tx1"/>
                 </a:solidFill>
               </a:rPr>
-              <a:t>XGB</a:t>
+              <a:t>Huber</a:t>
             </a:r>
             <a:endParaRPr lang="ko-KR" altLang="en-US" dirty="0">
               <a:solidFill>
@@ -8803,10 +11324,10 @@
       </p:sp>
       <p:sp>
         <p:nvSpPr>
-          <p:cNvPr id="6" name="사각형: 둥근 모서리 5">
-            <a:extLst>
-              <a:ext uri="{FF2B5EF4-FFF2-40B4-BE49-F238E27FC236}">
-                <a16:creationId xmlns:a16="http://schemas.microsoft.com/office/drawing/2014/main" id="{E7942315-0D93-B399-0344-CD80D79F788A}"/>
+          <p:cNvPr id="7" name="사각형: 둥근 모서리 6">
+            <a:extLst>
+              <a:ext uri="{FF2B5EF4-FFF2-40B4-BE49-F238E27FC236}">
+                <a16:creationId xmlns:a16="http://schemas.microsoft.com/office/drawing/2014/main" id="{E67C4A7C-37AD-47F7-F2A4-9146ABCC4E66}"/>
               </a:ext>
             </a:extLst>
           </p:cNvPr>
@@ -8815,7 +11336,7 @@
         </p:nvSpPr>
         <p:spPr>
           <a:xfrm>
-            <a:off x="2294604" y="5181600"/>
+            <a:off x="4172991" y="5189989"/>
             <a:ext cx="1571626" cy="495300"/>
           </a:xfrm>
           <a:prstGeom prst="roundRect">
@@ -8850,7 +11371,7 @@
                   <a:schemeClr val="tx1"/>
                 </a:solidFill>
               </a:rPr>
-              <a:t>Huber</a:t>
+              <a:t>LGBM</a:t>
             </a:r>
             <a:endParaRPr lang="ko-KR" altLang="en-US" dirty="0">
               <a:solidFill>
@@ -8862,10 +11383,10 @@
       </p:sp>
       <p:sp>
         <p:nvSpPr>
-          <p:cNvPr id="7" name="사각형: 둥근 모서리 6">
-            <a:extLst>
-              <a:ext uri="{FF2B5EF4-FFF2-40B4-BE49-F238E27FC236}">
-                <a16:creationId xmlns:a16="http://schemas.microsoft.com/office/drawing/2014/main" id="{E67C4A7C-37AD-47F7-F2A4-9146ABCC4E66}"/>
+          <p:cNvPr id="9" name="사각형: 둥근 모서리 8">
+            <a:extLst>
+              <a:ext uri="{FF2B5EF4-FFF2-40B4-BE49-F238E27FC236}">
+                <a16:creationId xmlns:a16="http://schemas.microsoft.com/office/drawing/2014/main" id="{6CE5C972-0E6C-54D1-588C-19FC5A99A49D}"/>
               </a:ext>
             </a:extLst>
           </p:cNvPr>
@@ -8874,7 +11395,7 @@
         </p:nvSpPr>
         <p:spPr>
           <a:xfrm>
-            <a:off x="3912933" y="5181600"/>
+            <a:off x="2554662" y="2684914"/>
             <a:ext cx="1571626" cy="495300"/>
           </a:xfrm>
           <a:prstGeom prst="roundRect">
@@ -8909,7 +11430,7 @@
                   <a:schemeClr val="tx1"/>
                 </a:solidFill>
               </a:rPr>
-              <a:t>LGBM</a:t>
+              <a:t>Final Model</a:t>
             </a:r>
             <a:endParaRPr lang="ko-KR" altLang="en-US" dirty="0">
               <a:solidFill>
@@ -8921,10 +11442,10 @@
       </p:sp>
       <p:sp>
         <p:nvSpPr>
-          <p:cNvPr id="9" name="사각형: 둥근 모서리 8">
-            <a:extLst>
-              <a:ext uri="{FF2B5EF4-FFF2-40B4-BE49-F238E27FC236}">
-                <a16:creationId xmlns:a16="http://schemas.microsoft.com/office/drawing/2014/main" id="{6CE5C972-0E6C-54D1-588C-19FC5A99A49D}"/>
+          <p:cNvPr id="11" name="사각형: 둥근 모서리 10">
+            <a:extLst>
+              <a:ext uri="{FF2B5EF4-FFF2-40B4-BE49-F238E27FC236}">
+                <a16:creationId xmlns:a16="http://schemas.microsoft.com/office/drawing/2014/main" id="{F53B0B0E-A0A9-9B9C-060C-5326C08FB213}"/>
               </a:ext>
             </a:extLst>
           </p:cNvPr>
@@ -8933,7 +11454,7 @@
         </p:nvSpPr>
         <p:spPr>
           <a:xfrm>
-            <a:off x="2294604" y="2676525"/>
+            <a:off x="2554662" y="3937451"/>
             <a:ext cx="1571626" cy="495300"/>
           </a:xfrm>
           <a:prstGeom prst="roundRect">
@@ -8968,65 +11489,6 @@
                   <a:schemeClr val="tx1"/>
                 </a:solidFill>
               </a:rPr>
-              <a:t>Final Model</a:t>
-            </a:r>
-            <a:endParaRPr lang="ko-KR" altLang="en-US" dirty="0">
-              <a:solidFill>
-                <a:schemeClr val="tx1"/>
-              </a:solidFill>
-            </a:endParaRPr>
-          </a:p>
-        </p:txBody>
-      </p:sp>
-      <p:sp>
-        <p:nvSpPr>
-          <p:cNvPr id="11" name="사각형: 둥근 모서리 10">
-            <a:extLst>
-              <a:ext uri="{FF2B5EF4-FFF2-40B4-BE49-F238E27FC236}">
-                <a16:creationId xmlns:a16="http://schemas.microsoft.com/office/drawing/2014/main" id="{F53B0B0E-A0A9-9B9C-060C-5326C08FB213}"/>
-              </a:ext>
-            </a:extLst>
-          </p:cNvPr>
-          <p:cNvSpPr/>
-          <p:nvPr/>
-        </p:nvSpPr>
-        <p:spPr>
-          <a:xfrm>
-            <a:off x="2294604" y="3929062"/>
-            <a:ext cx="1571626" cy="495300"/>
-          </a:xfrm>
-          <a:prstGeom prst="roundRect">
-            <a:avLst/>
-          </a:prstGeom>
-          <a:noFill/>
-        </p:spPr>
-        <p:style>
-          <a:lnRef idx="2">
-            <a:schemeClr val="accent1">
-              <a:shade val="15000"/>
-            </a:schemeClr>
-          </a:lnRef>
-          <a:fillRef idx="1">
-            <a:schemeClr val="accent1"/>
-          </a:fillRef>
-          <a:effectRef idx="0">
-            <a:schemeClr val="accent1"/>
-          </a:effectRef>
-          <a:fontRef idx="minor">
-            <a:schemeClr val="lt1"/>
-          </a:fontRef>
-        </p:style>
-        <p:txBody>
-          <a:bodyPr rtlCol="0" anchor="ctr"/>
-          <a:lstStyle/>
-          <a:p>
-            <a:pPr algn="ctr"/>
-            <a:r>
-              <a:rPr lang="en-US" altLang="ko-KR" dirty="0">
-                <a:solidFill>
-                  <a:schemeClr val="tx1"/>
-                </a:solidFill>
-              </a:rPr>
               <a:t>Best Score</a:t>
             </a:r>
             <a:endParaRPr lang="ko-KR" altLang="en-US" dirty="0">
@@ -9054,7 +11516,7 @@
         </p:nvCxnSpPr>
         <p:spPr>
           <a:xfrm rot="5400000" flipH="1" flipV="1">
-            <a:off x="1892633" y="3993817"/>
+            <a:off x="2152691" y="4002206"/>
             <a:ext cx="757238" cy="1618329"/>
           </a:xfrm>
           <a:prstGeom prst="bentConnector3">
@@ -9101,7 +11563,7 @@
         </p:nvCxnSpPr>
         <p:spPr>
           <a:xfrm flipV="1">
-            <a:off x="3080417" y="3171825"/>
+            <a:off x="3340475" y="3180214"/>
             <a:ext cx="0" cy="757237"/>
           </a:xfrm>
           <a:prstGeom prst="straightConnector1">
@@ -9140,7 +11602,7 @@
         </p:nvSpPr>
         <p:spPr>
           <a:xfrm>
-            <a:off x="6267450" y="5181599"/>
+            <a:off x="6527508" y="5189988"/>
             <a:ext cx="1571626" cy="495300"/>
           </a:xfrm>
           <a:prstGeom prst="roundRect">
@@ -9199,7 +11661,7 @@
         </p:nvSpPr>
         <p:spPr>
           <a:xfrm>
-            <a:off x="7885779" y="5181599"/>
+            <a:off x="8145837" y="5189988"/>
             <a:ext cx="1571626" cy="495300"/>
           </a:xfrm>
           <a:prstGeom prst="roundRect">
@@ -9258,7 +11720,7 @@
         </p:nvSpPr>
         <p:spPr>
           <a:xfrm>
-            <a:off x="9504108" y="5181599"/>
+            <a:off x="9764166" y="5189988"/>
             <a:ext cx="1571626" cy="495300"/>
           </a:xfrm>
           <a:prstGeom prst="roundRect">
@@ -9317,7 +11779,7 @@
         </p:nvSpPr>
         <p:spPr>
           <a:xfrm>
-            <a:off x="7885779" y="3942009"/>
+            <a:off x="8145837" y="3950398"/>
             <a:ext cx="1571626" cy="495300"/>
           </a:xfrm>
           <a:prstGeom prst="roundRect">
@@ -9376,7 +11838,7 @@
         </p:nvSpPr>
         <p:spPr>
           <a:xfrm>
-            <a:off x="7885779" y="2702420"/>
+            <a:off x="8145837" y="2710809"/>
             <a:ext cx="1571626" cy="495300"/>
           </a:xfrm>
           <a:prstGeom prst="roundRect">
@@ -9439,7 +11901,7 @@
         </p:nvCxnSpPr>
         <p:spPr>
           <a:xfrm flipV="1">
-            <a:off x="8671592" y="3197720"/>
+            <a:off x="8931650" y="3206109"/>
             <a:ext cx="0" cy="744289"/>
           </a:xfrm>
           <a:prstGeom prst="straightConnector1">
@@ -9480,7 +11942,7 @@
         </p:nvCxnSpPr>
         <p:spPr>
           <a:xfrm>
-            <a:off x="3080417" y="4800600"/>
+            <a:off x="3340475" y="4808989"/>
             <a:ext cx="0" cy="381000"/>
           </a:xfrm>
           <a:prstGeom prst="line">
@@ -9521,7 +11983,7 @@
         </p:nvCxnSpPr>
         <p:spPr>
           <a:xfrm>
-            <a:off x="3080417" y="4794250"/>
+            <a:off x="3340475" y="4802639"/>
             <a:ext cx="1618583" cy="0"/>
           </a:xfrm>
           <a:prstGeom prst="line">
@@ -9565,7 +12027,7 @@
         </p:nvCxnSpPr>
         <p:spPr>
           <a:xfrm flipV="1">
-            <a:off x="4698746" y="4794250"/>
+            <a:off x="4958804" y="4802639"/>
             <a:ext cx="254" cy="387350"/>
           </a:xfrm>
           <a:prstGeom prst="line">
@@ -9606,7 +12068,7 @@
         </p:nvCxnSpPr>
         <p:spPr>
           <a:xfrm rot="5400000" flipH="1" flipV="1">
-            <a:off x="7483809" y="3993817"/>
+            <a:off x="7743867" y="4002206"/>
             <a:ext cx="757238" cy="1618329"/>
           </a:xfrm>
           <a:prstGeom prst="bentConnector3">
@@ -9650,7 +12112,7 @@
         </p:nvCxnSpPr>
         <p:spPr>
           <a:xfrm>
-            <a:off x="8671593" y="4800600"/>
+            <a:off x="8931651" y="4808989"/>
             <a:ext cx="0" cy="381000"/>
           </a:xfrm>
           <a:prstGeom prst="line">
@@ -9691,7 +12153,7 @@
         </p:nvCxnSpPr>
         <p:spPr>
           <a:xfrm>
-            <a:off x="8671593" y="4794250"/>
+            <a:off x="8931651" y="4802639"/>
             <a:ext cx="1618583" cy="0"/>
           </a:xfrm>
           <a:prstGeom prst="line">
@@ -9734,7 +12196,7 @@
         </p:nvCxnSpPr>
         <p:spPr>
           <a:xfrm flipV="1">
-            <a:off x="10289921" y="4794250"/>
+            <a:off x="10549979" y="4802639"/>
             <a:ext cx="254" cy="387350"/>
           </a:xfrm>
           <a:prstGeom prst="line">
@@ -9761,6 +12223,201 @@
           </a:fontRef>
         </p:style>
       </p:cxnSp>
+      <p:sp>
+        <p:nvSpPr>
+          <p:cNvPr id="2" name="사각형: 둥근 모서리 1">
+            <a:extLst>
+              <a:ext uri="{FF2B5EF4-FFF2-40B4-BE49-F238E27FC236}">
+                <a16:creationId xmlns:a16="http://schemas.microsoft.com/office/drawing/2014/main" id="{80FCDF26-B1EA-1424-709B-EAFDAD3BDC55}"/>
+              </a:ext>
+            </a:extLst>
+          </p:cNvPr>
+          <p:cNvSpPr/>
+          <p:nvPr/>
+        </p:nvSpPr>
+        <p:spPr>
+          <a:xfrm>
+            <a:off x="363448" y="335362"/>
+            <a:ext cx="1152086" cy="479503"/>
+          </a:xfrm>
+          <a:prstGeom prst="roundRect">
+            <a:avLst>
+              <a:gd name="adj" fmla="val 36090"/>
+            </a:avLst>
+          </a:prstGeom>
+          <a:solidFill>
+            <a:schemeClr val="tx1">
+              <a:lumMod val="65000"/>
+              <a:lumOff val="35000"/>
+            </a:schemeClr>
+          </a:solidFill>
+          <a:ln>
+            <a:noFill/>
+          </a:ln>
+        </p:spPr>
+        <p:style>
+          <a:lnRef idx="2">
+            <a:schemeClr val="accent1">
+              <a:shade val="50000"/>
+            </a:schemeClr>
+          </a:lnRef>
+          <a:fillRef idx="1">
+            <a:schemeClr val="accent1"/>
+          </a:fillRef>
+          <a:effectRef idx="0">
+            <a:schemeClr val="accent1"/>
+          </a:effectRef>
+          <a:fontRef idx="minor">
+            <a:schemeClr val="lt1"/>
+          </a:fontRef>
+        </p:style>
+        <p:txBody>
+          <a:bodyPr rtlCol="0" anchor="ctr"/>
+          <a:lstStyle/>
+          <a:p>
+            <a:pPr algn="ctr"/>
+            <a:endParaRPr lang="ko-KR" altLang="en-US"/>
+          </a:p>
+        </p:txBody>
+      </p:sp>
+      <p:sp>
+        <p:nvSpPr>
+          <p:cNvPr id="8" name="TextBox 7">
+            <a:extLst>
+              <a:ext uri="{FF2B5EF4-FFF2-40B4-BE49-F238E27FC236}">
+                <a16:creationId xmlns:a16="http://schemas.microsoft.com/office/drawing/2014/main" id="{AF658233-987B-AD67-1D4E-1194A36BC757}"/>
+              </a:ext>
+            </a:extLst>
+          </p:cNvPr>
+          <p:cNvSpPr txBox="1"/>
+          <p:nvPr/>
+        </p:nvSpPr>
+        <p:spPr>
+          <a:xfrm>
+            <a:off x="1718718" y="335362"/>
+            <a:ext cx="1050288" cy="461665"/>
+          </a:xfrm>
+          <a:prstGeom prst="rect">
+            <a:avLst/>
+          </a:prstGeom>
+          <a:noFill/>
+        </p:spPr>
+        <p:txBody>
+          <a:bodyPr wrap="none" rtlCol="0">
+            <a:spAutoFit/>
+          </a:bodyPr>
+          <a:lstStyle/>
+          <a:p>
+            <a:r>
+              <a:rPr lang="ko-KR" altLang="en-US" sz="2400" b="1" spc="-150" dirty="0">
+                <a:solidFill>
+                  <a:schemeClr val="tx1">
+                    <a:lumMod val="75000"/>
+                  </a:schemeClr>
+                </a:solidFill>
+              </a:rPr>
+              <a:t>모델링</a:t>
+            </a:r>
+          </a:p>
+        </p:txBody>
+      </p:sp>
+      <p:sp>
+        <p:nvSpPr>
+          <p:cNvPr id="13" name="TextBox 12">
+            <a:extLst>
+              <a:ext uri="{FF2B5EF4-FFF2-40B4-BE49-F238E27FC236}">
+                <a16:creationId xmlns:a16="http://schemas.microsoft.com/office/drawing/2014/main" id="{96100D2D-F6DE-6FE6-74E6-92F15642883B}"/>
+              </a:ext>
+            </a:extLst>
+          </p:cNvPr>
+          <p:cNvSpPr txBox="1"/>
+          <p:nvPr/>
+        </p:nvSpPr>
+        <p:spPr>
+          <a:xfrm>
+            <a:off x="548198" y="375058"/>
+            <a:ext cx="782587" cy="400110"/>
+          </a:xfrm>
+          <a:prstGeom prst="rect">
+            <a:avLst/>
+          </a:prstGeom>
+          <a:noFill/>
+        </p:spPr>
+        <p:txBody>
+          <a:bodyPr wrap="none" rtlCol="0">
+            <a:spAutoFit/>
+          </a:bodyPr>
+          <a:lstStyle/>
+          <a:p>
+            <a:pPr algn="ctr"/>
+            <a:r>
+              <a:rPr lang="en-US" altLang="ko-KR" sz="2000" b="1" spc="-150" dirty="0">
+                <a:solidFill>
+                  <a:schemeClr val="bg1"/>
+                </a:solidFill>
+              </a:rPr>
+              <a:t>Part</a:t>
+            </a:r>
+            <a:r>
+              <a:rPr lang="ko-KR" altLang="en-US" sz="2000" b="1" spc="-150" dirty="0">
+                <a:solidFill>
+                  <a:schemeClr val="bg1"/>
+                </a:solidFill>
+              </a:rPr>
+              <a:t> </a:t>
+            </a:r>
+            <a:r>
+              <a:rPr lang="en-US" altLang="ko-KR" sz="2000" b="1" spc="-150" dirty="0">
+                <a:solidFill>
+                  <a:schemeClr val="bg1"/>
+                </a:solidFill>
+              </a:rPr>
+              <a:t>3</a:t>
+            </a:r>
+            <a:endParaRPr lang="ko-KR" altLang="en-US" sz="2000" b="1" spc="-150" dirty="0">
+              <a:solidFill>
+                <a:schemeClr val="bg1"/>
+              </a:solidFill>
+            </a:endParaRPr>
+          </a:p>
+        </p:txBody>
+      </p:sp>
+      <p:sp>
+        <p:nvSpPr>
+          <p:cNvPr id="18" name="TextBox 17">
+            <a:extLst>
+              <a:ext uri="{FF2B5EF4-FFF2-40B4-BE49-F238E27FC236}">
+                <a16:creationId xmlns:a16="http://schemas.microsoft.com/office/drawing/2014/main" id="{A3BBC1B2-8F4A-4990-4948-F79E8B92B586}"/>
+              </a:ext>
+            </a:extLst>
+          </p:cNvPr>
+          <p:cNvSpPr txBox="1"/>
+          <p:nvPr/>
+        </p:nvSpPr>
+        <p:spPr>
+          <a:xfrm>
+            <a:off x="6527508" y="3330518"/>
+            <a:ext cx="1749197" cy="369332"/>
+          </a:xfrm>
+          <a:prstGeom prst="rect">
+            <a:avLst/>
+          </a:prstGeom>
+          <a:noFill/>
+        </p:spPr>
+        <p:txBody>
+          <a:bodyPr wrap="none" rtlCol="0">
+            <a:spAutoFit/>
+          </a:bodyPr>
+          <a:lstStyle/>
+          <a:p>
+            <a:r>
+              <a:rPr lang="en-US" altLang="ko-KR" dirty="0"/>
+              <a:t>0.6 + 0.2 + 0.2</a:t>
+            </a:r>
+            <a:endParaRPr lang="ko-KR" altLang="en-US" dirty="0"/>
+          </a:p>
+        </p:txBody>
+      </p:sp>
     </p:spTree>
     <p:extLst>
       <p:ext uri="{BB962C8B-B14F-4D97-AF65-F5344CB8AC3E}">
@@ -9774,7 +12431,7 @@
 </p:sld>
 </file>
 
-<file path=ppt/slides/slide16.xml><?xml version="1.0" encoding="utf-8"?>
+<file path=ppt/slides/slide17.xml><?xml version="1.0" encoding="utf-8"?>
 <p:sld xmlns:a="http://schemas.openxmlformats.org/drawingml/2006/main" xmlns:r="http://schemas.openxmlformats.org/officeDocument/2006/relationships" xmlns:p="http://schemas.openxmlformats.org/presentationml/2006/main">
   <p:cSld>
     <p:spTree>
@@ -9799,6 +12456,125 @@
       </p:grpSpPr>
       <p:sp>
         <p:nvSpPr>
+          <p:cNvPr id="17" name="사각형: 둥근 모서리 16">
+            <a:extLst>
+              <a:ext uri="{FF2B5EF4-FFF2-40B4-BE49-F238E27FC236}">
+                <a16:creationId xmlns:a16="http://schemas.microsoft.com/office/drawing/2014/main" id="{CB0327A1-5669-255B-A419-29635BA56BBD}"/>
+              </a:ext>
+            </a:extLst>
+          </p:cNvPr>
+          <p:cNvSpPr/>
+          <p:nvPr/>
+        </p:nvSpPr>
+        <p:spPr>
+          <a:xfrm>
+            <a:off x="309869" y="1592438"/>
+            <a:ext cx="5209700" cy="3401121"/>
+          </a:xfrm>
+          <a:prstGeom prst="roundRect">
+            <a:avLst>
+              <a:gd name="adj" fmla="val 7815"/>
+            </a:avLst>
+          </a:prstGeom>
+          <a:solidFill>
+            <a:schemeClr val="bg1">
+              <a:lumMod val="95000"/>
+            </a:schemeClr>
+          </a:solidFill>
+          <a:ln>
+            <a:solidFill>
+              <a:schemeClr val="tx1"/>
+            </a:solidFill>
+          </a:ln>
+        </p:spPr>
+        <p:style>
+          <a:lnRef idx="2">
+            <a:schemeClr val="accent1">
+              <a:shade val="50000"/>
+            </a:schemeClr>
+          </a:lnRef>
+          <a:fillRef idx="1">
+            <a:schemeClr val="accent1"/>
+          </a:fillRef>
+          <a:effectRef idx="0">
+            <a:schemeClr val="accent1"/>
+          </a:effectRef>
+          <a:fontRef idx="minor">
+            <a:schemeClr val="lt1"/>
+          </a:fontRef>
+        </p:style>
+        <p:txBody>
+          <a:bodyPr rtlCol="0" anchor="ctr"/>
+          <a:lstStyle/>
+          <a:p>
+            <a:pPr marL="285750" indent="-285750" algn="just">
+              <a:buFont typeface="Arial" panose="020B0604020202020204" pitchFamily="34" charset="0"/>
+              <a:buChar char="•"/>
+            </a:pPr>
+            <a:endParaRPr lang="en-US" altLang="ko-KR" sz="1300" dirty="0">
+              <a:solidFill>
+                <a:schemeClr val="tx1"/>
+              </a:solidFill>
+            </a:endParaRPr>
+          </a:p>
+        </p:txBody>
+      </p:sp>
+      <p:sp>
+        <p:nvSpPr>
+          <p:cNvPr id="11" name="직사각형 10">
+            <a:extLst>
+              <a:ext uri="{FF2B5EF4-FFF2-40B4-BE49-F238E27FC236}">
+                <a16:creationId xmlns:a16="http://schemas.microsoft.com/office/drawing/2014/main" id="{804FB85B-1FFB-F3F4-E30B-255C516CC7C1}"/>
+              </a:ext>
+            </a:extLst>
+          </p:cNvPr>
+          <p:cNvSpPr/>
+          <p:nvPr/>
+        </p:nvSpPr>
+        <p:spPr>
+          <a:xfrm>
+            <a:off x="5812758" y="1050829"/>
+            <a:ext cx="6006464" cy="4798208"/>
+          </a:xfrm>
+          <a:prstGeom prst="rect">
+            <a:avLst/>
+          </a:prstGeom>
+          <a:solidFill>
+            <a:schemeClr val="bg1"/>
+          </a:solidFill>
+          <a:ln>
+            <a:solidFill>
+              <a:schemeClr val="tx1"/>
+            </a:solidFill>
+          </a:ln>
+        </p:spPr>
+        <p:style>
+          <a:lnRef idx="2">
+            <a:schemeClr val="accent1">
+              <a:shade val="50000"/>
+            </a:schemeClr>
+          </a:lnRef>
+          <a:fillRef idx="1">
+            <a:schemeClr val="accent1"/>
+          </a:fillRef>
+          <a:effectRef idx="0">
+            <a:schemeClr val="accent1"/>
+          </a:effectRef>
+          <a:fontRef idx="minor">
+            <a:schemeClr val="lt1"/>
+          </a:fontRef>
+        </p:style>
+        <p:txBody>
+          <a:bodyPr rtlCol="0" anchor="ctr"/>
+          <a:lstStyle/>
+          <a:p>
+            <a:pPr algn="ctr"/>
+            <a:endParaRPr lang="ko-KR" altLang="en-US" dirty="0"/>
+          </a:p>
+        </p:txBody>
+      </p:sp>
+      <p:sp>
+        <p:nvSpPr>
           <p:cNvPr id="10" name="TextBox 9">
             <a:extLst>
               <a:ext uri="{FF2B5EF4-FFF2-40B4-BE49-F238E27FC236}">
@@ -9846,8 +12622,167 @@
         </p:nvSpPr>
         <p:spPr>
           <a:xfrm>
-            <a:off x="790575" y="1047750"/>
-            <a:ext cx="4730910" cy="1200329"/>
+            <a:off x="363448" y="1976292"/>
+            <a:ext cx="5156121" cy="2947282"/>
+          </a:xfrm>
+          <a:prstGeom prst="rect">
+            <a:avLst/>
+          </a:prstGeom>
+          <a:noFill/>
+        </p:spPr>
+        <p:txBody>
+          <a:bodyPr wrap="square" rtlCol="0">
+            <a:spAutoFit/>
+          </a:bodyPr>
+          <a:lstStyle/>
+          <a:p>
+            <a:pPr marL="342900" indent="-342900">
+              <a:lnSpc>
+                <a:spcPct val="150000"/>
+              </a:lnSpc>
+              <a:buAutoNum type="arabicPeriod"/>
+            </a:pPr>
+            <a:r>
+              <a:rPr lang="ko-KR" altLang="en-US" dirty="0"/>
+              <a:t>사고건수가 많은 동에 </a:t>
+            </a:r>
+            <a:r>
+              <a:rPr lang="en-US" altLang="ko-KR" dirty="0"/>
+              <a:t>CCTV</a:t>
+            </a:r>
+            <a:r>
+              <a:rPr lang="ko-KR" altLang="en-US" dirty="0"/>
+              <a:t>를 추가 설치</a:t>
+            </a:r>
+            <a:endParaRPr lang="en-US" altLang="ko-KR" dirty="0"/>
+          </a:p>
+          <a:p>
+            <a:pPr marL="285750" indent="-285750">
+              <a:lnSpc>
+                <a:spcPct val="150000"/>
+              </a:lnSpc>
+              <a:buFont typeface="Arial" panose="020B0604020202020204" pitchFamily="34" charset="0"/>
+              <a:buChar char="•"/>
+            </a:pPr>
+            <a:r>
+              <a:rPr lang="ko-KR" altLang="en-US" dirty="0"/>
+              <a:t>오른쪽 그래프는 </a:t>
+            </a:r>
+            <a:r>
+              <a:rPr lang="en-US" altLang="ko-KR" dirty="0"/>
+              <a:t>ECLO</a:t>
+            </a:r>
+            <a:r>
+              <a:rPr lang="ko-KR" altLang="en-US" dirty="0"/>
+              <a:t>의 평균이 가장 높은   </a:t>
+            </a:r>
+            <a:r>
+              <a:rPr lang="en-US" altLang="ko-KR" dirty="0"/>
+              <a:t>5</a:t>
+            </a:r>
+            <a:r>
+              <a:rPr lang="ko-KR" altLang="en-US" dirty="0"/>
+              <a:t>개의 지역으로 모두 고속도로 혹은 골목길을 포함하고 있는데</a:t>
+            </a:r>
+            <a:r>
+              <a:rPr lang="en-US" altLang="ko-KR" dirty="0"/>
+              <a:t>, </a:t>
+            </a:r>
+            <a:r>
+              <a:rPr lang="ko-KR" altLang="en-US" dirty="0"/>
+              <a:t>이 곳에  단속 카메라를 설치하면 효과적으로 사고를 막을 수 있을 것으로 예상된다</a:t>
+            </a:r>
+            <a:r>
+              <a:rPr lang="en-US" altLang="ko-KR" dirty="0"/>
+              <a:t>.</a:t>
+            </a:r>
+          </a:p>
+          <a:p>
+            <a:pPr>
+              <a:lnSpc>
+                <a:spcPct val="150000"/>
+              </a:lnSpc>
+            </a:pPr>
+            <a:r>
+              <a:rPr lang="en-US" altLang="ko-KR" dirty="0"/>
+              <a:t>    </a:t>
+            </a:r>
+          </a:p>
+        </p:txBody>
+      </p:sp>
+      <p:sp>
+        <p:nvSpPr>
+          <p:cNvPr id="5" name="사각형: 둥근 모서리 4">
+            <a:extLst>
+              <a:ext uri="{FF2B5EF4-FFF2-40B4-BE49-F238E27FC236}">
+                <a16:creationId xmlns:a16="http://schemas.microsoft.com/office/drawing/2014/main" id="{7288D2B1-5AD8-841B-B588-59CF4A0E580C}"/>
+              </a:ext>
+            </a:extLst>
+          </p:cNvPr>
+          <p:cNvSpPr/>
+          <p:nvPr/>
+        </p:nvSpPr>
+        <p:spPr>
+          <a:xfrm>
+            <a:off x="363448" y="335362"/>
+            <a:ext cx="1152086" cy="479503"/>
+          </a:xfrm>
+          <a:prstGeom prst="roundRect">
+            <a:avLst>
+              <a:gd name="adj" fmla="val 36090"/>
+            </a:avLst>
+          </a:prstGeom>
+          <a:solidFill>
+            <a:schemeClr val="tx1">
+              <a:lumMod val="65000"/>
+              <a:lumOff val="35000"/>
+            </a:schemeClr>
+          </a:solidFill>
+          <a:ln>
+            <a:noFill/>
+          </a:ln>
+        </p:spPr>
+        <p:style>
+          <a:lnRef idx="2">
+            <a:schemeClr val="accent1">
+              <a:shade val="50000"/>
+            </a:schemeClr>
+          </a:lnRef>
+          <a:fillRef idx="1">
+            <a:schemeClr val="accent1"/>
+          </a:fillRef>
+          <a:effectRef idx="0">
+            <a:schemeClr val="accent1"/>
+          </a:effectRef>
+          <a:fontRef idx="minor">
+            <a:schemeClr val="lt1"/>
+          </a:fontRef>
+        </p:style>
+        <p:txBody>
+          <a:bodyPr rtlCol="0" anchor="ctr"/>
+          <a:lstStyle/>
+          <a:p>
+            <a:pPr algn="ctr"/>
+            <a:endParaRPr lang="ko-KR" altLang="en-US"/>
+          </a:p>
+        </p:txBody>
+      </p:sp>
+      <p:sp>
+        <p:nvSpPr>
+          <p:cNvPr id="6" name="TextBox 5">
+            <a:extLst>
+              <a:ext uri="{FF2B5EF4-FFF2-40B4-BE49-F238E27FC236}">
+                <a16:creationId xmlns:a16="http://schemas.microsoft.com/office/drawing/2014/main" id="{EC638AB9-909A-7879-D1F7-8F0F1B2FF337}"/>
+              </a:ext>
+            </a:extLst>
+          </p:cNvPr>
+          <p:cNvSpPr txBox="1"/>
+          <p:nvPr/>
+        </p:nvSpPr>
+        <p:spPr>
+          <a:xfrm>
+            <a:off x="1718718" y="335362"/>
+            <a:ext cx="1059906" cy="461665"/>
           </a:xfrm>
           <a:prstGeom prst="rect">
             <a:avLst/>
@@ -9860,58 +12795,32 @@
           </a:bodyPr>
           <a:lstStyle/>
           <a:p>
-            <a:pPr marL="342900" indent="-342900">
-              <a:buAutoNum type="arabicPeriod"/>
-            </a:pPr>
-            <a:r>
-              <a:rPr lang="ko-KR" altLang="en-US" dirty="0"/>
-              <a:t>사고건수가 많은 동에 </a:t>
-            </a:r>
-            <a:r>
-              <a:rPr lang="en-US" altLang="ko-KR" dirty="0"/>
-              <a:t>CCTV</a:t>
-            </a:r>
-            <a:r>
-              <a:rPr lang="ko-KR" altLang="en-US" dirty="0"/>
-              <a:t>를 추가 설치</a:t>
-            </a:r>
-            <a:endParaRPr lang="en-US" altLang="ko-KR" dirty="0"/>
-          </a:p>
-          <a:p>
-            <a:pPr marL="342900" indent="-342900">
-              <a:buAutoNum type="arabicPeriod"/>
-            </a:pPr>
-            <a:r>
-              <a:rPr lang="ko-KR" altLang="en-US" dirty="0" err="1"/>
-              <a:t>그래프보여주기</a:t>
-            </a:r>
-            <a:endParaRPr lang="en-US" altLang="ko-KR" dirty="0"/>
-          </a:p>
-          <a:p>
-            <a:pPr marL="342900" indent="-342900">
-              <a:buAutoNum type="arabicPeriod"/>
-            </a:pPr>
-            <a:endParaRPr lang="en-US" altLang="ko-KR" dirty="0"/>
-          </a:p>
-          <a:p>
-            <a:pPr marL="342900" indent="-342900">
-              <a:buFontTx/>
-              <a:buAutoNum type="arabicPeriod"/>
-            </a:pPr>
-            <a:r>
-              <a:rPr lang="ko-KR" altLang="en-US"/>
-              <a:t>어린이보호구역 육교설치</a:t>
-            </a:r>
-            <a:endParaRPr lang="ko-KR" altLang="en-US" dirty="0"/>
+            <a:r>
+              <a:rPr lang="en-US" altLang="ko-KR" sz="2400" b="1" spc="-150" dirty="0">
+                <a:solidFill>
+                  <a:schemeClr val="tx1">
+                    <a:lumMod val="75000"/>
+                  </a:schemeClr>
+                </a:solidFill>
+              </a:rPr>
+              <a:t>Insight</a:t>
+            </a:r>
+            <a:endParaRPr lang="ko-KR" altLang="en-US" sz="2400" b="1" spc="-150" dirty="0">
+              <a:solidFill>
+                <a:schemeClr val="tx1">
+                  <a:lumMod val="75000"/>
+                </a:schemeClr>
+              </a:solidFill>
+            </a:endParaRPr>
           </a:p>
         </p:txBody>
       </p:sp>
       <p:sp>
         <p:nvSpPr>
-          <p:cNvPr id="2" name="TextBox 1">
-            <a:extLst>
-              <a:ext uri="{FF2B5EF4-FFF2-40B4-BE49-F238E27FC236}">
-                <a16:creationId xmlns:a16="http://schemas.microsoft.com/office/drawing/2014/main" id="{4F26AB67-F0FA-46BD-2319-269A3F0307B2}"/>
+          <p:cNvPr id="7" name="TextBox 6">
+            <a:extLst>
+              <a:ext uri="{FF2B5EF4-FFF2-40B4-BE49-F238E27FC236}">
+                <a16:creationId xmlns:a16="http://schemas.microsoft.com/office/drawing/2014/main" id="{7D87968B-651B-FC2A-3B48-2486D96D182A}"/>
               </a:ext>
             </a:extLst>
           </p:cNvPr>
@@ -9920,8 +12829,8 @@
         </p:nvSpPr>
         <p:spPr>
           <a:xfrm>
-            <a:off x="946247" y="3567704"/>
-            <a:ext cx="1733167" cy="369332"/>
+            <a:off x="609915" y="375058"/>
+            <a:ext cx="659155" cy="400110"/>
           </a:xfrm>
           <a:prstGeom prst="rect">
             <a:avLst/>
@@ -9934,18 +12843,1062 @@
           </a:bodyPr>
           <a:lstStyle/>
           <a:p>
-            <a:r>
-              <a:rPr lang="ko-KR" altLang="en-US" dirty="0"/>
-              <a:t>추후 시도 예정</a:t>
-            </a:r>
-            <a:endParaRPr lang="en-US" altLang="ko-KR" dirty="0"/>
+            <a:pPr algn="ctr"/>
+            <a:r>
+              <a:rPr lang="en-US" altLang="ko-KR" sz="2000" b="1" spc="-150" dirty="0">
+                <a:solidFill>
+                  <a:schemeClr val="bg1"/>
+                </a:solidFill>
+              </a:rPr>
+              <a:t>Final</a:t>
+            </a:r>
+            <a:endParaRPr lang="ko-KR" altLang="en-US" sz="2000" b="1" spc="-150" dirty="0">
+              <a:solidFill>
+                <a:schemeClr val="bg1"/>
+              </a:solidFill>
+            </a:endParaRPr>
+          </a:p>
+        </p:txBody>
+      </p:sp>
+      <p:pic>
+        <p:nvPicPr>
+          <p:cNvPr id="19" name="그림 18" descr="텍스트, 스크린샷, 직사각형, 라인이(가) 표시된 사진&#10;&#10;자동 생성된 설명">
+            <a:extLst>
+              <a:ext uri="{FF2B5EF4-FFF2-40B4-BE49-F238E27FC236}">
+                <a16:creationId xmlns:a16="http://schemas.microsoft.com/office/drawing/2014/main" id="{CD4F1E4B-CC0B-1C98-573D-0B3CB2000812}"/>
+              </a:ext>
+            </a:extLst>
+          </p:cNvPr>
+          <p:cNvPicPr>
+            <a:picLocks noChangeAspect="1"/>
+          </p:cNvPicPr>
+          <p:nvPr/>
+        </p:nvPicPr>
+        <p:blipFill>
+          <a:blip r:embed="rId2">
+            <a:extLst>
+              <a:ext uri="{28A0092B-C50C-407E-A947-70E740481C1C}">
+                <a14:useLocalDpi xmlns:a14="http://schemas.microsoft.com/office/drawing/2010/main" val="0"/>
+              </a:ext>
+            </a:extLst>
+          </a:blip>
+          <a:stretch>
+            <a:fillRect/>
+          </a:stretch>
+        </p:blipFill>
+        <p:spPr>
+          <a:xfrm>
+            <a:off x="6087676" y="1225887"/>
+            <a:ext cx="5456627" cy="4406226"/>
+          </a:xfrm>
+          <a:prstGeom prst="rect">
+            <a:avLst/>
+          </a:prstGeom>
+        </p:spPr>
+      </p:pic>
+    </p:spTree>
+    <p:extLst>
+      <p:ext uri="{BB962C8B-B14F-4D97-AF65-F5344CB8AC3E}">
+        <p14:creationId xmlns:p14="http://schemas.microsoft.com/office/powerpoint/2010/main" val="1604070547"/>
+      </p:ext>
+    </p:extLst>
+  </p:cSld>
+  <p:clrMapOvr>
+    <a:masterClrMapping/>
+  </p:clrMapOvr>
+</p:sld>
+</file>
+
+<file path=ppt/slides/slide18.xml><?xml version="1.0" encoding="utf-8"?>
+<p:sld xmlns:a="http://schemas.openxmlformats.org/drawingml/2006/main" xmlns:r="http://schemas.openxmlformats.org/officeDocument/2006/relationships" xmlns:p="http://schemas.openxmlformats.org/presentationml/2006/main">
+  <p:cSld>
+    <p:spTree>
+      <p:nvGrpSpPr>
+        <p:cNvPr id="1" name="">
+          <a:extLst>
+            <a:ext uri="{FF2B5EF4-FFF2-40B4-BE49-F238E27FC236}">
+              <a16:creationId xmlns:a16="http://schemas.microsoft.com/office/drawing/2014/main" id="{422ED101-C80B-142C-F2FF-1A33C15DD73A}"/>
+            </a:ext>
+          </a:extLst>
+        </p:cNvPr>
+        <p:cNvGrpSpPr/>
+        <p:nvPr/>
+      </p:nvGrpSpPr>
+      <p:grpSpPr>
+        <a:xfrm>
+          <a:off x="0" y="0"/>
+          <a:ext cx="0" cy="0"/>
+          <a:chOff x="0" y="0"/>
+          <a:chExt cx="0" cy="0"/>
+        </a:xfrm>
+      </p:grpSpPr>
+      <p:sp>
+        <p:nvSpPr>
+          <p:cNvPr id="4" name="사각형: 둥근 모서리 3">
+            <a:extLst>
+              <a:ext uri="{FF2B5EF4-FFF2-40B4-BE49-F238E27FC236}">
+                <a16:creationId xmlns:a16="http://schemas.microsoft.com/office/drawing/2014/main" id="{42EDC4C6-E78B-61C1-DF37-B4DF2E856AE4}"/>
+              </a:ext>
+            </a:extLst>
+          </p:cNvPr>
+          <p:cNvSpPr/>
+          <p:nvPr/>
+        </p:nvSpPr>
+        <p:spPr>
+          <a:xfrm>
+            <a:off x="363448" y="335362"/>
+            <a:ext cx="1152086" cy="479503"/>
+          </a:xfrm>
+          <a:prstGeom prst="roundRect">
+            <a:avLst>
+              <a:gd name="adj" fmla="val 36090"/>
+            </a:avLst>
+          </a:prstGeom>
+          <a:solidFill>
+            <a:schemeClr val="tx1">
+              <a:lumMod val="65000"/>
+              <a:lumOff val="35000"/>
+            </a:schemeClr>
+          </a:solidFill>
+          <a:ln>
+            <a:noFill/>
+          </a:ln>
+        </p:spPr>
+        <p:style>
+          <a:lnRef idx="2">
+            <a:schemeClr val="accent1">
+              <a:shade val="50000"/>
+            </a:schemeClr>
+          </a:lnRef>
+          <a:fillRef idx="1">
+            <a:schemeClr val="accent1"/>
+          </a:fillRef>
+          <a:effectRef idx="0">
+            <a:schemeClr val="accent1"/>
+          </a:effectRef>
+          <a:fontRef idx="minor">
+            <a:schemeClr val="lt1"/>
+          </a:fontRef>
+        </p:style>
+        <p:txBody>
+          <a:bodyPr rtlCol="0" anchor="ctr"/>
+          <a:lstStyle/>
+          <a:p>
+            <a:pPr algn="ctr"/>
+            <a:endParaRPr lang="ko-KR" altLang="en-US"/>
+          </a:p>
+        </p:txBody>
+      </p:sp>
+      <p:sp>
+        <p:nvSpPr>
+          <p:cNvPr id="5" name="TextBox 4">
+            <a:extLst>
+              <a:ext uri="{FF2B5EF4-FFF2-40B4-BE49-F238E27FC236}">
+                <a16:creationId xmlns:a16="http://schemas.microsoft.com/office/drawing/2014/main" id="{F8AE21F7-A619-A778-4B2C-163BB74954ED}"/>
+              </a:ext>
+            </a:extLst>
+          </p:cNvPr>
+          <p:cNvSpPr txBox="1"/>
+          <p:nvPr/>
+        </p:nvSpPr>
+        <p:spPr>
+          <a:xfrm>
+            <a:off x="1718718" y="335362"/>
+            <a:ext cx="1059906" cy="461665"/>
+          </a:xfrm>
+          <a:prstGeom prst="rect">
+            <a:avLst/>
+          </a:prstGeom>
+          <a:noFill/>
+        </p:spPr>
+        <p:txBody>
+          <a:bodyPr wrap="none" rtlCol="0">
+            <a:spAutoFit/>
+          </a:bodyPr>
+          <a:lstStyle/>
+          <a:p>
+            <a:r>
+              <a:rPr lang="en-US" altLang="ko-KR" sz="2400" b="1" spc="-150" dirty="0">
+                <a:solidFill>
+                  <a:schemeClr val="tx1">
+                    <a:lumMod val="75000"/>
+                  </a:schemeClr>
+                </a:solidFill>
+              </a:rPr>
+              <a:t>Insight</a:t>
+            </a:r>
+            <a:endParaRPr lang="ko-KR" altLang="en-US" sz="2400" b="1" spc="-150" dirty="0">
+              <a:solidFill>
+                <a:schemeClr val="tx1">
+                  <a:lumMod val="75000"/>
+                </a:schemeClr>
+              </a:solidFill>
+            </a:endParaRPr>
+          </a:p>
+        </p:txBody>
+      </p:sp>
+      <p:sp>
+        <p:nvSpPr>
+          <p:cNvPr id="6" name="TextBox 5">
+            <a:extLst>
+              <a:ext uri="{FF2B5EF4-FFF2-40B4-BE49-F238E27FC236}">
+                <a16:creationId xmlns:a16="http://schemas.microsoft.com/office/drawing/2014/main" id="{DBFD391F-FC36-CC3F-D21A-501AC75957D0}"/>
+              </a:ext>
+            </a:extLst>
+          </p:cNvPr>
+          <p:cNvSpPr txBox="1"/>
+          <p:nvPr/>
+        </p:nvSpPr>
+        <p:spPr>
+          <a:xfrm>
+            <a:off x="609915" y="375058"/>
+            <a:ext cx="659155" cy="400110"/>
+          </a:xfrm>
+          <a:prstGeom prst="rect">
+            <a:avLst/>
+          </a:prstGeom>
+          <a:noFill/>
+        </p:spPr>
+        <p:txBody>
+          <a:bodyPr wrap="none" rtlCol="0">
+            <a:spAutoFit/>
+          </a:bodyPr>
+          <a:lstStyle/>
+          <a:p>
+            <a:pPr algn="ctr"/>
+            <a:r>
+              <a:rPr lang="en-US" altLang="ko-KR" sz="2000" b="1" spc="-150" dirty="0">
+                <a:solidFill>
+                  <a:schemeClr val="bg1"/>
+                </a:solidFill>
+              </a:rPr>
+              <a:t>Final</a:t>
+            </a:r>
+            <a:endParaRPr lang="ko-KR" altLang="en-US" sz="2000" b="1" spc="-150" dirty="0">
+              <a:solidFill>
+                <a:schemeClr val="bg1"/>
+              </a:solidFill>
+            </a:endParaRPr>
+          </a:p>
+        </p:txBody>
+      </p:sp>
+      <p:sp>
+        <p:nvSpPr>
+          <p:cNvPr id="222" name="직사각형 221">
+            <a:extLst>
+              <a:ext uri="{FF2B5EF4-FFF2-40B4-BE49-F238E27FC236}">
+                <a16:creationId xmlns:a16="http://schemas.microsoft.com/office/drawing/2014/main" id="{D913A630-F239-A7CC-92E1-47B84750383C}"/>
+              </a:ext>
+            </a:extLst>
+          </p:cNvPr>
+          <p:cNvSpPr/>
+          <p:nvPr/>
+        </p:nvSpPr>
+        <p:spPr>
+          <a:xfrm>
+            <a:off x="673878" y="1163255"/>
+            <a:ext cx="4686724" cy="3467421"/>
+          </a:xfrm>
+          <a:prstGeom prst="rect">
+            <a:avLst/>
+          </a:prstGeom>
+          <a:solidFill>
+            <a:schemeClr val="bg1"/>
+          </a:solidFill>
+          <a:ln>
+            <a:solidFill>
+              <a:schemeClr val="tx1"/>
+            </a:solidFill>
+          </a:ln>
+        </p:spPr>
+        <p:style>
+          <a:lnRef idx="2">
+            <a:schemeClr val="accent1">
+              <a:shade val="50000"/>
+            </a:schemeClr>
+          </a:lnRef>
+          <a:fillRef idx="1">
+            <a:schemeClr val="accent1"/>
+          </a:fillRef>
+          <a:effectRef idx="0">
+            <a:schemeClr val="accent1"/>
+          </a:effectRef>
+          <a:fontRef idx="minor">
+            <a:schemeClr val="lt1"/>
+          </a:fontRef>
+        </p:style>
+        <p:txBody>
+          <a:bodyPr rtlCol="0" anchor="ctr"/>
+          <a:lstStyle/>
+          <a:p>
+            <a:pPr algn="ctr"/>
+            <a:endParaRPr lang="ko-KR" altLang="en-US" dirty="0"/>
+          </a:p>
+        </p:txBody>
+      </p:sp>
+      <p:sp>
+        <p:nvSpPr>
+          <p:cNvPr id="10" name="직사각형 9">
+            <a:extLst>
+              <a:ext uri="{FF2B5EF4-FFF2-40B4-BE49-F238E27FC236}">
+                <a16:creationId xmlns:a16="http://schemas.microsoft.com/office/drawing/2014/main" id="{DC60FCD9-C2FA-51DD-9DA4-13E23CA80C48}"/>
+              </a:ext>
+            </a:extLst>
+          </p:cNvPr>
+          <p:cNvSpPr/>
+          <p:nvPr/>
+        </p:nvSpPr>
+        <p:spPr>
+          <a:xfrm>
+            <a:off x="6831399" y="1166068"/>
+            <a:ext cx="4686724" cy="3467421"/>
+          </a:xfrm>
+          <a:prstGeom prst="rect">
+            <a:avLst/>
+          </a:prstGeom>
+          <a:solidFill>
+            <a:schemeClr val="bg1"/>
+          </a:solidFill>
+          <a:ln>
+            <a:solidFill>
+              <a:schemeClr val="tx1"/>
+            </a:solidFill>
+          </a:ln>
+        </p:spPr>
+        <p:style>
+          <a:lnRef idx="2">
+            <a:schemeClr val="accent1">
+              <a:shade val="50000"/>
+            </a:schemeClr>
+          </a:lnRef>
+          <a:fillRef idx="1">
+            <a:schemeClr val="accent1"/>
+          </a:fillRef>
+          <a:effectRef idx="0">
+            <a:schemeClr val="accent1"/>
+          </a:effectRef>
+          <a:fontRef idx="minor">
+            <a:schemeClr val="lt1"/>
+          </a:fontRef>
+        </p:style>
+        <p:txBody>
+          <a:bodyPr rtlCol="0" anchor="ctr"/>
+          <a:lstStyle/>
+          <a:p>
+            <a:pPr algn="ctr"/>
+            <a:endParaRPr lang="ko-KR" altLang="en-US" dirty="0"/>
+          </a:p>
+        </p:txBody>
+      </p:sp>
+      <p:pic>
+        <p:nvPicPr>
+          <p:cNvPr id="3" name="그림 2" descr="텍스트, 라인, 도표, 스크린샷이(가) 표시된 사진&#10;&#10;자동 생성된 설명">
+            <a:extLst>
+              <a:ext uri="{FF2B5EF4-FFF2-40B4-BE49-F238E27FC236}">
+                <a16:creationId xmlns:a16="http://schemas.microsoft.com/office/drawing/2014/main" id="{E7F7A4A9-4D0F-3756-BB02-E957C084D9C0}"/>
+              </a:ext>
+            </a:extLst>
+          </p:cNvPr>
+          <p:cNvPicPr>
+            <a:picLocks/>
+          </p:cNvPicPr>
+          <p:nvPr/>
+        </p:nvPicPr>
+        <p:blipFill>
+          <a:blip r:embed="rId2">
+            <a:extLst>
+              <a:ext uri="{28A0092B-C50C-407E-A947-70E740481C1C}">
+                <a14:useLocalDpi xmlns:a14="http://schemas.microsoft.com/office/drawing/2010/main" val="0"/>
+              </a:ext>
+            </a:extLst>
+          </a:blip>
+          <a:stretch>
+            <a:fillRect/>
+          </a:stretch>
+        </p:blipFill>
+        <p:spPr>
+          <a:xfrm>
+            <a:off x="7134191" y="1280565"/>
+            <a:ext cx="4075200" cy="3232800"/>
+          </a:xfrm>
+          <a:prstGeom prst="rect">
+            <a:avLst/>
+          </a:prstGeom>
+        </p:spPr>
+      </p:pic>
+      <p:pic>
+        <p:nvPicPr>
+          <p:cNvPr id="8" name="그림 7" descr="텍스트, 스크린샷, 직사각형, 라인이(가) 표시된 사진&#10;&#10;자동 생성된 설명">
+            <a:extLst>
+              <a:ext uri="{FF2B5EF4-FFF2-40B4-BE49-F238E27FC236}">
+                <a16:creationId xmlns:a16="http://schemas.microsoft.com/office/drawing/2014/main" id="{C5E7F985-2579-2347-4EDA-90F13CADFF6D}"/>
+              </a:ext>
+            </a:extLst>
+          </p:cNvPr>
+          <p:cNvPicPr>
+            <a:picLocks/>
+          </p:cNvPicPr>
+          <p:nvPr/>
+        </p:nvPicPr>
+        <p:blipFill>
+          <a:blip r:embed="rId3">
+            <a:extLst>
+              <a:ext uri="{28A0092B-C50C-407E-A947-70E740481C1C}">
+                <a14:useLocalDpi xmlns:a14="http://schemas.microsoft.com/office/drawing/2010/main" val="0"/>
+              </a:ext>
+            </a:extLst>
+          </a:blip>
+          <a:stretch>
+            <a:fillRect/>
+          </a:stretch>
+        </p:blipFill>
+        <p:spPr>
+          <a:xfrm>
+            <a:off x="979639" y="1280565"/>
+            <a:ext cx="4075200" cy="3232800"/>
+          </a:xfrm>
+          <a:prstGeom prst="rect">
+            <a:avLst/>
+          </a:prstGeom>
+        </p:spPr>
+      </p:pic>
+      <p:sp>
+        <p:nvSpPr>
+          <p:cNvPr id="9" name="사각형: 둥근 모서리 8">
+            <a:extLst>
+              <a:ext uri="{FF2B5EF4-FFF2-40B4-BE49-F238E27FC236}">
+                <a16:creationId xmlns:a16="http://schemas.microsoft.com/office/drawing/2014/main" id="{0F7CB084-4AF6-B82A-1A24-B5A09C800293}"/>
+              </a:ext>
+            </a:extLst>
+          </p:cNvPr>
+          <p:cNvSpPr/>
+          <p:nvPr/>
+        </p:nvSpPr>
+        <p:spPr>
+          <a:xfrm>
+            <a:off x="673877" y="4833257"/>
+            <a:ext cx="10844245" cy="1856791"/>
+          </a:xfrm>
+          <a:prstGeom prst="roundRect">
+            <a:avLst>
+              <a:gd name="adj" fmla="val 7815"/>
+            </a:avLst>
+          </a:prstGeom>
+          <a:solidFill>
+            <a:schemeClr val="bg1">
+              <a:lumMod val="95000"/>
+            </a:schemeClr>
+          </a:solidFill>
+          <a:ln>
+            <a:solidFill>
+              <a:schemeClr val="tx1"/>
+            </a:solidFill>
+          </a:ln>
+        </p:spPr>
+        <p:style>
+          <a:lnRef idx="2">
+            <a:schemeClr val="accent1">
+              <a:shade val="50000"/>
+            </a:schemeClr>
+          </a:lnRef>
+          <a:fillRef idx="1">
+            <a:schemeClr val="accent1"/>
+          </a:fillRef>
+          <a:effectRef idx="0">
+            <a:schemeClr val="accent1"/>
+          </a:effectRef>
+          <a:fontRef idx="minor">
+            <a:schemeClr val="lt1"/>
+          </a:fontRef>
+        </p:style>
+        <p:txBody>
+          <a:bodyPr rtlCol="0" anchor="ctr"/>
+          <a:lstStyle/>
+          <a:p>
+            <a:pPr marL="285750" indent="-285750" algn="just">
+              <a:buFont typeface="Arial" panose="020B0604020202020204" pitchFamily="34" charset="0"/>
+              <a:buChar char="•"/>
+            </a:pPr>
+            <a:r>
+              <a:rPr lang="ko-KR" altLang="en-US" dirty="0">
+                <a:solidFill>
+                  <a:schemeClr val="tx1"/>
+                </a:solidFill>
+              </a:rPr>
+              <a:t>왼쪽은 상위 </a:t>
+            </a:r>
+            <a:r>
+              <a:rPr lang="en-US" altLang="ko-KR" dirty="0">
+                <a:solidFill>
+                  <a:schemeClr val="tx1"/>
+                </a:solidFill>
+              </a:rPr>
+              <a:t>5</a:t>
+            </a:r>
+            <a:r>
+              <a:rPr lang="ko-KR" altLang="en-US" dirty="0">
+                <a:solidFill>
+                  <a:schemeClr val="tx1"/>
+                </a:solidFill>
+              </a:rPr>
+              <a:t>개의 보안등이 많은 지역이며</a:t>
+            </a:r>
+            <a:r>
+              <a:rPr lang="en-US" altLang="ko-KR" dirty="0">
+                <a:solidFill>
+                  <a:schemeClr val="tx1"/>
+                </a:solidFill>
+              </a:rPr>
+              <a:t>, </a:t>
+            </a:r>
+            <a:r>
+              <a:rPr lang="ko-KR" altLang="en-US" dirty="0">
+                <a:solidFill>
+                  <a:schemeClr val="tx1"/>
+                </a:solidFill>
+              </a:rPr>
+              <a:t>오른쪽은 하위</a:t>
+            </a:r>
+            <a:r>
+              <a:rPr lang="en-US" altLang="ko-KR" dirty="0">
+                <a:solidFill>
+                  <a:schemeClr val="tx1"/>
+                </a:solidFill>
+              </a:rPr>
+              <a:t> 5</a:t>
+            </a:r>
+            <a:r>
+              <a:rPr lang="ko-KR" altLang="en-US" dirty="0">
+                <a:solidFill>
+                  <a:schemeClr val="tx1"/>
+                </a:solidFill>
+              </a:rPr>
+              <a:t>개의 지역인데</a:t>
+            </a:r>
+            <a:r>
+              <a:rPr lang="en-US" altLang="ko-KR" dirty="0">
+                <a:solidFill>
+                  <a:schemeClr val="tx1"/>
+                </a:solidFill>
+              </a:rPr>
+              <a:t>, </a:t>
+            </a:r>
+            <a:r>
+              <a:rPr lang="ko-KR" altLang="en-US" dirty="0">
+                <a:solidFill>
+                  <a:schemeClr val="tx1"/>
+                </a:solidFill>
+              </a:rPr>
+              <a:t>큰 차이는 없지만 경험상 보안등이 없을 경우 자동차 </a:t>
+            </a:r>
+            <a:r>
+              <a:rPr lang="ko-KR" altLang="en-US" dirty="0" err="1">
+                <a:solidFill>
+                  <a:schemeClr val="tx1"/>
+                </a:solidFill>
+              </a:rPr>
+              <a:t>라이트에만</a:t>
+            </a:r>
+            <a:r>
+              <a:rPr lang="ko-KR" altLang="en-US" dirty="0">
+                <a:solidFill>
+                  <a:schemeClr val="tx1"/>
+                </a:solidFill>
+              </a:rPr>
+              <a:t> 의지해서 운전을 하기 때문에 사고의 확률이 높아지기 때문에 사고를 줄이기 위해서는 보안등의 개수를 늘려 시야확보에 도움을 주어야 할 것으로 예상된다</a:t>
+            </a:r>
+            <a:r>
+              <a:rPr lang="en-US" altLang="ko-KR" dirty="0">
+                <a:solidFill>
+                  <a:schemeClr val="tx1"/>
+                </a:solidFill>
+              </a:rPr>
+              <a:t>.</a:t>
+            </a:r>
           </a:p>
         </p:txBody>
       </p:sp>
     </p:spTree>
     <p:extLst>
       <p:ext uri="{BB962C8B-B14F-4D97-AF65-F5344CB8AC3E}">
-        <p14:creationId xmlns:p14="http://schemas.microsoft.com/office/powerpoint/2010/main" val="1604070547"/>
+        <p14:creationId xmlns:p14="http://schemas.microsoft.com/office/powerpoint/2010/main" val="2844309357"/>
+      </p:ext>
+    </p:extLst>
+  </p:cSld>
+  <p:clrMapOvr>
+    <a:masterClrMapping/>
+  </p:clrMapOvr>
+</p:sld>
+</file>
+
+<file path=ppt/slides/slide19.xml><?xml version="1.0" encoding="utf-8"?>
+<p:sld xmlns:a="http://schemas.openxmlformats.org/drawingml/2006/main" xmlns:r="http://schemas.openxmlformats.org/officeDocument/2006/relationships" xmlns:p="http://schemas.openxmlformats.org/presentationml/2006/main">
+  <p:cSld>
+    <p:spTree>
+      <p:nvGrpSpPr>
+        <p:cNvPr id="1" name="">
+          <a:extLst>
+            <a:ext uri="{FF2B5EF4-FFF2-40B4-BE49-F238E27FC236}">
+              <a16:creationId xmlns:a16="http://schemas.microsoft.com/office/drawing/2014/main" id="{FD085291-4A72-ED1B-544C-CD3F39C8FC19}"/>
+            </a:ext>
+          </a:extLst>
+        </p:cNvPr>
+        <p:cNvGrpSpPr/>
+        <p:nvPr/>
+      </p:nvGrpSpPr>
+      <p:grpSpPr>
+        <a:xfrm>
+          <a:off x="0" y="0"/>
+          <a:ext cx="0" cy="0"/>
+          <a:chOff x="0" y="0"/>
+          <a:chExt cx="0" cy="0"/>
+        </a:xfrm>
+      </p:grpSpPr>
+      <p:sp>
+        <p:nvSpPr>
+          <p:cNvPr id="10" name="TextBox 9">
+            <a:extLst>
+              <a:ext uri="{FF2B5EF4-FFF2-40B4-BE49-F238E27FC236}">
+                <a16:creationId xmlns:a16="http://schemas.microsoft.com/office/drawing/2014/main" id="{C95C8671-D098-25C7-6D2E-6A72531EDABC}"/>
+              </a:ext>
+            </a:extLst>
+          </p:cNvPr>
+          <p:cNvSpPr txBox="1"/>
+          <p:nvPr/>
+        </p:nvSpPr>
+        <p:spPr>
+          <a:xfrm>
+            <a:off x="502055" y="420434"/>
+            <a:ext cx="888385" cy="369332"/>
+          </a:xfrm>
+          <a:prstGeom prst="rect">
+            <a:avLst/>
+          </a:prstGeom>
+          <a:noFill/>
+        </p:spPr>
+        <p:txBody>
+          <a:bodyPr wrap="none" rtlCol="0">
+            <a:spAutoFit/>
+          </a:bodyPr>
+          <a:lstStyle/>
+          <a:p>
+            <a:r>
+              <a:rPr lang="en-US" altLang="ko-KR" dirty="0"/>
+              <a:t>Insight</a:t>
+            </a:r>
+          </a:p>
+        </p:txBody>
+      </p:sp>
+      <p:sp>
+        <p:nvSpPr>
+          <p:cNvPr id="2" name="TextBox 1">
+            <a:extLst>
+              <a:ext uri="{FF2B5EF4-FFF2-40B4-BE49-F238E27FC236}">
+                <a16:creationId xmlns:a16="http://schemas.microsoft.com/office/drawing/2014/main" id="{9D3B5623-D359-BDC9-92B0-AF1FA445DDC9}"/>
+              </a:ext>
+            </a:extLst>
+          </p:cNvPr>
+          <p:cNvSpPr txBox="1"/>
+          <p:nvPr/>
+        </p:nvSpPr>
+        <p:spPr>
+          <a:xfrm>
+            <a:off x="502055" y="4821851"/>
+            <a:ext cx="4066065" cy="1700787"/>
+          </a:xfrm>
+          <a:prstGeom prst="rect">
+            <a:avLst/>
+          </a:prstGeom>
+          <a:noFill/>
+        </p:spPr>
+        <p:txBody>
+          <a:bodyPr wrap="square" rtlCol="0">
+            <a:spAutoFit/>
+          </a:bodyPr>
+          <a:lstStyle/>
+          <a:p>
+            <a:pPr marL="285750" indent="-285750">
+              <a:lnSpc>
+                <a:spcPct val="150000"/>
+              </a:lnSpc>
+              <a:buFont typeface="Arial" panose="020B0604020202020204" pitchFamily="34" charset="0"/>
+              <a:buChar char="•"/>
+            </a:pPr>
+            <a:r>
+              <a:rPr lang="en-US" altLang="ko-KR" dirty="0" err="1"/>
+              <a:t>AutoML</a:t>
+            </a:r>
+            <a:r>
+              <a:rPr lang="en-US" altLang="ko-KR" dirty="0"/>
+              <a:t> </a:t>
+            </a:r>
+            <a:r>
+              <a:rPr lang="ko-KR" altLang="en-US" dirty="0"/>
+              <a:t>적용 및 평가</a:t>
+            </a:r>
+            <a:endParaRPr lang="en-US" altLang="ko-KR" dirty="0"/>
+          </a:p>
+          <a:p>
+            <a:pPr marL="285750" indent="-285750">
+              <a:lnSpc>
+                <a:spcPct val="150000"/>
+              </a:lnSpc>
+              <a:buFont typeface="Arial" panose="020B0604020202020204" pitchFamily="34" charset="0"/>
+              <a:buChar char="•"/>
+            </a:pPr>
+            <a:r>
+              <a:rPr lang="ko-KR" altLang="en-US" dirty="0"/>
+              <a:t>군집분석 컬럼 조정</a:t>
+            </a:r>
+            <a:endParaRPr lang="en-US" altLang="ko-KR" dirty="0"/>
+          </a:p>
+          <a:p>
+            <a:pPr marL="285750" indent="-285750">
+              <a:lnSpc>
+                <a:spcPct val="150000"/>
+              </a:lnSpc>
+              <a:buFont typeface="Arial" panose="020B0604020202020204" pitchFamily="34" charset="0"/>
+              <a:buChar char="•"/>
+            </a:pPr>
+            <a:r>
+              <a:rPr lang="ko-KR" altLang="en-US" dirty="0"/>
+              <a:t>더 많은 모델 비교 및 튜닝 적용</a:t>
+            </a:r>
+            <a:endParaRPr lang="en-US" altLang="ko-KR" dirty="0"/>
+          </a:p>
+          <a:p>
+            <a:pPr marL="285750" indent="-285750">
+              <a:lnSpc>
+                <a:spcPct val="150000"/>
+              </a:lnSpc>
+              <a:buFont typeface="Arial" panose="020B0604020202020204" pitchFamily="34" charset="0"/>
+              <a:buChar char="•"/>
+            </a:pPr>
+            <a:r>
+              <a:rPr lang="ko-KR" altLang="en-US" dirty="0"/>
+              <a:t>더 많은 시각화</a:t>
+            </a:r>
+            <a:endParaRPr lang="en-US" altLang="ko-KR" dirty="0"/>
+          </a:p>
+        </p:txBody>
+      </p:sp>
+      <p:sp>
+        <p:nvSpPr>
+          <p:cNvPr id="4" name="TextBox 3">
+            <a:extLst>
+              <a:ext uri="{FF2B5EF4-FFF2-40B4-BE49-F238E27FC236}">
+                <a16:creationId xmlns:a16="http://schemas.microsoft.com/office/drawing/2014/main" id="{D88985F4-96BA-1972-66BB-A5E5991E4685}"/>
+              </a:ext>
+            </a:extLst>
+          </p:cNvPr>
+          <p:cNvSpPr txBox="1"/>
+          <p:nvPr/>
+        </p:nvSpPr>
+        <p:spPr>
+          <a:xfrm>
+            <a:off x="502055" y="1439806"/>
+            <a:ext cx="11202640" cy="2531783"/>
+          </a:xfrm>
+          <a:prstGeom prst="rect">
+            <a:avLst/>
+          </a:prstGeom>
+          <a:noFill/>
+        </p:spPr>
+        <p:txBody>
+          <a:bodyPr wrap="square" rtlCol="0">
+            <a:spAutoFit/>
+          </a:bodyPr>
+          <a:lstStyle/>
+          <a:p>
+            <a:pPr marL="285750" indent="-285750">
+              <a:lnSpc>
+                <a:spcPct val="150000"/>
+              </a:lnSpc>
+              <a:buFont typeface="Arial" panose="020B0604020202020204" pitchFamily="34" charset="0"/>
+              <a:buChar char="•"/>
+            </a:pPr>
+            <a:r>
+              <a:rPr lang="ko-KR" altLang="en-US" dirty="0"/>
+              <a:t>혼자서 처음부터 끝까지 진행해본 프로젝트인만큼 아쉬움이 많았으며</a:t>
+            </a:r>
+            <a:r>
+              <a:rPr lang="en-US" altLang="ko-KR" dirty="0"/>
+              <a:t>, EDA</a:t>
+            </a:r>
+            <a:r>
+              <a:rPr lang="ko-KR" altLang="en-US" dirty="0"/>
+              <a:t>부분에서의 부족함을 느낄 수 있었습니다</a:t>
+            </a:r>
+            <a:r>
+              <a:rPr lang="en-US" altLang="ko-KR" dirty="0"/>
+              <a:t>.</a:t>
+            </a:r>
+          </a:p>
+          <a:p>
+            <a:pPr marL="285750" indent="-285750">
+              <a:lnSpc>
+                <a:spcPct val="150000"/>
+              </a:lnSpc>
+              <a:buFont typeface="Arial" panose="020B0604020202020204" pitchFamily="34" charset="0"/>
+              <a:buChar char="•"/>
+            </a:pPr>
+            <a:r>
+              <a:rPr lang="ko-KR" altLang="en-US" dirty="0" err="1"/>
+              <a:t>보완해야할</a:t>
+            </a:r>
+            <a:r>
+              <a:rPr lang="ko-KR" altLang="en-US" dirty="0"/>
+              <a:t> 부분이 명확히 </a:t>
+            </a:r>
+            <a:r>
+              <a:rPr lang="ko-KR" altLang="en-US" dirty="0" err="1"/>
+              <a:t>들어났으며</a:t>
+            </a:r>
+            <a:r>
+              <a:rPr lang="en-US" altLang="ko-KR" dirty="0"/>
+              <a:t>, DACON </a:t>
+            </a:r>
+            <a:r>
+              <a:rPr lang="ko-KR" altLang="en-US" dirty="0"/>
+              <a:t>제출횟수가 </a:t>
+            </a:r>
+            <a:r>
+              <a:rPr lang="en-US" altLang="ko-KR" dirty="0"/>
+              <a:t>3</a:t>
+            </a:r>
+            <a:r>
+              <a:rPr lang="ko-KR" altLang="en-US" dirty="0"/>
+              <a:t>회인 부분도 연습 부분에 있어서 부족함이 느껴졌습니다</a:t>
+            </a:r>
+            <a:r>
+              <a:rPr lang="en-US" altLang="ko-KR" dirty="0"/>
+              <a:t>.</a:t>
+            </a:r>
+          </a:p>
+          <a:p>
+            <a:pPr marL="285750" indent="-285750">
+              <a:lnSpc>
+                <a:spcPct val="150000"/>
+              </a:lnSpc>
+              <a:buFont typeface="Arial" panose="020B0604020202020204" pitchFamily="34" charset="0"/>
+              <a:buChar char="•"/>
+            </a:pPr>
+            <a:r>
+              <a:rPr lang="ko-KR" altLang="en-US" dirty="0"/>
+              <a:t>여기서 끝나지 않고 추가 아이디어를 계속 적용하여 성능을 향상시킬 예정입니다</a:t>
+            </a:r>
+            <a:r>
+              <a:rPr lang="en-US" altLang="ko-KR" dirty="0"/>
+              <a:t>.</a:t>
+            </a:r>
+          </a:p>
+          <a:p>
+            <a:pPr marL="285750" indent="-285750">
+              <a:lnSpc>
+                <a:spcPct val="150000"/>
+              </a:lnSpc>
+              <a:buFont typeface="Arial" panose="020B0604020202020204" pitchFamily="34" charset="0"/>
+              <a:buChar char="•"/>
+            </a:pPr>
+            <a:r>
+              <a:rPr lang="ko-KR" altLang="en-US" dirty="0"/>
+              <a:t>여러 경험 및 다방면으로 데이터를 보는 습관의 필요성을 느꼈습니다</a:t>
+            </a:r>
+            <a:r>
+              <a:rPr lang="en-US" altLang="ko-KR" dirty="0"/>
+              <a:t>.</a:t>
+            </a:r>
+          </a:p>
+        </p:txBody>
+      </p:sp>
+      <p:sp>
+        <p:nvSpPr>
+          <p:cNvPr id="5" name="사각형: 둥근 모서리 4">
+            <a:extLst>
+              <a:ext uri="{FF2B5EF4-FFF2-40B4-BE49-F238E27FC236}">
+                <a16:creationId xmlns:a16="http://schemas.microsoft.com/office/drawing/2014/main" id="{0CF63F80-F4F1-B026-F763-27D209F3157F}"/>
+              </a:ext>
+            </a:extLst>
+          </p:cNvPr>
+          <p:cNvSpPr/>
+          <p:nvPr/>
+        </p:nvSpPr>
+        <p:spPr>
+          <a:xfrm>
+            <a:off x="363448" y="335362"/>
+            <a:ext cx="1152086" cy="479503"/>
+          </a:xfrm>
+          <a:prstGeom prst="roundRect">
+            <a:avLst>
+              <a:gd name="adj" fmla="val 36090"/>
+            </a:avLst>
+          </a:prstGeom>
+          <a:solidFill>
+            <a:schemeClr val="tx1">
+              <a:lumMod val="65000"/>
+              <a:lumOff val="35000"/>
+            </a:schemeClr>
+          </a:solidFill>
+          <a:ln>
+            <a:noFill/>
+          </a:ln>
+        </p:spPr>
+        <p:style>
+          <a:lnRef idx="2">
+            <a:schemeClr val="accent1">
+              <a:shade val="50000"/>
+            </a:schemeClr>
+          </a:lnRef>
+          <a:fillRef idx="1">
+            <a:schemeClr val="accent1"/>
+          </a:fillRef>
+          <a:effectRef idx="0">
+            <a:schemeClr val="accent1"/>
+          </a:effectRef>
+          <a:fontRef idx="minor">
+            <a:schemeClr val="lt1"/>
+          </a:fontRef>
+        </p:style>
+        <p:txBody>
+          <a:bodyPr rtlCol="0" anchor="ctr"/>
+          <a:lstStyle/>
+          <a:p>
+            <a:pPr algn="ctr"/>
+            <a:endParaRPr lang="ko-KR" altLang="en-US"/>
+          </a:p>
+        </p:txBody>
+      </p:sp>
+      <p:sp>
+        <p:nvSpPr>
+          <p:cNvPr id="6" name="TextBox 5">
+            <a:extLst>
+              <a:ext uri="{FF2B5EF4-FFF2-40B4-BE49-F238E27FC236}">
+                <a16:creationId xmlns:a16="http://schemas.microsoft.com/office/drawing/2014/main" id="{87FEC291-4729-DCAB-6311-9899BFDD22B3}"/>
+              </a:ext>
+            </a:extLst>
+          </p:cNvPr>
+          <p:cNvSpPr txBox="1"/>
+          <p:nvPr/>
+        </p:nvSpPr>
+        <p:spPr>
+          <a:xfrm>
+            <a:off x="502055" y="985009"/>
+            <a:ext cx="761747" cy="461665"/>
+          </a:xfrm>
+          <a:prstGeom prst="rect">
+            <a:avLst/>
+          </a:prstGeom>
+          <a:noFill/>
+        </p:spPr>
+        <p:txBody>
+          <a:bodyPr wrap="none" rtlCol="0">
+            <a:spAutoFit/>
+          </a:bodyPr>
+          <a:lstStyle/>
+          <a:p>
+            <a:r>
+              <a:rPr lang="ko-KR" altLang="en-US" sz="2400" b="1" spc="-150" dirty="0">
+                <a:solidFill>
+                  <a:schemeClr val="tx1">
+                    <a:lumMod val="75000"/>
+                  </a:schemeClr>
+                </a:solidFill>
+              </a:rPr>
+              <a:t>총평</a:t>
+            </a:r>
+          </a:p>
+        </p:txBody>
+      </p:sp>
+      <p:sp>
+        <p:nvSpPr>
+          <p:cNvPr id="7" name="TextBox 6">
+            <a:extLst>
+              <a:ext uri="{FF2B5EF4-FFF2-40B4-BE49-F238E27FC236}">
+                <a16:creationId xmlns:a16="http://schemas.microsoft.com/office/drawing/2014/main" id="{8120F116-3F2C-75FB-C3FC-CEE08FE01D0C}"/>
+              </a:ext>
+            </a:extLst>
+          </p:cNvPr>
+          <p:cNvSpPr txBox="1"/>
+          <p:nvPr/>
+        </p:nvSpPr>
+        <p:spPr>
+          <a:xfrm>
+            <a:off x="609915" y="375058"/>
+            <a:ext cx="659155" cy="400110"/>
+          </a:xfrm>
+          <a:prstGeom prst="rect">
+            <a:avLst/>
+          </a:prstGeom>
+          <a:noFill/>
+        </p:spPr>
+        <p:txBody>
+          <a:bodyPr wrap="none" rtlCol="0">
+            <a:spAutoFit/>
+          </a:bodyPr>
+          <a:lstStyle/>
+          <a:p>
+            <a:pPr algn="ctr"/>
+            <a:r>
+              <a:rPr lang="en-US" altLang="ko-KR" sz="2000" b="1" spc="-150" dirty="0" err="1">
+                <a:solidFill>
+                  <a:schemeClr val="bg1"/>
+                </a:solidFill>
+              </a:rPr>
+              <a:t>Fianl</a:t>
+            </a:r>
+            <a:endParaRPr lang="ko-KR" altLang="en-US" sz="2000" b="1" spc="-150" dirty="0">
+              <a:solidFill>
+                <a:schemeClr val="bg1"/>
+              </a:solidFill>
+            </a:endParaRPr>
+          </a:p>
+        </p:txBody>
+      </p:sp>
+      <p:sp>
+        <p:nvSpPr>
+          <p:cNvPr id="8" name="TextBox 7">
+            <a:extLst>
+              <a:ext uri="{FF2B5EF4-FFF2-40B4-BE49-F238E27FC236}">
+                <a16:creationId xmlns:a16="http://schemas.microsoft.com/office/drawing/2014/main" id="{A529A95A-F8BA-8E2B-853F-6389336AD543}"/>
+              </a:ext>
+            </a:extLst>
+          </p:cNvPr>
+          <p:cNvSpPr txBox="1"/>
+          <p:nvPr/>
+        </p:nvSpPr>
+        <p:spPr>
+          <a:xfrm>
+            <a:off x="502055" y="4262600"/>
+            <a:ext cx="1428596" cy="461665"/>
+          </a:xfrm>
+          <a:prstGeom prst="rect">
+            <a:avLst/>
+          </a:prstGeom>
+          <a:noFill/>
+        </p:spPr>
+        <p:txBody>
+          <a:bodyPr wrap="none" rtlCol="0">
+            <a:spAutoFit/>
+          </a:bodyPr>
+          <a:lstStyle/>
+          <a:p>
+            <a:r>
+              <a:rPr lang="ko-KR" altLang="en-US" sz="2400" b="1" spc="-150" dirty="0">
+                <a:solidFill>
+                  <a:schemeClr val="tx1">
+                    <a:lumMod val="75000"/>
+                  </a:schemeClr>
+                </a:solidFill>
+              </a:rPr>
+              <a:t>추후 예정</a:t>
+            </a:r>
+          </a:p>
+        </p:txBody>
+      </p:sp>
+    </p:spTree>
+    <p:extLst>
+      <p:ext uri="{BB962C8B-B14F-4D97-AF65-F5344CB8AC3E}">
+        <p14:creationId xmlns:p14="http://schemas.microsoft.com/office/powerpoint/2010/main" val="2353218090"/>
       </p:ext>
     </p:extLst>
   </p:cSld>
@@ -10503,6 +14456,159 @@
 </p:sld>
 </file>
 
+<file path=ppt/slides/slide20.xml><?xml version="1.0" encoding="utf-8"?>
+<p:sld xmlns:a="http://schemas.openxmlformats.org/drawingml/2006/main" xmlns:r="http://schemas.openxmlformats.org/officeDocument/2006/relationships" xmlns:p="http://schemas.openxmlformats.org/presentationml/2006/main">
+  <p:cSld>
+    <p:spTree>
+      <p:nvGrpSpPr>
+        <p:cNvPr id="1" name=""/>
+        <p:cNvGrpSpPr/>
+        <p:nvPr/>
+      </p:nvGrpSpPr>
+      <p:grpSpPr>
+        <a:xfrm>
+          <a:off x="0" y="0"/>
+          <a:ext cx="0" cy="0"/>
+          <a:chOff x="0" y="0"/>
+          <a:chExt cx="0" cy="0"/>
+        </a:xfrm>
+      </p:grpSpPr>
+      <p:pic>
+        <p:nvPicPr>
+          <p:cNvPr id="8" name="그림 7">
+            <a:extLst>
+              <a:ext uri="{FF2B5EF4-FFF2-40B4-BE49-F238E27FC236}">
+                <a16:creationId xmlns:a16="http://schemas.microsoft.com/office/drawing/2014/main" id="{9F0FC4F5-EC45-29CD-6320-BBA01AE4F459}"/>
+              </a:ext>
+            </a:extLst>
+          </p:cNvPr>
+          <p:cNvPicPr>
+            <a:picLocks noChangeAspect="1"/>
+          </p:cNvPicPr>
+          <p:nvPr/>
+        </p:nvPicPr>
+        <p:blipFill rotWithShape="1">
+          <a:blip r:embed="rId2" cstate="screen">
+            <a:extLst>
+              <a:ext uri="{28A0092B-C50C-407E-A947-70E740481C1C}">
+                <a14:useLocalDpi xmlns:a14="http://schemas.microsoft.com/office/drawing/2010/main" val="0"/>
+              </a:ext>
+            </a:extLst>
+          </a:blip>
+          <a:srcRect/>
+          <a:stretch/>
+        </p:blipFill>
+        <p:spPr>
+          <a:xfrm>
+            <a:off x="0" y="0"/>
+            <a:ext cx="12192000" cy="6858000"/>
+          </a:xfrm>
+          <a:prstGeom prst="rect">
+            <a:avLst/>
+          </a:prstGeom>
+        </p:spPr>
+      </p:pic>
+      <p:sp>
+        <p:nvSpPr>
+          <p:cNvPr id="5" name="직사각형 4">
+            <a:extLst>
+              <a:ext uri="{FF2B5EF4-FFF2-40B4-BE49-F238E27FC236}">
+                <a16:creationId xmlns:a16="http://schemas.microsoft.com/office/drawing/2014/main" id="{0BE0B2E8-6EED-02A4-D334-A477241D0FA3}"/>
+              </a:ext>
+            </a:extLst>
+          </p:cNvPr>
+          <p:cNvSpPr/>
+          <p:nvPr/>
+        </p:nvSpPr>
+        <p:spPr>
+          <a:xfrm>
+            <a:off x="3876907" y="2920581"/>
+            <a:ext cx="4438186" cy="1059367"/>
+          </a:xfrm>
+          <a:prstGeom prst="rect">
+            <a:avLst/>
+          </a:prstGeom>
+          <a:solidFill>
+            <a:schemeClr val="bg1"/>
+          </a:solidFill>
+          <a:ln>
+            <a:noFill/>
+          </a:ln>
+        </p:spPr>
+        <p:style>
+          <a:lnRef idx="2">
+            <a:schemeClr val="accent1">
+              <a:shade val="50000"/>
+            </a:schemeClr>
+          </a:lnRef>
+          <a:fillRef idx="1">
+            <a:schemeClr val="accent1"/>
+          </a:fillRef>
+          <a:effectRef idx="0">
+            <a:schemeClr val="accent1"/>
+          </a:effectRef>
+          <a:fontRef idx="minor">
+            <a:schemeClr val="lt1"/>
+          </a:fontRef>
+        </p:style>
+        <p:txBody>
+          <a:bodyPr rtlCol="0" anchor="ctr"/>
+          <a:lstStyle/>
+          <a:p>
+            <a:pPr algn="ctr"/>
+            <a:endParaRPr lang="ko-KR" altLang="en-US"/>
+          </a:p>
+        </p:txBody>
+      </p:sp>
+      <p:sp>
+        <p:nvSpPr>
+          <p:cNvPr id="6" name="TextBox 5">
+            <a:extLst>
+              <a:ext uri="{FF2B5EF4-FFF2-40B4-BE49-F238E27FC236}">
+                <a16:creationId xmlns:a16="http://schemas.microsoft.com/office/drawing/2014/main" id="{7F41A7F5-4BA9-765E-1807-7E93A431E5EF}"/>
+              </a:ext>
+            </a:extLst>
+          </p:cNvPr>
+          <p:cNvSpPr txBox="1"/>
+          <p:nvPr/>
+        </p:nvSpPr>
+        <p:spPr>
+          <a:xfrm>
+            <a:off x="4893587" y="3107472"/>
+            <a:ext cx="2404826" cy="707886"/>
+          </a:xfrm>
+          <a:prstGeom prst="rect">
+            <a:avLst/>
+          </a:prstGeom>
+          <a:noFill/>
+        </p:spPr>
+        <p:txBody>
+          <a:bodyPr wrap="none" rtlCol="0">
+            <a:spAutoFit/>
+          </a:bodyPr>
+          <a:lstStyle/>
+          <a:p>
+            <a:pPr algn="ctr"/>
+            <a:r>
+              <a:rPr lang="ko-KR" altLang="en-US" sz="4000" b="1" dirty="0"/>
+              <a:t>감사합니다</a:t>
+            </a:r>
+          </a:p>
+        </p:txBody>
+      </p:sp>
+    </p:spTree>
+    <p:extLst>
+      <p:ext uri="{BB962C8B-B14F-4D97-AF65-F5344CB8AC3E}">
+        <p14:creationId xmlns:p14="http://schemas.microsoft.com/office/powerpoint/2010/main" val="2458530658"/>
+      </p:ext>
+    </p:extLst>
+  </p:cSld>
+  <p:clrMapOvr>
+    <a:masterClrMapping/>
+  </p:clrMapOvr>
+</p:sld>
+</file>
+
 <file path=ppt/slides/slide3.xml><?xml version="1.0" encoding="utf-8"?>
 <p:sld xmlns:a="http://schemas.openxmlformats.org/drawingml/2006/main" xmlns:r="http://schemas.openxmlformats.org/officeDocument/2006/relationships" xmlns:p="http://schemas.openxmlformats.org/presentationml/2006/main">
   <p:cSld>
@@ -10693,7 +14799,7 @@
         </p:nvGrpSpPr>
         <p:grpSpPr>
           <a:xfrm>
-            <a:off x="877891" y="3607266"/>
+            <a:off x="877891" y="4157775"/>
             <a:ext cx="2041451" cy="2466584"/>
             <a:chOff x="928225" y="2036556"/>
             <a:chExt cx="2041451" cy="3508788"/>
@@ -10863,7 +14969,7 @@
         </p:nvSpPr>
         <p:spPr>
           <a:xfrm>
-            <a:off x="3074580" y="4812826"/>
+            <a:off x="3074580" y="5363335"/>
             <a:ext cx="389850" cy="369332"/>
           </a:xfrm>
           <a:prstGeom prst="rect">
@@ -10903,7 +15009,7 @@
         </p:nvSpPr>
         <p:spPr>
           <a:xfrm>
-            <a:off x="5848784" y="4812826"/>
+            <a:off x="5848784" y="5363335"/>
             <a:ext cx="389850" cy="369332"/>
           </a:xfrm>
           <a:prstGeom prst="rect">
@@ -10943,7 +15049,7 @@
         </p:nvSpPr>
         <p:spPr>
           <a:xfrm>
-            <a:off x="8576044" y="4812826"/>
+            <a:off x="8576044" y="5363335"/>
             <a:ext cx="389850" cy="369332"/>
           </a:xfrm>
           <a:prstGeom prst="rect">
@@ -10983,7 +15089,7 @@
         </p:nvSpPr>
         <p:spPr>
           <a:xfrm>
-            <a:off x="1522734" y="3649210"/>
+            <a:off x="1522734" y="4199719"/>
             <a:ext cx="737446" cy="323165"/>
           </a:xfrm>
           <a:prstGeom prst="rect">
@@ -11032,7 +15138,7 @@
         </p:nvGrpSpPr>
         <p:grpSpPr>
           <a:xfrm>
-            <a:off x="3636448" y="3607266"/>
+            <a:off x="3636448" y="4157775"/>
             <a:ext cx="2041451" cy="2508528"/>
             <a:chOff x="3686782" y="2036556"/>
             <a:chExt cx="2041451" cy="3568454"/>
@@ -11210,7 +15316,7 @@
         </p:nvSpPr>
         <p:spPr>
           <a:xfrm>
-            <a:off x="3534198" y="3649210"/>
+            <a:off x="3534198" y="4199719"/>
             <a:ext cx="2278124" cy="323165"/>
           </a:xfrm>
           <a:prstGeom prst="rect">
@@ -11259,7 +15365,7 @@
         </p:nvGrpSpPr>
         <p:grpSpPr>
           <a:xfrm>
-            <a:off x="6395005" y="3607266"/>
+            <a:off x="6395005" y="4157775"/>
             <a:ext cx="2041453" cy="2466584"/>
             <a:chOff x="6445339" y="2036556"/>
             <a:chExt cx="2041453" cy="3508788"/>
@@ -11434,7 +15540,7 @@
         </p:nvSpPr>
         <p:spPr>
           <a:xfrm>
-            <a:off x="7063892" y="3649210"/>
+            <a:off x="7063892" y="4199719"/>
             <a:ext cx="737446" cy="323165"/>
           </a:xfrm>
           <a:prstGeom prst="rect">
@@ -11483,7 +15589,7 @@
         </p:nvGrpSpPr>
         <p:grpSpPr>
           <a:xfrm>
-            <a:off x="9153562" y="3607266"/>
+            <a:off x="9153562" y="4157775"/>
             <a:ext cx="2041455" cy="2466584"/>
             <a:chOff x="9203896" y="2036556"/>
             <a:chExt cx="2041455" cy="3508788"/>
@@ -11653,7 +15759,7 @@
         </p:nvSpPr>
         <p:spPr>
           <a:xfrm>
-            <a:off x="9814221" y="3649210"/>
+            <a:off x="9814221" y="4199719"/>
             <a:ext cx="737446" cy="323165"/>
           </a:xfrm>
           <a:prstGeom prst="rect">
@@ -11702,8 +15808,8 @@
         </p:nvSpPr>
         <p:spPr>
           <a:xfrm>
-            <a:off x="939491" y="1306510"/>
-            <a:ext cx="9042284" cy="2031325"/>
+            <a:off x="939491" y="923955"/>
+            <a:ext cx="9486892" cy="3139321"/>
           </a:xfrm>
           <a:prstGeom prst="rect">
             <a:avLst/>
@@ -11787,6 +15893,58 @@
             <a:r>
               <a:rPr lang="ko-KR" altLang="en-US" dirty="0"/>
               <a:t>를 수용적으로 받아들이면서 진행</a:t>
+            </a:r>
+            <a:endParaRPr lang="en-US" altLang="ko-KR" dirty="0"/>
+          </a:p>
+          <a:p>
+            <a:pPr marL="285750" indent="-285750">
+              <a:buFont typeface="Arial" panose="020B0604020202020204" pitchFamily="34" charset="0"/>
+              <a:buChar char="•"/>
+            </a:pPr>
+            <a:endParaRPr lang="en-US" altLang="ko-KR" dirty="0"/>
+          </a:p>
+          <a:p>
+            <a:pPr marL="285750" indent="-285750">
+              <a:buFont typeface="Arial" panose="020B0604020202020204" pitchFamily="34" charset="0"/>
+              <a:buChar char="•"/>
+            </a:pPr>
+            <a:r>
+              <a:rPr lang="ko-KR" altLang="en-US" dirty="0"/>
+              <a:t>단속카메라</a:t>
+            </a:r>
+            <a:r>
+              <a:rPr lang="en-US" altLang="ko-KR" dirty="0"/>
+              <a:t>, </a:t>
+            </a:r>
+            <a:r>
+              <a:rPr lang="ko-KR" altLang="en-US" dirty="0"/>
+              <a:t>가로등 유무 및 차량 통행이 많은 지역</a:t>
+            </a:r>
+            <a:r>
+              <a:rPr lang="en-US" altLang="ko-KR" dirty="0"/>
+              <a:t>, </a:t>
+            </a:r>
+            <a:r>
+              <a:rPr lang="ko-KR" altLang="en-US" dirty="0"/>
+              <a:t>도로 형태가 영향을 줄 것으로 예상</a:t>
+            </a:r>
+            <a:endParaRPr lang="en-US" altLang="ko-KR" dirty="0"/>
+          </a:p>
+          <a:p>
+            <a:pPr marL="285750" indent="-285750">
+              <a:buFont typeface="Arial" panose="020B0604020202020204" pitchFamily="34" charset="0"/>
+              <a:buChar char="•"/>
+            </a:pPr>
+            <a:endParaRPr lang="en-US" altLang="ko-KR" dirty="0"/>
+          </a:p>
+          <a:p>
+            <a:pPr marL="285750" indent="-285750">
+              <a:buFont typeface="Arial" panose="020B0604020202020204" pitchFamily="34" charset="0"/>
+              <a:buChar char="•"/>
+            </a:pPr>
+            <a:r>
+              <a:rPr lang="ko-KR" altLang="en-US" dirty="0"/>
+              <a:t>추가 데이터 및 파생변수를 최대한 활용하는 것이 목표</a:t>
             </a:r>
             <a:endParaRPr lang="en-US" altLang="ko-KR" dirty="0"/>
           </a:p>
